--- a/doc/mspec-talk.pptx
+++ b/doc/mspec-talk.pptx
@@ -5,7 +5,7 @@
     <p:sldMasterId id="2147483648" r:id="rId1"/>
   </p:sldMasterIdLst>
   <p:notesMasterIdLst>
-    <p:notesMasterId r:id="rId27"/>
+    <p:notesMasterId r:id="rId28"/>
   </p:notesMasterIdLst>
   <p:sldIdLst>
     <p:sldId id="256" r:id="rId2"/>
@@ -17,22 +17,23 @@
     <p:sldId id="294" r:id="rId8"/>
     <p:sldId id="296" r:id="rId9"/>
     <p:sldId id="284" r:id="rId10"/>
-    <p:sldId id="283" r:id="rId11"/>
-    <p:sldId id="285" r:id="rId12"/>
-    <p:sldId id="286" r:id="rId13"/>
-    <p:sldId id="297" r:id="rId14"/>
-    <p:sldId id="287" r:id="rId15"/>
-    <p:sldId id="288" r:id="rId16"/>
-    <p:sldId id="298" r:id="rId17"/>
-    <p:sldId id="291" r:id="rId18"/>
-    <p:sldId id="299" r:id="rId19"/>
-    <p:sldId id="300" r:id="rId20"/>
-    <p:sldId id="301" r:id="rId21"/>
-    <p:sldId id="282" r:id="rId22"/>
-    <p:sldId id="292" r:id="rId23"/>
-    <p:sldId id="281" r:id="rId24"/>
-    <p:sldId id="293" r:id="rId25"/>
-    <p:sldId id="271" r:id="rId26"/>
+    <p:sldId id="285" r:id="rId11"/>
+    <p:sldId id="283" r:id="rId12"/>
+    <p:sldId id="302" r:id="rId13"/>
+    <p:sldId id="286" r:id="rId14"/>
+    <p:sldId id="297" r:id="rId15"/>
+    <p:sldId id="287" r:id="rId16"/>
+    <p:sldId id="288" r:id="rId17"/>
+    <p:sldId id="298" r:id="rId18"/>
+    <p:sldId id="291" r:id="rId19"/>
+    <p:sldId id="299" r:id="rId20"/>
+    <p:sldId id="300" r:id="rId21"/>
+    <p:sldId id="301" r:id="rId22"/>
+    <p:sldId id="282" r:id="rId23"/>
+    <p:sldId id="292" r:id="rId24"/>
+    <p:sldId id="281" r:id="rId25"/>
+    <p:sldId id="293" r:id="rId26"/>
+    <p:sldId id="271" r:id="rId27"/>
   </p:sldIdLst>
   <p:sldSz cx="9144000" cy="5143500" type="screen16x9"/>
   <p:notesSz cx="6858000" cy="9144000"/>
@@ -530,7 +531,70 @@
           <a:p>
             <a:r>
               <a:rPr lang="en-GB" dirty="0" smtClean="0"/>
-              <a:t>Talk is going</a:t>
+              <a:t>Nice to</a:t>
+            </a:r>
+            <a:r>
+              <a:rPr lang="en-GB" baseline="0" dirty="0" smtClean="0"/>
+              <a:t> see so many people here.</a:t>
+            </a:r>
+          </a:p>
+          <a:p>
+            <a:endParaRPr lang="en-GB" baseline="0" dirty="0" smtClean="0"/>
+          </a:p>
+          <a:p>
+            <a:r>
+              <a:rPr lang="en-GB" baseline="0" dirty="0" smtClean="0"/>
+              <a:t>This is the first time I’ve given a technical talk, so please go easy on me. </a:t>
+            </a:r>
+          </a:p>
+          <a:p>
+            <a:endParaRPr lang="en-GB" baseline="0" dirty="0" smtClean="0"/>
+          </a:p>
+          <a:p>
+            <a:r>
+              <a:rPr lang="en-GB" baseline="0" dirty="0" smtClean="0"/>
+              <a:t>On the other hand please also interrupt and throw in questions</a:t>
+            </a:r>
+          </a:p>
+          <a:p>
+            <a:endParaRPr lang="en-GB" baseline="0" dirty="0" smtClean="0"/>
+          </a:p>
+          <a:p>
+            <a:r>
+              <a:rPr lang="en-GB" baseline="0" dirty="0" smtClean="0"/>
+              <a:t>It would be great to have a talk, this isn’t meant to be death by </a:t>
+            </a:r>
+            <a:r>
+              <a:rPr lang="en-GB" baseline="0" dirty="0" err="1" smtClean="0"/>
+              <a:t>powerpoint</a:t>
+            </a:r>
+            <a:endParaRPr lang="en-GB" dirty="0" smtClean="0"/>
+          </a:p>
+          <a:p>
+            <a:endParaRPr lang="en-GB" dirty="0" smtClean="0"/>
+          </a:p>
+          <a:p>
+            <a:r>
+              <a:rPr lang="en-GB" dirty="0" smtClean="0"/>
+              <a:t>Having</a:t>
+            </a:r>
+            <a:r>
+              <a:rPr lang="en-GB" baseline="0" dirty="0" smtClean="0"/>
+              <a:t> said that I have 25 slides, almost all of them have no valuable content</a:t>
+            </a:r>
+            <a:endParaRPr lang="en-GB" dirty="0" smtClean="0"/>
+          </a:p>
+          <a:p>
+            <a:endParaRPr lang="en-GB" dirty="0" smtClean="0"/>
+          </a:p>
+          <a:p>
+            <a:r>
+              <a:rPr lang="en-GB" dirty="0" smtClean="0"/>
+              <a:t>Talk </a:t>
+            </a:r>
+            <a:r>
+              <a:rPr lang="en-GB" dirty="0" smtClean="0"/>
+              <a:t>is going</a:t>
             </a:r>
             <a:r>
               <a:rPr lang="en-GB" baseline="0" dirty="0" smtClean="0"/>
@@ -543,17 +607,27 @@
           <a:p>
             <a:r>
               <a:rPr lang="en-GB" baseline="0" dirty="0" smtClean="0"/>
-              <a:t>	. Arrange act assert</a:t>
-            </a:r>
-          </a:p>
-          <a:p>
+              <a:t>	. Arrange act </a:t>
+            </a:r>
+            <a:r>
+              <a:rPr lang="en-GB" baseline="0" dirty="0" smtClean="0"/>
+              <a:t>assert (who here knows that)</a:t>
+            </a:r>
             <a:endParaRPr lang="en-GB" baseline="0" dirty="0" smtClean="0"/>
           </a:p>
           <a:p>
+            <a:endParaRPr lang="en-GB" baseline="0" dirty="0" smtClean="0"/>
+          </a:p>
+          <a:p>
             <a:r>
               <a:rPr lang="en-GB" baseline="0" dirty="0" smtClean="0"/>
-              <a:t>	. Intro to BDD</a:t>
-            </a:r>
+              <a:t>	. Intro to </a:t>
+            </a:r>
+            <a:r>
+              <a:rPr lang="en-GB" baseline="0" dirty="0" smtClean="0"/>
+              <a:t>BDD (behaviour driven development)</a:t>
+            </a:r>
+            <a:endParaRPr lang="en-GB" baseline="0" dirty="0" smtClean="0"/>
           </a:p>
           <a:p>
             <a:r>
@@ -570,6 +644,22 @@
               <a:rPr lang="en-GB" baseline="0" dirty="0" err="1" smtClean="0"/>
               <a:t>specflow</a:t>
             </a:r>
+            <a:r>
+              <a:rPr lang="en-GB" baseline="0" dirty="0" smtClean="0"/>
+              <a:t>, similar	 </a:t>
+            </a:r>
+            <a:r>
+              <a:rPr lang="en-GB" baseline="0" dirty="0" err="1" smtClean="0"/>
+              <a:t>JbeHave</a:t>
+            </a:r>
+            <a:r>
+              <a:rPr lang="en-GB" baseline="0" dirty="0" smtClean="0"/>
+              <a:t> and </a:t>
+            </a:r>
+            <a:r>
+              <a:rPr lang="en-GB" baseline="0" dirty="0" err="1" smtClean="0"/>
+              <a:t>RSPec</a:t>
+            </a:r>
             <a:endParaRPr lang="en-GB" baseline="0" dirty="0" smtClean="0"/>
           </a:p>
           <a:p>
@@ -593,7 +683,7 @@
               <a:t>machine.fakes</a:t>
             </a:r>
             <a:r>
-              <a:rPr lang="en-GB" baseline="0" smtClean="0"/>
+              <a:rPr lang="en-GB" baseline="0" dirty="0" smtClean="0"/>
               <a:t> project</a:t>
             </a:r>
             <a:endParaRPr lang="en-GB" dirty="0"/>
@@ -681,31 +771,28 @@
           <a:lstStyle/>
           <a:p>
             <a:r>
-              <a:rPr lang="en-US" dirty="0" smtClean="0"/>
-              <a:t>Bare</a:t>
-            </a:r>
-            <a:r>
-              <a:rPr lang="en-US" baseline="0" dirty="0" smtClean="0"/>
-              <a:t> bones you can just use the command line</a:t>
-            </a:r>
-          </a:p>
-          <a:p>
-            <a:endParaRPr lang="en-US" baseline="0" dirty="0" smtClean="0"/>
-          </a:p>
-          <a:p>
-            <a:r>
-              <a:rPr lang="en-US" baseline="0" dirty="0" smtClean="0"/>
-              <a:t>Visual studio integration with </a:t>
-            </a:r>
-            <a:r>
-              <a:rPr lang="en-US" baseline="0" dirty="0" err="1" smtClean="0"/>
-              <a:t>resharper</a:t>
-            </a:r>
-            <a:r>
-              <a:rPr lang="en-US" baseline="0" dirty="0" smtClean="0"/>
-              <a:t>, requires installation</a:t>
-            </a:r>
-            <a:endParaRPr lang="en-US" dirty="0"/>
+              <a:rPr lang="en-GB" dirty="0" smtClean="0"/>
+              <a:t>Looks funny to begin with</a:t>
+            </a:r>
+          </a:p>
+          <a:p>
+            <a:r>
+              <a:rPr lang="en-GB" dirty="0" smtClean="0"/>
+              <a:t>	Statics</a:t>
+            </a:r>
+          </a:p>
+          <a:p>
+            <a:r>
+              <a:rPr lang="en-GB" dirty="0" smtClean="0"/>
+              <a:t>	Lambda’s</a:t>
+            </a:r>
+          </a:p>
+          <a:p>
+            <a:r>
+              <a:rPr lang="en-GB" dirty="0" smtClean="0"/>
+              <a:t>		but you get used to it in the end</a:t>
+            </a:r>
+            <a:endParaRPr lang="en-GB" dirty="0"/>
           </a:p>
         </p:txBody>
       </p:sp>
@@ -735,7 +822,7 @@
     </p:spTree>
     <p:extLst>
       <p:ext uri="{BB962C8B-B14F-4D97-AF65-F5344CB8AC3E}">
-        <p14:creationId xmlns:p14="http://schemas.microsoft.com/office/powerpoint/2010/main" val="472804684"/>
+        <p14:creationId xmlns:p14="http://schemas.microsoft.com/office/powerpoint/2010/main" val="3007291703"/>
       </p:ext>
     </p:extLst>
   </p:cSld>
@@ -789,7 +876,32 @@
           <a:bodyPr/>
           <a:lstStyle/>
           <a:p>
-            <a:endParaRPr lang="en-GB"/>
+            <a:r>
+              <a:rPr lang="en-US" dirty="0" smtClean="0"/>
+              <a:t>Bare</a:t>
+            </a:r>
+            <a:r>
+              <a:rPr lang="en-US" baseline="0" dirty="0" smtClean="0"/>
+              <a:t> bones you can just use the command line</a:t>
+            </a:r>
+          </a:p>
+          <a:p>
+            <a:endParaRPr lang="en-US" baseline="0" dirty="0" smtClean="0"/>
+          </a:p>
+          <a:p>
+            <a:r>
+              <a:rPr lang="en-US" baseline="0" dirty="0" smtClean="0"/>
+              <a:t>Visual studio integration with </a:t>
+            </a:r>
+            <a:r>
+              <a:rPr lang="en-US" baseline="0" dirty="0" err="1" smtClean="0"/>
+              <a:t>resharper</a:t>
+            </a:r>
+            <a:r>
+              <a:rPr lang="en-US" baseline="0" dirty="0" smtClean="0"/>
+              <a:t>, requires installation</a:t>
+            </a:r>
+            <a:endParaRPr lang="en-US" dirty="0"/>
           </a:p>
         </p:txBody>
       </p:sp>
@@ -819,7 +931,7 @@
     </p:spTree>
     <p:extLst>
       <p:ext uri="{BB962C8B-B14F-4D97-AF65-F5344CB8AC3E}">
-        <p14:creationId xmlns:p14="http://schemas.microsoft.com/office/powerpoint/2010/main" val="3007291703"/>
+        <p14:creationId xmlns:p14="http://schemas.microsoft.com/office/powerpoint/2010/main" val="472804684"/>
       </p:ext>
     </p:extLst>
   </p:cSld>
@@ -868,70 +980,41 @@
             <p:ph type="body" idx="1"/>
           </p:nvPr>
         </p:nvSpPr>
-        <p:spPr/>
+        <p:spPr>
+          <a:xfrm>
+            <a:off x="259080" y="4343400"/>
+            <a:ext cx="6324600" cy="4114800"/>
+          </a:xfrm>
+        </p:spPr>
         <p:txBody>
           <a:bodyPr/>
           <a:lstStyle/>
           <a:p>
-            <a:r>
-              <a:rPr lang="en-US" dirty="0" smtClean="0"/>
-              <a:t>Allows you to encapsulate your assertions, also makes the test more readable.</a:t>
-            </a:r>
-          </a:p>
-          <a:p>
-            <a:endParaRPr lang="en-US" dirty="0" smtClean="0"/>
-          </a:p>
-          <a:p>
-            <a:r>
-              <a:rPr lang="en-US" dirty="0" smtClean="0"/>
-              <a:t>Important to note:</a:t>
-            </a:r>
-          </a:p>
-          <a:p>
-            <a:endParaRPr lang="en-US" dirty="0" smtClean="0"/>
-          </a:p>
-          <a:p>
-            <a:pPr marL="171450" indent="-171450">
-              <a:buFont typeface="Arial"/>
-              <a:buChar char="•"/>
+            <a:pPr marL="0" marR="0" lvl="0" indent="0" algn="l" defTabSz="457200" rtl="0" eaLnBrk="1" fontAlgn="auto" latinLnBrk="0" hangingPunct="1">
+              <a:lnSpc>
+                <a:spcPct val="100000"/>
+              </a:lnSpc>
+              <a:spcBef>
+                <a:spcPts val="0"/>
+              </a:spcBef>
+              <a:spcAft>
+                <a:spcPts val="0"/>
+              </a:spcAft>
+              <a:buClrTx/>
+              <a:buSzTx/>
+              <a:buFontTx/>
+              <a:buNone/>
+              <a:tabLst/>
+              <a:defRPr/>
             </a:pPr>
-            <a:r>
-              <a:rPr lang="en-US" dirty="0" smtClean="0"/>
-              <a:t>Step1</a:t>
-            </a:r>
-            <a:r>
-              <a:rPr lang="en-US" baseline="0" dirty="0" smtClean="0"/>
-              <a:t> : Create a new class with a behavior attribute</a:t>
-            </a:r>
-          </a:p>
-          <a:p>
-            <a:pPr marL="171450" indent="-171450">
-              <a:buFont typeface="Arial"/>
-              <a:buChar char="•"/>
-            </a:pPr>
-            <a:r>
-              <a:rPr lang="en-US" baseline="0" dirty="0" smtClean="0"/>
-              <a:t>Step2 : Define your assertions</a:t>
-            </a:r>
-          </a:p>
-          <a:p>
-            <a:pPr marL="171450" indent="-171450">
-              <a:buFont typeface="Arial"/>
-              <a:buChar char="•"/>
-            </a:pPr>
-            <a:r>
-              <a:rPr lang="en-US" baseline="0" dirty="0" smtClean="0"/>
-              <a:t>Step3 : Create the context variable in the behavior as </a:t>
-            </a:r>
-            <a:r>
-              <a:rPr lang="en-US" b="1" baseline="0" dirty="0" smtClean="0"/>
-              <a:t>protected</a:t>
-            </a:r>
-            <a:r>
-              <a:rPr lang="en-US" baseline="0" dirty="0" smtClean="0"/>
-              <a:t> with the same name as the associated test class</a:t>
-            </a:r>
-            <a:endParaRPr lang="en-US" dirty="0" smtClean="0"/>
+            <a:endParaRPr lang="en-GB" sz="800" kern="1200" dirty="0" smtClean="0">
+              <a:solidFill>
+                <a:schemeClr val="tx1"/>
+              </a:solidFill>
+              <a:latin typeface="Consolas" pitchFamily="49" charset="0"/>
+              <a:ea typeface="Adobe Fangsong Std R" pitchFamily="18" charset="-128"/>
+              <a:cs typeface="Consolas" pitchFamily="49" charset="0"/>
+            </a:endParaRPr>
           </a:p>
         </p:txBody>
       </p:sp>
@@ -961,7 +1044,7 @@
     </p:spTree>
     <p:extLst>
       <p:ext uri="{BB962C8B-B14F-4D97-AF65-F5344CB8AC3E}">
-        <p14:creationId xmlns:p14="http://schemas.microsoft.com/office/powerpoint/2010/main" val="2913497063"/>
+        <p14:creationId xmlns:p14="http://schemas.microsoft.com/office/powerpoint/2010/main" val="2206492270"/>
       </p:ext>
     </p:extLst>
   </p:cSld>
@@ -1010,2284 +1093,70 @@
             <p:ph type="body" idx="1"/>
           </p:nvPr>
         </p:nvSpPr>
-        <p:spPr>
-          <a:xfrm>
-            <a:off x="259080" y="4343400"/>
-            <a:ext cx="6324600" cy="4114800"/>
-          </a:xfrm>
-        </p:spPr>
+        <p:spPr/>
         <p:txBody>
           <a:bodyPr/>
           <a:lstStyle/>
           <a:p>
-            <a:pPr marL="0" marR="0" lvl="0" indent="0" algn="l" defTabSz="457200" rtl="0" eaLnBrk="1" fontAlgn="auto" latinLnBrk="0" hangingPunct="1">
-              <a:lnSpc>
-                <a:spcPct val="100000"/>
-              </a:lnSpc>
-              <a:spcBef>
-                <a:spcPts val="0"/>
-              </a:spcBef>
-              <a:spcAft>
-                <a:spcPts val="0"/>
-              </a:spcAft>
-              <a:buClrTx/>
-              <a:buSzTx/>
-              <a:buFontTx/>
-              <a:buNone/>
-              <a:tabLst/>
-              <a:defRPr/>
+            <a:r>
+              <a:rPr lang="en-US" dirty="0" smtClean="0"/>
+              <a:t>Allows you to encapsulate your assertions, also makes the test more readable.</a:t>
+            </a:r>
+          </a:p>
+          <a:p>
+            <a:endParaRPr lang="en-US" dirty="0" smtClean="0"/>
+          </a:p>
+          <a:p>
+            <a:r>
+              <a:rPr lang="en-US" dirty="0" smtClean="0"/>
+              <a:t>Important to note:</a:t>
+            </a:r>
+          </a:p>
+          <a:p>
+            <a:endParaRPr lang="en-US" dirty="0" smtClean="0"/>
+          </a:p>
+          <a:p>
+            <a:pPr marL="171450" indent="-171450">
+              <a:buFont typeface="Arial"/>
+              <a:buChar char="•"/>
             </a:pPr>
             <a:r>
-              <a:rPr kumimoji="0" lang="en-GB" sz="1050" b="0" i="0" u="none" strike="noStrike" kern="1200" cap="none" spc="0" normalizeH="0" baseline="0" noProof="0" dirty="0" smtClean="0">
-                <a:ln>
-                  <a:noFill/>
-                </a:ln>
-                <a:solidFill>
-                  <a:prstClr val="black"/>
-                </a:solidFill>
-                <a:effectLst/>
-                <a:uLnTx/>
-                <a:uFillTx/>
-                <a:latin typeface="Adobe Fangsong Std R" pitchFamily="18" charset="-128"/>
-                <a:ea typeface="Adobe Fangsong Std R" pitchFamily="18" charset="-128"/>
-                <a:cs typeface="+mn-cs"/>
-              </a:rPr>
-              <a:t> </a:t>
-            </a:r>
-            <a:r>
-              <a:rPr kumimoji="0" lang="en-GB" sz="800" b="0" i="0" u="none" strike="noStrike" kern="1200" cap="none" spc="0" normalizeH="0" baseline="0" noProof="0" dirty="0" smtClean="0">
-                <a:ln>
-                  <a:noFill/>
-                </a:ln>
-                <a:solidFill>
-                  <a:prstClr val="black"/>
-                </a:solidFill>
-                <a:effectLst/>
-                <a:uLnTx/>
-                <a:uFillTx/>
-                <a:latin typeface="Consolas" pitchFamily="49" charset="0"/>
-                <a:ea typeface="Adobe Fangsong Std R" pitchFamily="18" charset="-128"/>
-                <a:cs typeface="Consolas" pitchFamily="49" charset="0"/>
-              </a:rPr>
-              <a:t> [Subject(</a:t>
-            </a:r>
-            <a:r>
-              <a:rPr kumimoji="0" lang="en-GB" sz="800" b="0" i="0" u="none" strike="noStrike" kern="1200" cap="none" spc="0" normalizeH="0" baseline="0" noProof="0" dirty="0" err="1" smtClean="0">
-                <a:ln>
-                  <a:noFill/>
-                </a:ln>
-                <a:solidFill>
-                  <a:prstClr val="black"/>
-                </a:solidFill>
-                <a:effectLst/>
-                <a:uLnTx/>
-                <a:uFillTx/>
-                <a:latin typeface="Consolas" pitchFamily="49" charset="0"/>
-                <a:ea typeface="Adobe Fangsong Std R" pitchFamily="18" charset="-128"/>
-                <a:cs typeface="Consolas" pitchFamily="49" charset="0"/>
-              </a:rPr>
-              <a:t>typeof</a:t>
-            </a:r>
-            <a:r>
-              <a:rPr kumimoji="0" lang="en-GB" sz="800" b="0" i="0" u="none" strike="noStrike" kern="1200" cap="none" spc="0" normalizeH="0" baseline="0" noProof="0" dirty="0" smtClean="0">
-                <a:ln>
-                  <a:noFill/>
-                </a:ln>
-                <a:solidFill>
-                  <a:prstClr val="black"/>
-                </a:solidFill>
-                <a:effectLst/>
-                <a:uLnTx/>
-                <a:uFillTx/>
-                <a:latin typeface="Consolas" pitchFamily="49" charset="0"/>
-                <a:ea typeface="Adobe Fangsong Std R" pitchFamily="18" charset="-128"/>
-                <a:cs typeface="Consolas" pitchFamily="49" charset="0"/>
-              </a:rPr>
-              <a:t>(Customer))]</a:t>
-            </a:r>
-          </a:p>
-          <a:p>
-            <a:pPr marL="0" marR="0" lvl="0" indent="0" algn="l" defTabSz="457200" rtl="0" eaLnBrk="1" fontAlgn="auto" latinLnBrk="0" hangingPunct="1">
-              <a:lnSpc>
-                <a:spcPct val="100000"/>
-              </a:lnSpc>
-              <a:spcBef>
-                <a:spcPts val="0"/>
-              </a:spcBef>
-              <a:spcAft>
-                <a:spcPts val="0"/>
-              </a:spcAft>
-              <a:buClrTx/>
-              <a:buSzTx/>
-              <a:buFontTx/>
-              <a:buNone/>
-              <a:tabLst/>
-              <a:defRPr/>
+              <a:rPr lang="en-US" dirty="0" smtClean="0"/>
+              <a:t>Step1</a:t>
+            </a:r>
+            <a:r>
+              <a:rPr lang="en-US" baseline="0" dirty="0" smtClean="0"/>
+              <a:t> : Create a new class with a behavior attribute</a:t>
+            </a:r>
+          </a:p>
+          <a:p>
+            <a:pPr marL="171450" indent="-171450">
+              <a:buFont typeface="Arial"/>
+              <a:buChar char="•"/>
             </a:pPr>
             <a:r>
-              <a:rPr kumimoji="0" lang="en-GB" sz="800" b="0" i="0" u="none" strike="noStrike" kern="1200" cap="none" spc="0" normalizeH="0" baseline="0" noProof="0" dirty="0" smtClean="0">
-                <a:ln>
-                  <a:noFill/>
-                </a:ln>
-                <a:solidFill>
-                  <a:prstClr val="black"/>
-                </a:solidFill>
-                <a:effectLst/>
-                <a:uLnTx/>
-                <a:uFillTx/>
-                <a:latin typeface="Consolas" pitchFamily="49" charset="0"/>
-                <a:ea typeface="Adobe Fangsong Std R" pitchFamily="18" charset="-128"/>
-                <a:cs typeface="Consolas" pitchFamily="49" charset="0"/>
-              </a:rPr>
-              <a:t>    public class </a:t>
-            </a:r>
-            <a:r>
-              <a:rPr kumimoji="0" lang="en-GB" sz="800" b="0" i="0" u="none" strike="noStrike" kern="1200" cap="none" spc="0" normalizeH="0" baseline="0" noProof="0" dirty="0" err="1" smtClean="0">
-                <a:ln>
-                  <a:noFill/>
-                </a:ln>
-                <a:solidFill>
-                  <a:prstClr val="black"/>
-                </a:solidFill>
-                <a:effectLst/>
-                <a:uLnTx/>
-                <a:uFillTx/>
-                <a:latin typeface="Consolas" pitchFamily="49" charset="0"/>
-                <a:ea typeface="Adobe Fangsong Std R" pitchFamily="18" charset="-128"/>
-                <a:cs typeface="Consolas" pitchFamily="49" charset="0"/>
-              </a:rPr>
-              <a:t>When_a_customer_transfers_money_between_accounts</a:t>
-            </a:r>
-            <a:endParaRPr kumimoji="0" lang="en-GB" sz="800" b="0" i="0" u="none" strike="noStrike" kern="1200" cap="none" spc="0" normalizeH="0" baseline="0" noProof="0" dirty="0" smtClean="0">
-              <a:ln>
-                <a:noFill/>
-              </a:ln>
-              <a:solidFill>
-                <a:prstClr val="black"/>
-              </a:solidFill>
-              <a:effectLst/>
-              <a:uLnTx/>
-              <a:uFillTx/>
-              <a:latin typeface="Consolas" pitchFamily="49" charset="0"/>
-              <a:ea typeface="Adobe Fangsong Std R" pitchFamily="18" charset="-128"/>
-              <a:cs typeface="Consolas" pitchFamily="49" charset="0"/>
-            </a:endParaRPr>
-          </a:p>
-          <a:p>
-            <a:pPr marL="0" marR="0" lvl="0" indent="0" algn="l" defTabSz="457200" rtl="0" eaLnBrk="1" fontAlgn="auto" latinLnBrk="0" hangingPunct="1">
-              <a:lnSpc>
-                <a:spcPct val="100000"/>
-              </a:lnSpc>
-              <a:spcBef>
-                <a:spcPts val="0"/>
-              </a:spcBef>
-              <a:spcAft>
-                <a:spcPts val="0"/>
-              </a:spcAft>
-              <a:buClrTx/>
-              <a:buSzTx/>
-              <a:buFontTx/>
-              <a:buNone/>
-              <a:tabLst/>
-              <a:defRPr/>
+              <a:rPr lang="en-US" baseline="0" dirty="0" smtClean="0"/>
+              <a:t>Step2 : Define your assertions</a:t>
+            </a:r>
+          </a:p>
+          <a:p>
+            <a:pPr marL="171450" indent="-171450">
+              <a:buFont typeface="Arial"/>
+              <a:buChar char="•"/>
             </a:pPr>
             <a:r>
-              <a:rPr kumimoji="0" lang="en-GB" sz="800" b="0" i="0" u="none" strike="noStrike" kern="1200" cap="none" spc="0" normalizeH="0" baseline="0" noProof="0" dirty="0" smtClean="0">
-                <a:ln>
-                  <a:noFill/>
-                </a:ln>
-                <a:solidFill>
-                  <a:prstClr val="black"/>
-                </a:solidFill>
-                <a:effectLst/>
-                <a:uLnTx/>
-                <a:uFillTx/>
-                <a:latin typeface="Consolas" pitchFamily="49" charset="0"/>
-                <a:ea typeface="Adobe Fangsong Std R" pitchFamily="18" charset="-128"/>
-                <a:cs typeface="Consolas" pitchFamily="49" charset="0"/>
-              </a:rPr>
-              <a:t>    {</a:t>
-            </a:r>
-          </a:p>
-          <a:p>
-            <a:pPr marL="0" marR="0" lvl="0" indent="0" algn="l" defTabSz="457200" rtl="0" eaLnBrk="1" fontAlgn="auto" latinLnBrk="0" hangingPunct="1">
-              <a:lnSpc>
-                <a:spcPct val="100000"/>
-              </a:lnSpc>
-              <a:spcBef>
-                <a:spcPts val="0"/>
-              </a:spcBef>
-              <a:spcAft>
-                <a:spcPts val="0"/>
-              </a:spcAft>
-              <a:buClrTx/>
-              <a:buSzTx/>
-              <a:buFontTx/>
-              <a:buNone/>
-              <a:tabLst/>
-              <a:defRPr/>
-            </a:pPr>
-            <a:r>
-              <a:rPr kumimoji="0" lang="en-GB" sz="800" b="0" i="0" u="none" strike="noStrike" kern="1200" cap="none" spc="0" normalizeH="0" baseline="0" noProof="0" dirty="0" smtClean="0">
-                <a:ln>
-                  <a:noFill/>
-                </a:ln>
-                <a:solidFill>
-                  <a:prstClr val="black"/>
-                </a:solidFill>
-                <a:effectLst/>
-                <a:uLnTx/>
-                <a:uFillTx/>
-                <a:latin typeface="Consolas" pitchFamily="49" charset="0"/>
-                <a:ea typeface="Adobe Fangsong Std R" pitchFamily="18" charset="-128"/>
-                <a:cs typeface="Consolas" pitchFamily="49" charset="0"/>
-              </a:rPr>
-              <a:t>        Establish context = () =&gt; customer = </a:t>
-            </a:r>
-            <a:r>
-              <a:rPr kumimoji="0" lang="en-GB" sz="800" b="0" i="0" u="none" strike="noStrike" kern="1200" cap="none" spc="0" normalizeH="0" baseline="0" noProof="0" dirty="0" err="1" smtClean="0">
-                <a:ln>
-                  <a:noFill/>
-                </a:ln>
-                <a:solidFill>
-                  <a:prstClr val="black"/>
-                </a:solidFill>
-                <a:effectLst/>
-                <a:uLnTx/>
-                <a:uFillTx/>
-                <a:latin typeface="Consolas" pitchFamily="49" charset="0"/>
-                <a:ea typeface="Adobe Fangsong Std R" pitchFamily="18" charset="-128"/>
-                <a:cs typeface="Consolas" pitchFamily="49" charset="0"/>
-              </a:rPr>
-              <a:t>CustomerFactory.CustomerWithSavingAndCurrentAccount</a:t>
-            </a:r>
-            <a:r>
-              <a:rPr kumimoji="0" lang="en-GB" sz="800" b="0" i="0" u="none" strike="noStrike" kern="1200" cap="none" spc="0" normalizeH="0" baseline="0" noProof="0" dirty="0" smtClean="0">
-                <a:ln>
-                  <a:noFill/>
-                </a:ln>
-                <a:solidFill>
-                  <a:prstClr val="black"/>
-                </a:solidFill>
-                <a:effectLst/>
-                <a:uLnTx/>
-                <a:uFillTx/>
-                <a:latin typeface="Consolas" pitchFamily="49" charset="0"/>
-                <a:ea typeface="Adobe Fangsong Std R" pitchFamily="18" charset="-128"/>
-                <a:cs typeface="Consolas" pitchFamily="49" charset="0"/>
-              </a:rPr>
-              <a:t>(savingsAccountCredit:100m);</a:t>
-            </a:r>
-          </a:p>
-          <a:p>
-            <a:pPr marL="0" marR="0" lvl="0" indent="0" algn="l" defTabSz="457200" rtl="0" eaLnBrk="1" fontAlgn="auto" latinLnBrk="0" hangingPunct="1">
-              <a:lnSpc>
-                <a:spcPct val="100000"/>
-              </a:lnSpc>
-              <a:spcBef>
-                <a:spcPts val="0"/>
-              </a:spcBef>
-              <a:spcAft>
-                <a:spcPts val="0"/>
-              </a:spcAft>
-              <a:buClrTx/>
-              <a:buSzTx/>
-              <a:buFontTx/>
-              <a:buNone/>
-              <a:tabLst/>
-              <a:defRPr/>
-            </a:pPr>
-            <a:endParaRPr kumimoji="0" lang="en-GB" sz="800" b="0" i="0" u="none" strike="noStrike" kern="1200" cap="none" spc="0" normalizeH="0" baseline="0" noProof="0" dirty="0" smtClean="0">
-              <a:ln>
-                <a:noFill/>
-              </a:ln>
-              <a:solidFill>
-                <a:prstClr val="black"/>
-              </a:solidFill>
-              <a:effectLst/>
-              <a:uLnTx/>
-              <a:uFillTx/>
-              <a:latin typeface="Consolas" pitchFamily="49" charset="0"/>
-              <a:ea typeface="Adobe Fangsong Std R" pitchFamily="18" charset="-128"/>
-              <a:cs typeface="Consolas" pitchFamily="49" charset="0"/>
-            </a:endParaRPr>
-          </a:p>
-          <a:p>
-            <a:pPr marL="0" marR="0" lvl="0" indent="0" algn="l" defTabSz="457200" rtl="0" eaLnBrk="1" fontAlgn="auto" latinLnBrk="0" hangingPunct="1">
-              <a:lnSpc>
-                <a:spcPct val="100000"/>
-              </a:lnSpc>
-              <a:spcBef>
-                <a:spcPts val="0"/>
-              </a:spcBef>
-              <a:spcAft>
-                <a:spcPts val="0"/>
-              </a:spcAft>
-              <a:buClrTx/>
-              <a:buSzTx/>
-              <a:buFontTx/>
-              <a:buNone/>
-              <a:tabLst/>
-              <a:defRPr/>
-            </a:pPr>
-            <a:r>
-              <a:rPr kumimoji="0" lang="en-GB" sz="800" b="0" i="0" u="none" strike="noStrike" kern="1200" cap="none" spc="0" normalizeH="0" baseline="0" noProof="0" dirty="0" smtClean="0">
-                <a:ln>
-                  <a:noFill/>
-                </a:ln>
-                <a:solidFill>
-                  <a:prstClr val="black"/>
-                </a:solidFill>
-                <a:effectLst/>
-                <a:uLnTx/>
-                <a:uFillTx/>
-                <a:latin typeface="Consolas" pitchFamily="49" charset="0"/>
-                <a:ea typeface="Adobe Fangsong Std R" pitchFamily="18" charset="-128"/>
-                <a:cs typeface="Consolas" pitchFamily="49" charset="0"/>
-              </a:rPr>
-              <a:t>        Because of = () =&gt; </a:t>
-            </a:r>
-            <a:r>
-              <a:rPr kumimoji="0" lang="en-GB" sz="800" b="0" i="0" u="none" strike="noStrike" kern="1200" cap="none" spc="0" normalizeH="0" baseline="0" noProof="0" dirty="0" err="1" smtClean="0">
-                <a:ln>
-                  <a:noFill/>
-                </a:ln>
-                <a:solidFill>
-                  <a:prstClr val="black"/>
-                </a:solidFill>
-                <a:effectLst/>
-                <a:uLnTx/>
-                <a:uFillTx/>
-                <a:latin typeface="Consolas" pitchFamily="49" charset="0"/>
-                <a:ea typeface="Adobe Fangsong Std R" pitchFamily="18" charset="-128"/>
-                <a:cs typeface="Consolas" pitchFamily="49" charset="0"/>
-              </a:rPr>
-              <a:t>customer.SavingsAccount.Transfer</a:t>
-            </a:r>
-            <a:r>
-              <a:rPr kumimoji="0" lang="en-GB" sz="800" b="0" i="0" u="none" strike="noStrike" kern="1200" cap="none" spc="0" normalizeH="0" baseline="0" noProof="0" dirty="0" smtClean="0">
-                <a:ln>
-                  <a:noFill/>
-                </a:ln>
-                <a:solidFill>
-                  <a:prstClr val="black"/>
-                </a:solidFill>
-                <a:effectLst/>
-                <a:uLnTx/>
-                <a:uFillTx/>
-                <a:latin typeface="Consolas" pitchFamily="49" charset="0"/>
-                <a:ea typeface="Adobe Fangsong Std R" pitchFamily="18" charset="-128"/>
-                <a:cs typeface="Consolas" pitchFamily="49" charset="0"/>
-              </a:rPr>
-              <a:t>(</a:t>
-            </a:r>
-            <a:r>
-              <a:rPr kumimoji="0" lang="en-GB" sz="800" b="0" i="0" u="none" strike="noStrike" kern="1200" cap="none" spc="0" normalizeH="0" baseline="0" noProof="0" dirty="0" err="1" smtClean="0">
-                <a:ln>
-                  <a:noFill/>
-                </a:ln>
-                <a:solidFill>
-                  <a:prstClr val="black"/>
-                </a:solidFill>
-                <a:effectLst/>
-                <a:uLnTx/>
-                <a:uFillTx/>
-                <a:latin typeface="Consolas" pitchFamily="49" charset="0"/>
-                <a:ea typeface="Adobe Fangsong Std R" pitchFamily="18" charset="-128"/>
-                <a:cs typeface="Consolas" pitchFamily="49" charset="0"/>
-              </a:rPr>
-              <a:t>customer.CurrentAccount</a:t>
-            </a:r>
-            <a:r>
-              <a:rPr kumimoji="0" lang="en-GB" sz="800" b="0" i="0" u="none" strike="noStrike" kern="1200" cap="none" spc="0" normalizeH="0" baseline="0" noProof="0" dirty="0" smtClean="0">
-                <a:ln>
-                  <a:noFill/>
-                </a:ln>
-                <a:solidFill>
-                  <a:prstClr val="black"/>
-                </a:solidFill>
-                <a:effectLst/>
-                <a:uLnTx/>
-                <a:uFillTx/>
-                <a:latin typeface="Consolas" pitchFamily="49" charset="0"/>
-                <a:ea typeface="Adobe Fangsong Std R" pitchFamily="18" charset="-128"/>
-                <a:cs typeface="Consolas" pitchFamily="49" charset="0"/>
-              </a:rPr>
-              <a:t>, </a:t>
-            </a:r>
-            <a:r>
-              <a:rPr kumimoji="0" lang="en-GB" sz="800" b="0" i="0" u="none" strike="noStrike" kern="1200" cap="none" spc="0" normalizeH="0" noProof="0" dirty="0" smtClean="0">
-                <a:ln>
-                  <a:noFill/>
-                </a:ln>
-                <a:solidFill>
-                  <a:prstClr val="black"/>
-                </a:solidFill>
-                <a:effectLst/>
-                <a:uLnTx/>
-                <a:uFillTx/>
-                <a:latin typeface="Consolas" pitchFamily="49" charset="0"/>
-                <a:ea typeface="Adobe Fangsong Std R" pitchFamily="18" charset="-128"/>
-                <a:cs typeface="Consolas" pitchFamily="49" charset="0"/>
-              </a:rPr>
-              <a:t>100m</a:t>
-            </a:r>
-            <a:r>
-              <a:rPr kumimoji="0" lang="en-GB" sz="800" b="0" i="0" u="none" strike="noStrike" kern="1200" cap="none" spc="0" normalizeH="0" baseline="0" noProof="0" dirty="0" smtClean="0">
-                <a:ln>
-                  <a:noFill/>
-                </a:ln>
-                <a:solidFill>
-                  <a:prstClr val="black"/>
-                </a:solidFill>
-                <a:effectLst/>
-                <a:uLnTx/>
-                <a:uFillTx/>
-                <a:latin typeface="Consolas" pitchFamily="49" charset="0"/>
-                <a:ea typeface="Adobe Fangsong Std R" pitchFamily="18" charset="-128"/>
-                <a:cs typeface="Consolas" pitchFamily="49" charset="0"/>
-              </a:rPr>
-              <a:t>);</a:t>
-            </a:r>
-          </a:p>
-          <a:p>
-            <a:pPr marL="0" marR="0" lvl="0" indent="0" algn="l" defTabSz="457200" rtl="0" eaLnBrk="1" fontAlgn="auto" latinLnBrk="0" hangingPunct="1">
-              <a:lnSpc>
-                <a:spcPct val="100000"/>
-              </a:lnSpc>
-              <a:spcBef>
-                <a:spcPts val="0"/>
-              </a:spcBef>
-              <a:spcAft>
-                <a:spcPts val="0"/>
-              </a:spcAft>
-              <a:buClrTx/>
-              <a:buSzTx/>
-              <a:buFontTx/>
-              <a:buNone/>
-              <a:tabLst/>
-              <a:defRPr/>
-            </a:pPr>
-            <a:endParaRPr kumimoji="0" lang="en-GB" sz="800" b="0" i="0" u="none" strike="noStrike" kern="1200" cap="none" spc="0" normalizeH="0" baseline="0" noProof="0" dirty="0" smtClean="0">
-              <a:ln>
-                <a:noFill/>
-              </a:ln>
-              <a:solidFill>
-                <a:prstClr val="black"/>
-              </a:solidFill>
-              <a:effectLst/>
-              <a:uLnTx/>
-              <a:uFillTx/>
-              <a:latin typeface="Consolas" pitchFamily="49" charset="0"/>
-              <a:ea typeface="Adobe Fangsong Std R" pitchFamily="18" charset="-128"/>
-              <a:cs typeface="Consolas" pitchFamily="49" charset="0"/>
-            </a:endParaRPr>
-          </a:p>
-          <a:p>
-            <a:pPr marL="0" marR="0" lvl="0" indent="0" algn="l" defTabSz="457200" rtl="0" eaLnBrk="1" fontAlgn="auto" latinLnBrk="0" hangingPunct="1">
-              <a:lnSpc>
-                <a:spcPct val="100000"/>
-              </a:lnSpc>
-              <a:spcBef>
-                <a:spcPts val="0"/>
-              </a:spcBef>
-              <a:spcAft>
-                <a:spcPts val="0"/>
-              </a:spcAft>
-              <a:buClrTx/>
-              <a:buSzTx/>
-              <a:buFontTx/>
-              <a:buNone/>
-              <a:tabLst/>
-              <a:defRPr/>
-            </a:pPr>
-            <a:r>
-              <a:rPr kumimoji="0" lang="en-GB" sz="800" b="0" i="0" u="none" strike="noStrike" kern="1200" cap="none" spc="0" normalizeH="0" baseline="0" noProof="0" dirty="0" smtClean="0">
-                <a:ln>
-                  <a:noFill/>
-                </a:ln>
-                <a:solidFill>
-                  <a:prstClr val="black"/>
-                </a:solidFill>
-                <a:effectLst/>
-                <a:uLnTx/>
-                <a:uFillTx/>
-                <a:latin typeface="Consolas" pitchFamily="49" charset="0"/>
-                <a:ea typeface="Adobe Fangsong Std R" pitchFamily="18" charset="-128"/>
-                <a:cs typeface="Consolas" pitchFamily="49" charset="0"/>
-              </a:rPr>
-              <a:t>        It </a:t>
-            </a:r>
-            <a:r>
-              <a:rPr kumimoji="0" lang="en-GB" sz="800" b="0" i="0" u="none" strike="noStrike" kern="1200" cap="none" spc="0" normalizeH="0" baseline="0" noProof="0" dirty="0" err="1" smtClean="0">
-                <a:ln>
-                  <a:noFill/>
-                </a:ln>
-                <a:solidFill>
-                  <a:prstClr val="black"/>
-                </a:solidFill>
-                <a:effectLst/>
-                <a:uLnTx/>
-                <a:uFillTx/>
-                <a:latin typeface="Consolas" pitchFamily="49" charset="0"/>
-                <a:ea typeface="Adobe Fangsong Std R" pitchFamily="18" charset="-128"/>
-                <a:cs typeface="Consolas" pitchFamily="49" charset="0"/>
-              </a:rPr>
-              <a:t>should_debit_the_saving_account</a:t>
-            </a:r>
-            <a:r>
-              <a:rPr kumimoji="0" lang="en-GB" sz="800" b="0" i="0" u="none" strike="noStrike" kern="1200" cap="none" spc="0" normalizeH="0" baseline="0" noProof="0" dirty="0" smtClean="0">
-                <a:ln>
-                  <a:noFill/>
-                </a:ln>
-                <a:solidFill>
-                  <a:prstClr val="black"/>
-                </a:solidFill>
-                <a:effectLst/>
-                <a:uLnTx/>
-                <a:uFillTx/>
-                <a:latin typeface="Consolas" pitchFamily="49" charset="0"/>
-                <a:ea typeface="Adobe Fangsong Std R" pitchFamily="18" charset="-128"/>
-                <a:cs typeface="Consolas" pitchFamily="49" charset="0"/>
-              </a:rPr>
-              <a:t> = () =&gt; </a:t>
-            </a:r>
-            <a:r>
-              <a:rPr kumimoji="0" lang="en-GB" sz="800" b="0" i="0" u="none" strike="noStrike" kern="1200" cap="none" spc="0" normalizeH="0" baseline="0" noProof="0" dirty="0" err="1" smtClean="0">
-                <a:ln>
-                  <a:noFill/>
-                </a:ln>
-                <a:solidFill>
-                  <a:prstClr val="black"/>
-                </a:solidFill>
-                <a:effectLst/>
-                <a:uLnTx/>
-                <a:uFillTx/>
-                <a:latin typeface="Consolas" pitchFamily="49" charset="0"/>
-                <a:ea typeface="Adobe Fangsong Std R" pitchFamily="18" charset="-128"/>
-                <a:cs typeface="Consolas" pitchFamily="49" charset="0"/>
-              </a:rPr>
-              <a:t>customer.SavingsAccount.Balance.ShouldEqual</a:t>
-            </a:r>
-            <a:r>
-              <a:rPr kumimoji="0" lang="en-GB" sz="800" b="0" i="0" u="none" strike="noStrike" kern="1200" cap="none" spc="0" normalizeH="0" baseline="0" noProof="0" dirty="0" smtClean="0">
-                <a:ln>
-                  <a:noFill/>
-                </a:ln>
-                <a:solidFill>
-                  <a:prstClr val="black"/>
-                </a:solidFill>
-                <a:effectLst/>
-                <a:uLnTx/>
-                <a:uFillTx/>
-                <a:latin typeface="Consolas" pitchFamily="49" charset="0"/>
-                <a:ea typeface="Adobe Fangsong Std R" pitchFamily="18" charset="-128"/>
-                <a:cs typeface="Consolas" pitchFamily="49" charset="0"/>
-              </a:rPr>
-              <a:t>(0m);</a:t>
-            </a:r>
-          </a:p>
-          <a:p>
-            <a:pPr marL="0" marR="0" lvl="0" indent="0" algn="l" defTabSz="457200" rtl="0" eaLnBrk="1" fontAlgn="auto" latinLnBrk="0" hangingPunct="1">
-              <a:lnSpc>
-                <a:spcPct val="100000"/>
-              </a:lnSpc>
-              <a:spcBef>
-                <a:spcPts val="0"/>
-              </a:spcBef>
-              <a:spcAft>
-                <a:spcPts val="0"/>
-              </a:spcAft>
-              <a:buClrTx/>
-              <a:buSzTx/>
-              <a:buFontTx/>
-              <a:buNone/>
-              <a:tabLst/>
-              <a:defRPr/>
-            </a:pPr>
-            <a:endParaRPr kumimoji="0" lang="en-GB" sz="800" b="0" i="0" u="none" strike="noStrike" kern="1200" cap="none" spc="0" normalizeH="0" baseline="0" noProof="0" dirty="0" smtClean="0">
-              <a:ln>
-                <a:noFill/>
-              </a:ln>
-              <a:solidFill>
-                <a:prstClr val="black"/>
-              </a:solidFill>
-              <a:effectLst/>
-              <a:uLnTx/>
-              <a:uFillTx/>
-              <a:latin typeface="Consolas" pitchFamily="49" charset="0"/>
-              <a:ea typeface="Adobe Fangsong Std R" pitchFamily="18" charset="-128"/>
-              <a:cs typeface="Consolas" pitchFamily="49" charset="0"/>
-            </a:endParaRPr>
-          </a:p>
-          <a:p>
-            <a:pPr marL="0" marR="0" lvl="0" indent="0" algn="l" defTabSz="457200" rtl="0" eaLnBrk="1" fontAlgn="auto" latinLnBrk="0" hangingPunct="1">
-              <a:lnSpc>
-                <a:spcPct val="100000"/>
-              </a:lnSpc>
-              <a:spcBef>
-                <a:spcPts val="0"/>
-              </a:spcBef>
-              <a:spcAft>
-                <a:spcPts val="0"/>
-              </a:spcAft>
-              <a:buClrTx/>
-              <a:buSzTx/>
-              <a:buFontTx/>
-              <a:buNone/>
-              <a:tabLst/>
-              <a:defRPr/>
-            </a:pPr>
-            <a:r>
-              <a:rPr kumimoji="0" lang="en-GB" sz="800" b="0" i="0" u="none" strike="noStrike" kern="1200" cap="none" spc="0" normalizeH="0" baseline="0" noProof="0" dirty="0" smtClean="0">
-                <a:ln>
-                  <a:noFill/>
-                </a:ln>
-                <a:solidFill>
-                  <a:prstClr val="black"/>
-                </a:solidFill>
-                <a:effectLst/>
-                <a:uLnTx/>
-                <a:uFillTx/>
-                <a:latin typeface="Consolas" pitchFamily="49" charset="0"/>
-                <a:ea typeface="Adobe Fangsong Std R" pitchFamily="18" charset="-128"/>
-                <a:cs typeface="Consolas" pitchFamily="49" charset="0"/>
-              </a:rPr>
-              <a:t>        It </a:t>
-            </a:r>
-            <a:r>
-              <a:rPr kumimoji="0" lang="en-GB" sz="800" b="0" i="0" u="none" strike="noStrike" kern="1200" cap="none" spc="0" normalizeH="0" baseline="0" noProof="0" dirty="0" err="1" smtClean="0">
-                <a:ln>
-                  <a:noFill/>
-                </a:ln>
-                <a:solidFill>
-                  <a:prstClr val="black"/>
-                </a:solidFill>
-                <a:effectLst/>
-                <a:uLnTx/>
-                <a:uFillTx/>
-                <a:latin typeface="Consolas" pitchFamily="49" charset="0"/>
-                <a:ea typeface="Adobe Fangsong Std R" pitchFamily="18" charset="-128"/>
-                <a:cs typeface="Consolas" pitchFamily="49" charset="0"/>
-              </a:rPr>
-              <a:t>should_credit_the_current_account</a:t>
-            </a:r>
-            <a:r>
-              <a:rPr kumimoji="0" lang="en-GB" sz="800" b="0" i="0" u="none" strike="noStrike" kern="1200" cap="none" spc="0" normalizeH="0" baseline="0" noProof="0" dirty="0" smtClean="0">
-                <a:ln>
-                  <a:noFill/>
-                </a:ln>
-                <a:solidFill>
-                  <a:prstClr val="black"/>
-                </a:solidFill>
-                <a:effectLst/>
-                <a:uLnTx/>
-                <a:uFillTx/>
-                <a:latin typeface="Consolas" pitchFamily="49" charset="0"/>
-                <a:ea typeface="Adobe Fangsong Std R" pitchFamily="18" charset="-128"/>
-                <a:cs typeface="Consolas" pitchFamily="49" charset="0"/>
-              </a:rPr>
-              <a:t> = () =&gt; </a:t>
-            </a:r>
-            <a:r>
-              <a:rPr kumimoji="0" lang="en-GB" sz="800" b="0" i="0" u="none" strike="noStrike" kern="1200" cap="none" spc="0" normalizeH="0" baseline="0" noProof="0" dirty="0" err="1" smtClean="0">
-                <a:ln>
-                  <a:noFill/>
-                </a:ln>
-                <a:solidFill>
-                  <a:prstClr val="black"/>
-                </a:solidFill>
-                <a:effectLst/>
-                <a:uLnTx/>
-                <a:uFillTx/>
-                <a:latin typeface="Consolas" pitchFamily="49" charset="0"/>
-                <a:ea typeface="Adobe Fangsong Std R" pitchFamily="18" charset="-128"/>
-                <a:cs typeface="Consolas" pitchFamily="49" charset="0"/>
-              </a:rPr>
-              <a:t>customer.CurrentAccount.Balance.ShouldEqual</a:t>
-            </a:r>
-            <a:r>
-              <a:rPr kumimoji="0" lang="en-GB" sz="800" b="0" i="0" u="none" strike="noStrike" kern="1200" cap="none" spc="0" normalizeH="0" baseline="0" noProof="0" dirty="0" smtClean="0">
-                <a:ln>
-                  <a:noFill/>
-                </a:ln>
-                <a:solidFill>
-                  <a:prstClr val="black"/>
-                </a:solidFill>
-                <a:effectLst/>
-                <a:uLnTx/>
-                <a:uFillTx/>
-                <a:latin typeface="Consolas" pitchFamily="49" charset="0"/>
-                <a:ea typeface="Adobe Fangsong Std R" pitchFamily="18" charset="-128"/>
-                <a:cs typeface="Consolas" pitchFamily="49" charset="0"/>
-              </a:rPr>
-              <a:t>(100m);</a:t>
-            </a:r>
-          </a:p>
-          <a:p>
-            <a:pPr marL="0" marR="0" lvl="0" indent="0" algn="l" defTabSz="457200" rtl="0" eaLnBrk="1" fontAlgn="auto" latinLnBrk="0" hangingPunct="1">
-              <a:lnSpc>
-                <a:spcPct val="100000"/>
-              </a:lnSpc>
-              <a:spcBef>
-                <a:spcPts val="0"/>
-              </a:spcBef>
-              <a:spcAft>
-                <a:spcPts val="0"/>
-              </a:spcAft>
-              <a:buClrTx/>
-              <a:buSzTx/>
-              <a:buFontTx/>
-              <a:buNone/>
-              <a:tabLst/>
-              <a:defRPr/>
-            </a:pPr>
-            <a:endParaRPr kumimoji="0" lang="en-GB" sz="800" b="0" i="0" u="none" strike="noStrike" kern="1200" cap="none" spc="0" normalizeH="0" baseline="0" noProof="0" dirty="0" smtClean="0">
-              <a:ln>
-                <a:noFill/>
-              </a:ln>
-              <a:solidFill>
-                <a:prstClr val="black"/>
-              </a:solidFill>
-              <a:effectLst/>
-              <a:uLnTx/>
-              <a:uFillTx/>
-              <a:latin typeface="Consolas" pitchFamily="49" charset="0"/>
-              <a:ea typeface="Adobe Fangsong Std R" pitchFamily="18" charset="-128"/>
-              <a:cs typeface="Consolas" pitchFamily="49" charset="0"/>
-            </a:endParaRPr>
-          </a:p>
-          <a:p>
-            <a:pPr marL="0" marR="0" lvl="0" indent="0" algn="l" defTabSz="457200" rtl="0" eaLnBrk="1" fontAlgn="auto" latinLnBrk="0" hangingPunct="1">
-              <a:lnSpc>
-                <a:spcPct val="100000"/>
-              </a:lnSpc>
-              <a:spcBef>
-                <a:spcPts val="0"/>
-              </a:spcBef>
-              <a:spcAft>
-                <a:spcPts val="0"/>
-              </a:spcAft>
-              <a:buClrTx/>
-              <a:buSzTx/>
-              <a:buFontTx/>
-              <a:buNone/>
-              <a:tabLst/>
-              <a:defRPr/>
-            </a:pPr>
-            <a:r>
-              <a:rPr kumimoji="0" lang="en-GB" sz="800" b="0" i="0" u="none" strike="noStrike" kern="1200" cap="none" spc="0" normalizeH="0" baseline="0" noProof="0" dirty="0" smtClean="0">
-                <a:ln>
-                  <a:noFill/>
-                </a:ln>
-                <a:solidFill>
-                  <a:prstClr val="black"/>
-                </a:solidFill>
-                <a:effectLst/>
-                <a:uLnTx/>
-                <a:uFillTx/>
-                <a:latin typeface="Consolas" pitchFamily="49" charset="0"/>
-                <a:ea typeface="Adobe Fangsong Std R" pitchFamily="18" charset="-128"/>
-                <a:cs typeface="Consolas" pitchFamily="49" charset="0"/>
-              </a:rPr>
-              <a:t>        </a:t>
-            </a:r>
-            <a:r>
-              <a:rPr kumimoji="0" lang="en-GB" sz="800" b="0" i="0" u="none" strike="noStrike" kern="1200" cap="none" spc="0" normalizeH="0" baseline="0" noProof="0" dirty="0" err="1" smtClean="0">
-                <a:ln>
-                  <a:noFill/>
-                </a:ln>
-                <a:solidFill>
-                  <a:prstClr val="black"/>
-                </a:solidFill>
-                <a:effectLst/>
-                <a:uLnTx/>
-                <a:uFillTx/>
-                <a:latin typeface="Consolas" pitchFamily="49" charset="0"/>
-                <a:ea typeface="Adobe Fangsong Std R" pitchFamily="18" charset="-128"/>
-                <a:cs typeface="Consolas" pitchFamily="49" charset="0"/>
-              </a:rPr>
-              <a:t>Behaves_like</a:t>
-            </a:r>
-            <a:r>
-              <a:rPr kumimoji="0" lang="en-GB" sz="800" b="0" i="0" u="none" strike="noStrike" kern="1200" cap="none" spc="0" normalizeH="0" baseline="0" noProof="0" dirty="0" smtClean="0">
-                <a:ln>
-                  <a:noFill/>
-                </a:ln>
-                <a:solidFill>
-                  <a:prstClr val="black"/>
-                </a:solidFill>
-                <a:effectLst/>
-                <a:uLnTx/>
-                <a:uFillTx/>
-                <a:latin typeface="Consolas" pitchFamily="49" charset="0"/>
-                <a:ea typeface="Adobe Fangsong Std R" pitchFamily="18" charset="-128"/>
-                <a:cs typeface="Consolas" pitchFamily="49" charset="0"/>
-              </a:rPr>
-              <a:t>&lt;</a:t>
-            </a:r>
-            <a:r>
-              <a:rPr kumimoji="0" lang="en-GB" sz="800" b="0" i="0" u="none" strike="noStrike" kern="1200" cap="none" spc="0" normalizeH="0" baseline="0" noProof="0" dirty="0" err="1" smtClean="0">
-                <a:ln>
-                  <a:noFill/>
-                </a:ln>
-                <a:solidFill>
-                  <a:prstClr val="black"/>
-                </a:solidFill>
-                <a:effectLst/>
-                <a:uLnTx/>
-                <a:uFillTx/>
-                <a:latin typeface="Consolas" pitchFamily="49" charset="0"/>
-                <a:ea typeface="Adobe Fangsong Std R" pitchFamily="18" charset="-128"/>
-                <a:cs typeface="Consolas" pitchFamily="49" charset="0"/>
-              </a:rPr>
-              <a:t>CustomerWithACurrentAccountInCredit</a:t>
-            </a:r>
-            <a:r>
-              <a:rPr kumimoji="0" lang="en-GB" sz="800" b="0" i="0" u="none" strike="noStrike" kern="1200" cap="none" spc="0" normalizeH="0" baseline="0" noProof="0" dirty="0" smtClean="0">
-                <a:ln>
-                  <a:noFill/>
-                </a:ln>
-                <a:solidFill>
-                  <a:prstClr val="black"/>
-                </a:solidFill>
-                <a:effectLst/>
-                <a:uLnTx/>
-                <a:uFillTx/>
-                <a:latin typeface="Consolas" pitchFamily="49" charset="0"/>
-                <a:ea typeface="Adobe Fangsong Std R" pitchFamily="18" charset="-128"/>
-                <a:cs typeface="Consolas" pitchFamily="49" charset="0"/>
-              </a:rPr>
-              <a:t>&gt; </a:t>
-            </a:r>
-            <a:r>
-              <a:rPr kumimoji="0" lang="en-GB" sz="800" b="0" i="0" u="none" strike="noStrike" kern="1200" cap="none" spc="0" normalizeH="0" baseline="0" noProof="0" dirty="0" err="1" smtClean="0">
-                <a:ln>
-                  <a:noFill/>
-                </a:ln>
-                <a:solidFill>
-                  <a:prstClr val="black"/>
-                </a:solidFill>
-                <a:effectLst/>
-                <a:uLnTx/>
-                <a:uFillTx/>
-                <a:latin typeface="Consolas" pitchFamily="49" charset="0"/>
-                <a:ea typeface="Adobe Fangsong Std R" pitchFamily="18" charset="-128"/>
-                <a:cs typeface="Consolas" pitchFamily="49" charset="0"/>
-              </a:rPr>
-              <a:t>a_customer_with_a_current_account_in_credit</a:t>
-            </a:r>
-            <a:r>
-              <a:rPr kumimoji="0" lang="en-GB" sz="800" b="0" i="0" u="none" strike="noStrike" kern="1200" cap="none" spc="0" normalizeH="0" baseline="0" noProof="0" dirty="0" smtClean="0">
-                <a:ln>
-                  <a:noFill/>
-                </a:ln>
-                <a:solidFill>
-                  <a:prstClr val="black"/>
-                </a:solidFill>
-                <a:effectLst/>
-                <a:uLnTx/>
-                <a:uFillTx/>
-                <a:latin typeface="Consolas" pitchFamily="49" charset="0"/>
-                <a:ea typeface="Adobe Fangsong Std R" pitchFamily="18" charset="-128"/>
-                <a:cs typeface="Consolas" pitchFamily="49" charset="0"/>
-              </a:rPr>
-              <a:t> = () =&gt; { };                         </a:t>
-            </a:r>
-          </a:p>
-          <a:p>
-            <a:pPr marL="0" marR="0" lvl="0" indent="0" algn="l" defTabSz="457200" rtl="0" eaLnBrk="1" fontAlgn="auto" latinLnBrk="0" hangingPunct="1">
-              <a:lnSpc>
-                <a:spcPct val="100000"/>
-              </a:lnSpc>
-              <a:spcBef>
-                <a:spcPts val="0"/>
-              </a:spcBef>
-              <a:spcAft>
-                <a:spcPts val="0"/>
-              </a:spcAft>
-              <a:buClrTx/>
-              <a:buSzTx/>
-              <a:buFontTx/>
-              <a:buNone/>
-              <a:tabLst/>
-              <a:defRPr/>
-            </a:pPr>
-            <a:endParaRPr kumimoji="0" lang="en-GB" sz="800" b="0" i="0" u="none" strike="noStrike" kern="1200" cap="none" spc="0" normalizeH="0" baseline="0" noProof="0" dirty="0" smtClean="0">
-              <a:ln>
-                <a:noFill/>
-              </a:ln>
-              <a:solidFill>
-                <a:prstClr val="black"/>
-              </a:solidFill>
-              <a:effectLst/>
-              <a:uLnTx/>
-              <a:uFillTx/>
-              <a:latin typeface="Consolas" pitchFamily="49" charset="0"/>
-              <a:ea typeface="Adobe Fangsong Std R" pitchFamily="18" charset="-128"/>
-              <a:cs typeface="Consolas" pitchFamily="49" charset="0"/>
-            </a:endParaRPr>
-          </a:p>
-          <a:p>
-            <a:pPr marL="0" marR="0" lvl="0" indent="0" algn="l" defTabSz="457200" rtl="0" eaLnBrk="1" fontAlgn="auto" latinLnBrk="0" hangingPunct="1">
-              <a:lnSpc>
-                <a:spcPct val="100000"/>
-              </a:lnSpc>
-              <a:spcBef>
-                <a:spcPts val="0"/>
-              </a:spcBef>
-              <a:spcAft>
-                <a:spcPts val="0"/>
-              </a:spcAft>
-              <a:buClrTx/>
-              <a:buSzTx/>
-              <a:buFontTx/>
-              <a:buNone/>
-              <a:tabLst/>
-              <a:defRPr/>
-            </a:pPr>
-            <a:r>
-              <a:rPr kumimoji="0" lang="en-GB" sz="800" b="0" i="0" u="none" strike="noStrike" kern="1200" cap="none" spc="0" normalizeH="0" baseline="0" noProof="0" dirty="0" smtClean="0">
-                <a:ln>
-                  <a:noFill/>
-                </a:ln>
-                <a:solidFill>
-                  <a:prstClr val="black"/>
-                </a:solidFill>
-                <a:effectLst/>
-                <a:uLnTx/>
-                <a:uFillTx/>
-                <a:latin typeface="Consolas" pitchFamily="49" charset="0"/>
-                <a:ea typeface="Adobe Fangsong Std R" pitchFamily="18" charset="-128"/>
-                <a:cs typeface="Consolas" pitchFamily="49" charset="0"/>
-              </a:rPr>
-              <a:t>        </a:t>
-            </a:r>
-          </a:p>
-          <a:p>
-            <a:pPr marL="0" marR="0" lvl="0" indent="0" algn="l" defTabSz="457200" rtl="0" eaLnBrk="1" fontAlgn="auto" latinLnBrk="0" hangingPunct="1">
-              <a:lnSpc>
-                <a:spcPct val="100000"/>
-              </a:lnSpc>
-              <a:spcBef>
-                <a:spcPts val="0"/>
-              </a:spcBef>
-              <a:spcAft>
-                <a:spcPts val="0"/>
-              </a:spcAft>
-              <a:buClrTx/>
-              <a:buSzTx/>
-              <a:buFontTx/>
-              <a:buNone/>
-              <a:tabLst/>
-              <a:defRPr/>
-            </a:pPr>
-            <a:r>
-              <a:rPr kumimoji="0" lang="en-GB" sz="800" b="0" i="0" u="none" strike="noStrike" kern="1200" cap="none" spc="0" normalizeH="0" baseline="0" noProof="0" dirty="0" smtClean="0">
-                <a:ln>
-                  <a:noFill/>
-                </a:ln>
-                <a:solidFill>
-                  <a:prstClr val="black"/>
-                </a:solidFill>
-                <a:effectLst/>
-                <a:uLnTx/>
-                <a:uFillTx/>
-                <a:latin typeface="Consolas" pitchFamily="49" charset="0"/>
-                <a:ea typeface="Adobe Fangsong Std R" pitchFamily="18" charset="-128"/>
-                <a:cs typeface="Consolas" pitchFamily="49" charset="0"/>
-              </a:rPr>
-              <a:t>        protected static Customer </a:t>
-            </a:r>
-            <a:r>
-              <a:rPr kumimoji="0" lang="en-GB" sz="800" b="0" i="0" u="none" strike="noStrike" kern="1200" cap="none" spc="0" normalizeH="0" baseline="0" noProof="0" dirty="0" err="1" smtClean="0">
-                <a:ln>
-                  <a:noFill/>
-                </a:ln>
-                <a:solidFill>
-                  <a:prstClr val="black"/>
-                </a:solidFill>
-                <a:effectLst/>
-                <a:uLnTx/>
-                <a:uFillTx/>
-                <a:latin typeface="Consolas" pitchFamily="49" charset="0"/>
-                <a:ea typeface="Adobe Fangsong Std R" pitchFamily="18" charset="-128"/>
-                <a:cs typeface="Consolas" pitchFamily="49" charset="0"/>
-              </a:rPr>
-              <a:t>customer</a:t>
-            </a:r>
-            <a:r>
-              <a:rPr kumimoji="0" lang="en-GB" sz="800" b="0" i="0" u="none" strike="noStrike" kern="1200" cap="none" spc="0" normalizeH="0" baseline="0" noProof="0" dirty="0" smtClean="0">
-                <a:ln>
-                  <a:noFill/>
-                </a:ln>
-                <a:solidFill>
-                  <a:prstClr val="black"/>
-                </a:solidFill>
-                <a:effectLst/>
-                <a:uLnTx/>
-                <a:uFillTx/>
-                <a:latin typeface="Consolas" pitchFamily="49" charset="0"/>
-                <a:ea typeface="Adobe Fangsong Std R" pitchFamily="18" charset="-128"/>
-                <a:cs typeface="Consolas" pitchFamily="49" charset="0"/>
-              </a:rPr>
-              <a:t>;</a:t>
-            </a:r>
-          </a:p>
-          <a:p>
-            <a:pPr marL="0" marR="0" lvl="0" indent="0" algn="l" defTabSz="457200" rtl="0" eaLnBrk="1" fontAlgn="auto" latinLnBrk="0" hangingPunct="1">
-              <a:lnSpc>
-                <a:spcPct val="100000"/>
-              </a:lnSpc>
-              <a:spcBef>
-                <a:spcPts val="0"/>
-              </a:spcBef>
-              <a:spcAft>
-                <a:spcPts val="0"/>
-              </a:spcAft>
-              <a:buClrTx/>
-              <a:buSzTx/>
-              <a:buFontTx/>
-              <a:buNone/>
-              <a:tabLst/>
-              <a:defRPr/>
-            </a:pPr>
-            <a:r>
-              <a:rPr kumimoji="0" lang="en-GB" sz="800" b="0" i="0" u="none" strike="noStrike" kern="1200" cap="none" spc="0" normalizeH="0" baseline="0" noProof="0" dirty="0" smtClean="0">
-                <a:ln>
-                  <a:noFill/>
-                </a:ln>
-                <a:solidFill>
-                  <a:prstClr val="black"/>
-                </a:solidFill>
-                <a:effectLst/>
-                <a:uLnTx/>
-                <a:uFillTx/>
-                <a:latin typeface="Consolas" pitchFamily="49" charset="0"/>
-                <a:ea typeface="Adobe Fangsong Std R" pitchFamily="18" charset="-128"/>
-                <a:cs typeface="Consolas" pitchFamily="49" charset="0"/>
-              </a:rPr>
-              <a:t>    }</a:t>
-            </a:r>
-          </a:p>
-          <a:p>
-            <a:pPr marL="0" marR="0" lvl="0" indent="0" algn="l" defTabSz="457200" rtl="0" eaLnBrk="1" fontAlgn="auto" latinLnBrk="0" hangingPunct="1">
-              <a:lnSpc>
-                <a:spcPct val="100000"/>
-              </a:lnSpc>
-              <a:spcBef>
-                <a:spcPts val="0"/>
-              </a:spcBef>
-              <a:spcAft>
-                <a:spcPts val="0"/>
-              </a:spcAft>
-              <a:buClrTx/>
-              <a:buSzTx/>
-              <a:buFontTx/>
-              <a:buNone/>
-              <a:tabLst/>
-              <a:defRPr/>
-            </a:pPr>
-            <a:endParaRPr kumimoji="0" lang="en-GB" sz="800" b="0" i="0" u="none" strike="noStrike" kern="1200" cap="none" spc="0" normalizeH="0" baseline="0" noProof="0" dirty="0" smtClean="0">
-              <a:ln>
-                <a:noFill/>
-              </a:ln>
-              <a:solidFill>
-                <a:prstClr val="black"/>
-              </a:solidFill>
-              <a:effectLst/>
-              <a:uLnTx/>
-              <a:uFillTx/>
-              <a:latin typeface="Consolas" pitchFamily="49" charset="0"/>
-              <a:ea typeface="Adobe Fangsong Std R" pitchFamily="18" charset="-128"/>
-              <a:cs typeface="Consolas" pitchFamily="49" charset="0"/>
-            </a:endParaRPr>
-          </a:p>
-          <a:p>
-            <a:pPr marL="0" marR="0" lvl="0" indent="0" algn="l" defTabSz="457200" rtl="0" eaLnBrk="1" fontAlgn="auto" latinLnBrk="0" hangingPunct="1">
-              <a:lnSpc>
-                <a:spcPct val="100000"/>
-              </a:lnSpc>
-              <a:spcBef>
-                <a:spcPts val="0"/>
-              </a:spcBef>
-              <a:spcAft>
-                <a:spcPts val="0"/>
-              </a:spcAft>
-              <a:buClrTx/>
-              <a:buSzTx/>
-              <a:buFontTx/>
-              <a:buNone/>
-              <a:tabLst/>
-              <a:defRPr/>
-            </a:pPr>
-            <a:r>
-              <a:rPr kumimoji="0" lang="en-GB" sz="800" b="0" i="0" u="none" strike="noStrike" kern="1200" cap="none" spc="0" normalizeH="0" baseline="0" noProof="0" dirty="0" smtClean="0">
-                <a:ln>
-                  <a:noFill/>
-                </a:ln>
-                <a:solidFill>
-                  <a:prstClr val="black"/>
-                </a:solidFill>
-                <a:effectLst/>
-                <a:uLnTx/>
-                <a:uFillTx/>
-                <a:latin typeface="Consolas" pitchFamily="49" charset="0"/>
-                <a:ea typeface="Adobe Fangsong Std R" pitchFamily="18" charset="-128"/>
-                <a:cs typeface="Consolas" pitchFamily="49" charset="0"/>
-              </a:rPr>
-              <a:t>    [</a:t>
-            </a:r>
-            <a:r>
-              <a:rPr kumimoji="0" lang="en-GB" sz="800" b="0" i="0" u="none" strike="noStrike" kern="1200" cap="none" spc="0" normalizeH="0" baseline="0" noProof="0" dirty="0" err="1" smtClean="0">
-                <a:ln>
-                  <a:noFill/>
-                </a:ln>
-                <a:solidFill>
-                  <a:prstClr val="black"/>
-                </a:solidFill>
-                <a:effectLst/>
-                <a:uLnTx/>
-                <a:uFillTx/>
-                <a:latin typeface="Consolas" pitchFamily="49" charset="0"/>
-                <a:ea typeface="Adobe Fangsong Std R" pitchFamily="18" charset="-128"/>
-                <a:cs typeface="Consolas" pitchFamily="49" charset="0"/>
-              </a:rPr>
-              <a:t>Behaviors</a:t>
-            </a:r>
-            <a:r>
-              <a:rPr kumimoji="0" lang="en-GB" sz="800" b="0" i="0" u="none" strike="noStrike" kern="1200" cap="none" spc="0" normalizeH="0" baseline="0" noProof="0" dirty="0" smtClean="0">
-                <a:ln>
-                  <a:noFill/>
-                </a:ln>
-                <a:solidFill>
-                  <a:prstClr val="black"/>
-                </a:solidFill>
-                <a:effectLst/>
-                <a:uLnTx/>
-                <a:uFillTx/>
-                <a:latin typeface="Consolas" pitchFamily="49" charset="0"/>
-                <a:ea typeface="Adobe Fangsong Std R" pitchFamily="18" charset="-128"/>
-                <a:cs typeface="Consolas" pitchFamily="49" charset="0"/>
-              </a:rPr>
-              <a:t>]</a:t>
-            </a:r>
-          </a:p>
-          <a:p>
-            <a:pPr marL="0" marR="0" lvl="0" indent="0" algn="l" defTabSz="457200" rtl="0" eaLnBrk="1" fontAlgn="auto" latinLnBrk="0" hangingPunct="1">
-              <a:lnSpc>
-                <a:spcPct val="100000"/>
-              </a:lnSpc>
-              <a:spcBef>
-                <a:spcPts val="0"/>
-              </a:spcBef>
-              <a:spcAft>
-                <a:spcPts val="0"/>
-              </a:spcAft>
-              <a:buClrTx/>
-              <a:buSzTx/>
-              <a:buFontTx/>
-              <a:buNone/>
-              <a:tabLst/>
-              <a:defRPr/>
-            </a:pPr>
-            <a:r>
-              <a:rPr kumimoji="0" lang="en-GB" sz="800" b="0" i="0" u="none" strike="noStrike" kern="1200" cap="none" spc="0" normalizeH="0" baseline="0" noProof="0" dirty="0" smtClean="0">
-                <a:ln>
-                  <a:noFill/>
-                </a:ln>
-                <a:solidFill>
-                  <a:prstClr val="black"/>
-                </a:solidFill>
-                <a:effectLst/>
-                <a:uLnTx/>
-                <a:uFillTx/>
-                <a:latin typeface="Consolas" pitchFamily="49" charset="0"/>
-                <a:ea typeface="Adobe Fangsong Std R" pitchFamily="18" charset="-128"/>
-                <a:cs typeface="Consolas" pitchFamily="49" charset="0"/>
-              </a:rPr>
-              <a:t>    public class </a:t>
-            </a:r>
-            <a:r>
-              <a:rPr kumimoji="0" lang="en-GB" sz="800" b="0" i="0" u="none" strike="noStrike" kern="1200" cap="none" spc="0" normalizeH="0" baseline="0" noProof="0" dirty="0" err="1" smtClean="0">
-                <a:ln>
-                  <a:noFill/>
-                </a:ln>
-                <a:solidFill>
-                  <a:prstClr val="black"/>
-                </a:solidFill>
-                <a:effectLst/>
-                <a:uLnTx/>
-                <a:uFillTx/>
-                <a:latin typeface="Consolas" pitchFamily="49" charset="0"/>
-                <a:ea typeface="Adobe Fangsong Std R" pitchFamily="18" charset="-128"/>
-                <a:cs typeface="Consolas" pitchFamily="49" charset="0"/>
-              </a:rPr>
-              <a:t>CustomerWithACurrentAccountInCredit</a:t>
-            </a:r>
-            <a:endParaRPr kumimoji="0" lang="en-GB" sz="800" b="0" i="0" u="none" strike="noStrike" kern="1200" cap="none" spc="0" normalizeH="0" baseline="0" noProof="0" dirty="0" smtClean="0">
-              <a:ln>
-                <a:noFill/>
-              </a:ln>
-              <a:solidFill>
-                <a:prstClr val="black"/>
-              </a:solidFill>
-              <a:effectLst/>
-              <a:uLnTx/>
-              <a:uFillTx/>
-              <a:latin typeface="Consolas" pitchFamily="49" charset="0"/>
-              <a:ea typeface="Adobe Fangsong Std R" pitchFamily="18" charset="-128"/>
-              <a:cs typeface="Consolas" pitchFamily="49" charset="0"/>
-            </a:endParaRPr>
-          </a:p>
-          <a:p>
-            <a:pPr marL="0" marR="0" lvl="0" indent="0" algn="l" defTabSz="457200" rtl="0" eaLnBrk="1" fontAlgn="auto" latinLnBrk="0" hangingPunct="1">
-              <a:lnSpc>
-                <a:spcPct val="100000"/>
-              </a:lnSpc>
-              <a:spcBef>
-                <a:spcPts val="0"/>
-              </a:spcBef>
-              <a:spcAft>
-                <a:spcPts val="0"/>
-              </a:spcAft>
-              <a:buClrTx/>
-              <a:buSzTx/>
-              <a:buFontTx/>
-              <a:buNone/>
-              <a:tabLst/>
-              <a:defRPr/>
-            </a:pPr>
-            <a:r>
-              <a:rPr kumimoji="0" lang="en-GB" sz="800" b="0" i="0" u="none" strike="noStrike" kern="1200" cap="none" spc="0" normalizeH="0" baseline="0" noProof="0" dirty="0" smtClean="0">
-                <a:ln>
-                  <a:noFill/>
-                </a:ln>
-                <a:solidFill>
-                  <a:prstClr val="black"/>
-                </a:solidFill>
-                <a:effectLst/>
-                <a:uLnTx/>
-                <a:uFillTx/>
-                <a:latin typeface="Consolas" pitchFamily="49" charset="0"/>
-                <a:ea typeface="Adobe Fangsong Std R" pitchFamily="18" charset="-128"/>
-                <a:cs typeface="Consolas" pitchFamily="49" charset="0"/>
-              </a:rPr>
-              <a:t>    {</a:t>
-            </a:r>
-          </a:p>
-          <a:p>
-            <a:pPr marL="0" marR="0" lvl="0" indent="0" algn="l" defTabSz="457200" rtl="0" eaLnBrk="1" fontAlgn="auto" latinLnBrk="0" hangingPunct="1">
-              <a:lnSpc>
-                <a:spcPct val="100000"/>
-              </a:lnSpc>
-              <a:spcBef>
-                <a:spcPts val="0"/>
-              </a:spcBef>
-              <a:spcAft>
-                <a:spcPts val="0"/>
-              </a:spcAft>
-              <a:buClrTx/>
-              <a:buSzTx/>
-              <a:buFontTx/>
-              <a:buNone/>
-              <a:tabLst/>
-              <a:defRPr/>
-            </a:pPr>
-            <a:r>
-              <a:rPr kumimoji="0" lang="en-GB" sz="800" b="0" i="0" u="none" strike="noStrike" kern="1200" cap="none" spc="0" normalizeH="0" baseline="0" noProof="0" dirty="0" smtClean="0">
-                <a:ln>
-                  <a:noFill/>
-                </a:ln>
-                <a:solidFill>
-                  <a:prstClr val="black"/>
-                </a:solidFill>
-                <a:effectLst/>
-                <a:uLnTx/>
-                <a:uFillTx/>
-                <a:latin typeface="Consolas" pitchFamily="49" charset="0"/>
-                <a:ea typeface="Adobe Fangsong Std R" pitchFamily="18" charset="-128"/>
-                <a:cs typeface="Consolas" pitchFamily="49" charset="0"/>
-              </a:rPr>
-              <a:t>        protected static Customer </a:t>
-            </a:r>
-            <a:r>
-              <a:rPr kumimoji="0" lang="en-GB" sz="800" b="0" i="0" u="none" strike="noStrike" kern="1200" cap="none" spc="0" normalizeH="0" baseline="0" noProof="0" dirty="0" err="1" smtClean="0">
-                <a:ln>
-                  <a:noFill/>
-                </a:ln>
-                <a:solidFill>
-                  <a:prstClr val="black"/>
-                </a:solidFill>
-                <a:effectLst/>
-                <a:uLnTx/>
-                <a:uFillTx/>
-                <a:latin typeface="Consolas" pitchFamily="49" charset="0"/>
-                <a:ea typeface="Adobe Fangsong Std R" pitchFamily="18" charset="-128"/>
-                <a:cs typeface="Consolas" pitchFamily="49" charset="0"/>
-              </a:rPr>
-              <a:t>customer</a:t>
-            </a:r>
-            <a:r>
-              <a:rPr kumimoji="0" lang="en-GB" sz="800" b="0" i="0" u="none" strike="noStrike" kern="1200" cap="none" spc="0" normalizeH="0" baseline="0" noProof="0" dirty="0" smtClean="0">
-                <a:ln>
-                  <a:noFill/>
-                </a:ln>
-                <a:solidFill>
-                  <a:prstClr val="black"/>
-                </a:solidFill>
-                <a:effectLst/>
-                <a:uLnTx/>
-                <a:uFillTx/>
-                <a:latin typeface="Consolas" pitchFamily="49" charset="0"/>
-                <a:ea typeface="Adobe Fangsong Std R" pitchFamily="18" charset="-128"/>
-                <a:cs typeface="Consolas" pitchFamily="49" charset="0"/>
-              </a:rPr>
-              <a:t>;</a:t>
-            </a:r>
-          </a:p>
-          <a:p>
-            <a:pPr marL="0" marR="0" lvl="0" indent="0" algn="l" defTabSz="457200" rtl="0" eaLnBrk="1" fontAlgn="auto" latinLnBrk="0" hangingPunct="1">
-              <a:lnSpc>
-                <a:spcPct val="100000"/>
-              </a:lnSpc>
-              <a:spcBef>
-                <a:spcPts val="0"/>
-              </a:spcBef>
-              <a:spcAft>
-                <a:spcPts val="0"/>
-              </a:spcAft>
-              <a:buClrTx/>
-              <a:buSzTx/>
-              <a:buFontTx/>
-              <a:buNone/>
-              <a:tabLst/>
-              <a:defRPr/>
-            </a:pPr>
-            <a:endParaRPr kumimoji="0" lang="en-GB" sz="800" b="0" i="0" u="none" strike="noStrike" kern="1200" cap="none" spc="0" normalizeH="0" baseline="0" noProof="0" dirty="0" smtClean="0">
-              <a:ln>
-                <a:noFill/>
-              </a:ln>
-              <a:solidFill>
-                <a:prstClr val="black"/>
-              </a:solidFill>
-              <a:effectLst/>
-              <a:uLnTx/>
-              <a:uFillTx/>
-              <a:latin typeface="Consolas" pitchFamily="49" charset="0"/>
-              <a:ea typeface="Adobe Fangsong Std R" pitchFamily="18" charset="-128"/>
-              <a:cs typeface="Consolas" pitchFamily="49" charset="0"/>
-            </a:endParaRPr>
-          </a:p>
-          <a:p>
-            <a:pPr marL="0" marR="0" lvl="0" indent="0" algn="l" defTabSz="457200" rtl="0" eaLnBrk="1" fontAlgn="auto" latinLnBrk="0" hangingPunct="1">
-              <a:lnSpc>
-                <a:spcPct val="100000"/>
-              </a:lnSpc>
-              <a:spcBef>
-                <a:spcPts val="0"/>
-              </a:spcBef>
-              <a:spcAft>
-                <a:spcPts val="0"/>
-              </a:spcAft>
-              <a:buClrTx/>
-              <a:buSzTx/>
-              <a:buFontTx/>
-              <a:buNone/>
-              <a:tabLst/>
-              <a:defRPr/>
-            </a:pPr>
-            <a:r>
-              <a:rPr kumimoji="0" lang="en-GB" sz="800" b="0" i="0" u="none" strike="noStrike" kern="1200" cap="none" spc="0" normalizeH="0" baseline="0" noProof="0" dirty="0" smtClean="0">
-                <a:ln>
-                  <a:noFill/>
-                </a:ln>
-                <a:solidFill>
-                  <a:prstClr val="black"/>
-                </a:solidFill>
-                <a:effectLst/>
-                <a:uLnTx/>
-                <a:uFillTx/>
-                <a:latin typeface="Consolas" pitchFamily="49" charset="0"/>
-                <a:ea typeface="Adobe Fangsong Std R" pitchFamily="18" charset="-128"/>
-                <a:cs typeface="Consolas" pitchFamily="49" charset="0"/>
-              </a:rPr>
-              <a:t>        It </a:t>
-            </a:r>
-            <a:r>
-              <a:rPr kumimoji="0" lang="en-GB" sz="800" b="0" i="0" u="none" strike="noStrike" kern="1200" cap="none" spc="0" normalizeH="0" baseline="0" noProof="0" dirty="0" err="1" smtClean="0">
-                <a:ln>
-                  <a:noFill/>
-                </a:ln>
-                <a:solidFill>
-                  <a:prstClr val="black"/>
-                </a:solidFill>
-                <a:effectLst/>
-                <a:uLnTx/>
-                <a:uFillTx/>
-                <a:latin typeface="Consolas" pitchFamily="49" charset="0"/>
-                <a:ea typeface="Adobe Fangsong Std R" pitchFamily="18" charset="-128"/>
-                <a:cs typeface="Consolas" pitchFamily="49" charset="0"/>
-              </a:rPr>
-              <a:t>should_have_a_current_account_in_credit</a:t>
-            </a:r>
-            <a:r>
-              <a:rPr kumimoji="0" lang="en-GB" sz="800" b="0" i="0" u="none" strike="noStrike" kern="1200" cap="none" spc="0" normalizeH="0" baseline="0" noProof="0" dirty="0" smtClean="0">
-                <a:ln>
-                  <a:noFill/>
-                </a:ln>
-                <a:solidFill>
-                  <a:prstClr val="black"/>
-                </a:solidFill>
-                <a:effectLst/>
-                <a:uLnTx/>
-                <a:uFillTx/>
-                <a:latin typeface="Consolas" pitchFamily="49" charset="0"/>
-                <a:ea typeface="Adobe Fangsong Std R" pitchFamily="18" charset="-128"/>
-                <a:cs typeface="Consolas" pitchFamily="49" charset="0"/>
-              </a:rPr>
-              <a:t> = () =&gt; </a:t>
-            </a:r>
-            <a:r>
-              <a:rPr kumimoji="0" lang="en-GB" sz="800" b="0" i="0" u="none" strike="noStrike" kern="1200" cap="none" spc="0" normalizeH="0" baseline="0" noProof="0" dirty="0" err="1" smtClean="0">
-                <a:ln>
-                  <a:noFill/>
-                </a:ln>
-                <a:solidFill>
-                  <a:prstClr val="black"/>
-                </a:solidFill>
-                <a:effectLst/>
-                <a:uLnTx/>
-                <a:uFillTx/>
-                <a:latin typeface="Consolas" pitchFamily="49" charset="0"/>
-                <a:ea typeface="Adobe Fangsong Std R" pitchFamily="18" charset="-128"/>
-                <a:cs typeface="Consolas" pitchFamily="49" charset="0"/>
-              </a:rPr>
-              <a:t>customer.CurrentAccount.Balance.ShouldBeGreaterThan</a:t>
-            </a:r>
-            <a:r>
-              <a:rPr kumimoji="0" lang="en-GB" sz="800" b="0" i="0" u="none" strike="noStrike" kern="1200" cap="none" spc="0" normalizeH="0" baseline="0" noProof="0" dirty="0" smtClean="0">
-                <a:ln>
-                  <a:noFill/>
-                </a:ln>
-                <a:solidFill>
-                  <a:prstClr val="black"/>
-                </a:solidFill>
-                <a:effectLst/>
-                <a:uLnTx/>
-                <a:uFillTx/>
-                <a:latin typeface="Consolas" pitchFamily="49" charset="0"/>
-                <a:ea typeface="Adobe Fangsong Std R" pitchFamily="18" charset="-128"/>
-                <a:cs typeface="Consolas" pitchFamily="49" charset="0"/>
-              </a:rPr>
-              <a:t>(0m);</a:t>
-            </a:r>
-          </a:p>
-          <a:p>
-            <a:pPr marL="0" marR="0" lvl="0" indent="0" algn="l" defTabSz="457200" rtl="0" eaLnBrk="1" fontAlgn="auto" latinLnBrk="0" hangingPunct="1">
-              <a:lnSpc>
-                <a:spcPct val="100000"/>
-              </a:lnSpc>
-              <a:spcBef>
-                <a:spcPts val="0"/>
-              </a:spcBef>
-              <a:spcAft>
-                <a:spcPts val="0"/>
-              </a:spcAft>
-              <a:buClrTx/>
-              <a:buSzTx/>
-              <a:buFontTx/>
-              <a:buNone/>
-              <a:tabLst/>
-              <a:defRPr/>
-            </a:pPr>
-            <a:r>
-              <a:rPr kumimoji="0" lang="en-GB" sz="800" b="0" i="0" u="none" strike="noStrike" kern="1200" cap="none" spc="0" normalizeH="0" baseline="0" noProof="0" dirty="0" smtClean="0">
-                <a:ln>
-                  <a:noFill/>
-                </a:ln>
-                <a:solidFill>
-                  <a:prstClr val="black"/>
-                </a:solidFill>
-                <a:effectLst/>
-                <a:uLnTx/>
-                <a:uFillTx/>
-                <a:latin typeface="Consolas" pitchFamily="49" charset="0"/>
-                <a:ea typeface="Adobe Fangsong Std R" pitchFamily="18" charset="-128"/>
-                <a:cs typeface="Consolas" pitchFamily="49" charset="0"/>
-              </a:rPr>
-              <a:t>    }</a:t>
-            </a:r>
-          </a:p>
-          <a:p>
-            <a:pPr marL="0" marR="0" lvl="0" indent="0" algn="l" defTabSz="457200" rtl="0" eaLnBrk="1" fontAlgn="auto" latinLnBrk="0" hangingPunct="1">
-              <a:lnSpc>
-                <a:spcPct val="100000"/>
-              </a:lnSpc>
-              <a:spcBef>
-                <a:spcPts val="0"/>
-              </a:spcBef>
-              <a:spcAft>
-                <a:spcPts val="0"/>
-              </a:spcAft>
-              <a:buClrTx/>
-              <a:buSzTx/>
-              <a:buFontTx/>
-              <a:buNone/>
-              <a:tabLst/>
-              <a:defRPr/>
-            </a:pPr>
-            <a:r>
-              <a:rPr kumimoji="0" lang="en-GB" sz="800" b="0" i="0" u="none" strike="noStrike" kern="1200" cap="none" spc="0" normalizeH="0" baseline="0" noProof="0" dirty="0" smtClean="0">
-                <a:ln>
-                  <a:noFill/>
-                </a:ln>
-                <a:solidFill>
-                  <a:prstClr val="black"/>
-                </a:solidFill>
-                <a:effectLst/>
-                <a:uLnTx/>
-                <a:uFillTx/>
-                <a:latin typeface="Consolas" pitchFamily="49" charset="0"/>
-                <a:ea typeface="Adobe Fangsong Std R" pitchFamily="18" charset="-128"/>
-                <a:cs typeface="Consolas" pitchFamily="49" charset="0"/>
-              </a:rPr>
-              <a:t>        </a:t>
-            </a:r>
-            <a:r>
-              <a:rPr kumimoji="0" lang="en-GB" sz="800" b="0" i="0" u="none" strike="noStrike" kern="1200" cap="none" spc="0" normalizeH="0" baseline="0" noProof="0" dirty="0" err="1" smtClean="0">
-                <a:ln>
-                  <a:noFill/>
-                </a:ln>
-                <a:solidFill>
-                  <a:prstClr val="black"/>
-                </a:solidFill>
-                <a:effectLst/>
-                <a:uLnTx/>
-                <a:uFillTx/>
-                <a:latin typeface="Consolas" pitchFamily="49" charset="0"/>
-                <a:ea typeface="Adobe Fangsong Std R" pitchFamily="18" charset="-128"/>
-                <a:cs typeface="Consolas" pitchFamily="49" charset="0"/>
-              </a:rPr>
-              <a:t>Behaves_like</a:t>
-            </a:r>
-            <a:r>
-              <a:rPr kumimoji="0" lang="en-GB" sz="800" b="0" i="0" u="none" strike="noStrike" kern="1200" cap="none" spc="0" normalizeH="0" baseline="0" noProof="0" dirty="0" smtClean="0">
-                <a:ln>
-                  <a:noFill/>
-                </a:ln>
-                <a:solidFill>
-                  <a:prstClr val="black"/>
-                </a:solidFill>
-                <a:effectLst/>
-                <a:uLnTx/>
-                <a:uFillTx/>
-                <a:latin typeface="Consolas" pitchFamily="49" charset="0"/>
-                <a:ea typeface="Adobe Fangsong Std R" pitchFamily="18" charset="-128"/>
-                <a:cs typeface="Consolas" pitchFamily="49" charset="0"/>
-              </a:rPr>
-              <a:t>&lt;</a:t>
-            </a:r>
-            <a:r>
-              <a:rPr kumimoji="0" lang="en-GB" sz="800" b="0" i="0" u="none" strike="noStrike" kern="1200" cap="none" spc="0" normalizeH="0" baseline="0" noProof="0" dirty="0" err="1" smtClean="0">
-                <a:ln>
-                  <a:noFill/>
-                </a:ln>
-                <a:solidFill>
-                  <a:prstClr val="black"/>
-                </a:solidFill>
-                <a:effectLst/>
-                <a:uLnTx/>
-                <a:uFillTx/>
-                <a:latin typeface="Consolas" pitchFamily="49" charset="0"/>
-                <a:ea typeface="Adobe Fangsong Std R" pitchFamily="18" charset="-128"/>
-                <a:cs typeface="Consolas" pitchFamily="49" charset="0"/>
-              </a:rPr>
-              <a:t>CustomerWithACurrentAccountInCredit</a:t>
-            </a:r>
-            <a:r>
-              <a:rPr kumimoji="0" lang="en-GB" sz="800" b="0" i="0" u="none" strike="noStrike" kern="1200" cap="none" spc="0" normalizeH="0" baseline="0" noProof="0" dirty="0" smtClean="0">
-                <a:ln>
-                  <a:noFill/>
-                </a:ln>
-                <a:solidFill>
-                  <a:prstClr val="black"/>
-                </a:solidFill>
-                <a:effectLst/>
-                <a:uLnTx/>
-                <a:uFillTx/>
-                <a:latin typeface="Consolas" pitchFamily="49" charset="0"/>
-                <a:ea typeface="Adobe Fangsong Std R" pitchFamily="18" charset="-128"/>
-                <a:cs typeface="Consolas" pitchFamily="49" charset="0"/>
-              </a:rPr>
-              <a:t>&gt; </a:t>
-            </a:r>
-            <a:r>
-              <a:rPr kumimoji="0" lang="en-GB" sz="800" b="0" i="0" u="none" strike="noStrike" kern="1200" cap="none" spc="0" normalizeH="0" baseline="0" noProof="0" dirty="0" err="1" smtClean="0">
-                <a:ln>
-                  <a:noFill/>
-                </a:ln>
-                <a:solidFill>
-                  <a:prstClr val="black"/>
-                </a:solidFill>
-                <a:effectLst/>
-                <a:uLnTx/>
-                <a:uFillTx/>
-                <a:latin typeface="Consolas" pitchFamily="49" charset="0"/>
-                <a:ea typeface="Adobe Fangsong Std R" pitchFamily="18" charset="-128"/>
-                <a:cs typeface="Consolas" pitchFamily="49" charset="0"/>
-              </a:rPr>
-              <a:t>a_customer_with_a_current_account_in_credit</a:t>
-            </a:r>
-            <a:r>
-              <a:rPr kumimoji="0" lang="en-GB" sz="800" b="0" i="0" u="none" strike="noStrike" kern="1200" cap="none" spc="0" normalizeH="0" baseline="0" noProof="0" dirty="0" smtClean="0">
-                <a:ln>
-                  <a:noFill/>
-                </a:ln>
-                <a:solidFill>
-                  <a:prstClr val="black"/>
-                </a:solidFill>
-                <a:effectLst/>
-                <a:uLnTx/>
-                <a:uFillTx/>
-                <a:latin typeface="Consolas" pitchFamily="49" charset="0"/>
-                <a:ea typeface="Adobe Fangsong Std R" pitchFamily="18" charset="-128"/>
-                <a:cs typeface="Consolas" pitchFamily="49" charset="0"/>
-              </a:rPr>
-              <a:t> = () =&gt; { };                         </a:t>
-            </a:r>
-          </a:p>
-          <a:p>
-            <a:pPr marL="0" marR="0" lvl="0" indent="0" algn="l" defTabSz="457200" rtl="0" eaLnBrk="1" fontAlgn="auto" latinLnBrk="0" hangingPunct="1">
-              <a:lnSpc>
-                <a:spcPct val="100000"/>
-              </a:lnSpc>
-              <a:spcBef>
-                <a:spcPts val="0"/>
-              </a:spcBef>
-              <a:spcAft>
-                <a:spcPts val="0"/>
-              </a:spcAft>
-              <a:buClrTx/>
-              <a:buSzTx/>
-              <a:buFontTx/>
-              <a:buNone/>
-              <a:tabLst/>
-              <a:defRPr/>
-            </a:pPr>
-            <a:endParaRPr kumimoji="0" lang="en-GB" sz="800" b="0" i="0" u="none" strike="noStrike" kern="1200" cap="none" spc="0" normalizeH="0" baseline="0" noProof="0" dirty="0" smtClean="0">
-              <a:ln>
-                <a:noFill/>
-              </a:ln>
-              <a:solidFill>
-                <a:prstClr val="black"/>
-              </a:solidFill>
-              <a:effectLst/>
-              <a:uLnTx/>
-              <a:uFillTx/>
-              <a:latin typeface="Consolas" pitchFamily="49" charset="0"/>
-              <a:ea typeface="Adobe Fangsong Std R" pitchFamily="18" charset="-128"/>
-              <a:cs typeface="Consolas" pitchFamily="49" charset="0"/>
-            </a:endParaRPr>
-          </a:p>
-          <a:p>
-            <a:pPr marL="0" marR="0" lvl="0" indent="0" algn="l" defTabSz="457200" rtl="0" eaLnBrk="1" fontAlgn="auto" latinLnBrk="0" hangingPunct="1">
-              <a:lnSpc>
-                <a:spcPct val="100000"/>
-              </a:lnSpc>
-              <a:spcBef>
-                <a:spcPts val="0"/>
-              </a:spcBef>
-              <a:spcAft>
-                <a:spcPts val="0"/>
-              </a:spcAft>
-              <a:buClrTx/>
-              <a:buSzTx/>
-              <a:buFontTx/>
-              <a:buNone/>
-              <a:tabLst/>
-              <a:defRPr/>
-            </a:pPr>
-            <a:r>
-              <a:rPr kumimoji="0" lang="en-GB" sz="800" b="0" i="0" u="none" strike="noStrike" kern="1200" cap="none" spc="0" normalizeH="0" baseline="0" noProof="0" dirty="0" smtClean="0">
-                <a:ln>
-                  <a:noFill/>
-                </a:ln>
-                <a:solidFill>
-                  <a:prstClr val="black"/>
-                </a:solidFill>
-                <a:effectLst/>
-                <a:uLnTx/>
-                <a:uFillTx/>
-                <a:latin typeface="Consolas" pitchFamily="49" charset="0"/>
-                <a:ea typeface="Adobe Fangsong Std R" pitchFamily="18" charset="-128"/>
-                <a:cs typeface="Consolas" pitchFamily="49" charset="0"/>
-              </a:rPr>
-              <a:t>        </a:t>
-            </a:r>
-          </a:p>
-          <a:p>
-            <a:pPr marL="0" marR="0" lvl="0" indent="0" algn="l" defTabSz="457200" rtl="0" eaLnBrk="1" fontAlgn="auto" latinLnBrk="0" hangingPunct="1">
-              <a:lnSpc>
-                <a:spcPct val="100000"/>
-              </a:lnSpc>
-              <a:spcBef>
-                <a:spcPts val="0"/>
-              </a:spcBef>
-              <a:spcAft>
-                <a:spcPts val="0"/>
-              </a:spcAft>
-              <a:buClrTx/>
-              <a:buSzTx/>
-              <a:buFontTx/>
-              <a:buNone/>
-              <a:tabLst/>
-              <a:defRPr/>
-            </a:pPr>
-            <a:r>
-              <a:rPr kumimoji="0" lang="en-GB" sz="800" b="0" i="0" u="none" strike="noStrike" kern="1200" cap="none" spc="0" normalizeH="0" baseline="0" noProof="0" dirty="0" smtClean="0">
-                <a:ln>
-                  <a:noFill/>
-                </a:ln>
-                <a:solidFill>
-                  <a:prstClr val="black"/>
-                </a:solidFill>
-                <a:effectLst/>
-                <a:uLnTx/>
-                <a:uFillTx/>
-                <a:latin typeface="Consolas" pitchFamily="49" charset="0"/>
-                <a:ea typeface="Adobe Fangsong Std R" pitchFamily="18" charset="-128"/>
-                <a:cs typeface="Consolas" pitchFamily="49" charset="0"/>
-              </a:rPr>
-              <a:t>        protected static Customer </a:t>
-            </a:r>
-            <a:r>
-              <a:rPr kumimoji="0" lang="en-GB" sz="800" b="0" i="0" u="none" strike="noStrike" kern="1200" cap="none" spc="0" normalizeH="0" baseline="0" noProof="0" dirty="0" err="1" smtClean="0">
-                <a:ln>
-                  <a:noFill/>
-                </a:ln>
-                <a:solidFill>
-                  <a:prstClr val="black"/>
-                </a:solidFill>
-                <a:effectLst/>
-                <a:uLnTx/>
-                <a:uFillTx/>
-                <a:latin typeface="Consolas" pitchFamily="49" charset="0"/>
-                <a:ea typeface="Adobe Fangsong Std R" pitchFamily="18" charset="-128"/>
-                <a:cs typeface="Consolas" pitchFamily="49" charset="0"/>
-              </a:rPr>
-              <a:t>customer</a:t>
-            </a:r>
-            <a:r>
-              <a:rPr kumimoji="0" lang="en-GB" sz="800" b="0" i="0" u="none" strike="noStrike" kern="1200" cap="none" spc="0" normalizeH="0" baseline="0" noProof="0" dirty="0" smtClean="0">
-                <a:ln>
-                  <a:noFill/>
-                </a:ln>
-                <a:solidFill>
-                  <a:prstClr val="black"/>
-                </a:solidFill>
-                <a:effectLst/>
-                <a:uLnTx/>
-                <a:uFillTx/>
-                <a:latin typeface="Consolas" pitchFamily="49" charset="0"/>
-                <a:ea typeface="Adobe Fangsong Std R" pitchFamily="18" charset="-128"/>
-                <a:cs typeface="Consolas" pitchFamily="49" charset="0"/>
-              </a:rPr>
-              <a:t>;</a:t>
-            </a:r>
-          </a:p>
-          <a:p>
-            <a:pPr marL="0" marR="0" lvl="0" indent="0" algn="l" defTabSz="457200" rtl="0" eaLnBrk="1" fontAlgn="auto" latinLnBrk="0" hangingPunct="1">
-              <a:lnSpc>
-                <a:spcPct val="100000"/>
-              </a:lnSpc>
-              <a:spcBef>
-                <a:spcPts val="0"/>
-              </a:spcBef>
-              <a:spcAft>
-                <a:spcPts val="0"/>
-              </a:spcAft>
-              <a:buClrTx/>
-              <a:buSzTx/>
-              <a:buFontTx/>
-              <a:buNone/>
-              <a:tabLst/>
-              <a:defRPr/>
-            </a:pPr>
-            <a:r>
-              <a:rPr kumimoji="0" lang="en-GB" sz="800" b="0" i="0" u="none" strike="noStrike" kern="1200" cap="none" spc="0" normalizeH="0" baseline="0" noProof="0" dirty="0" smtClean="0">
-                <a:ln>
-                  <a:noFill/>
-                </a:ln>
-                <a:solidFill>
-                  <a:prstClr val="black"/>
-                </a:solidFill>
-                <a:effectLst/>
-                <a:uLnTx/>
-                <a:uFillTx/>
-                <a:latin typeface="Consolas" pitchFamily="49" charset="0"/>
-                <a:ea typeface="Adobe Fangsong Std R" pitchFamily="18" charset="-128"/>
-                <a:cs typeface="Consolas" pitchFamily="49" charset="0"/>
-              </a:rPr>
-              <a:t>    }</a:t>
-            </a:r>
-          </a:p>
-          <a:p>
-            <a:pPr marL="0" marR="0" lvl="0" indent="0" algn="l" defTabSz="457200" rtl="0" eaLnBrk="1" fontAlgn="auto" latinLnBrk="0" hangingPunct="1">
-              <a:lnSpc>
-                <a:spcPct val="100000"/>
-              </a:lnSpc>
-              <a:spcBef>
-                <a:spcPts val="0"/>
-              </a:spcBef>
-              <a:spcAft>
-                <a:spcPts val="0"/>
-              </a:spcAft>
-              <a:buClrTx/>
-              <a:buSzTx/>
-              <a:buFontTx/>
-              <a:buNone/>
-              <a:tabLst/>
-              <a:defRPr/>
-            </a:pPr>
-            <a:endParaRPr kumimoji="0" lang="en-GB" sz="800" b="0" i="0" u="none" strike="noStrike" kern="1200" cap="none" spc="0" normalizeH="0" baseline="0" noProof="0" dirty="0" smtClean="0">
-              <a:ln>
-                <a:noFill/>
-              </a:ln>
-              <a:solidFill>
-                <a:prstClr val="black"/>
-              </a:solidFill>
-              <a:effectLst/>
-              <a:uLnTx/>
-              <a:uFillTx/>
-              <a:latin typeface="Consolas" pitchFamily="49" charset="0"/>
-              <a:ea typeface="Adobe Fangsong Std R" pitchFamily="18" charset="-128"/>
-              <a:cs typeface="Consolas" pitchFamily="49" charset="0"/>
-            </a:endParaRPr>
-          </a:p>
-          <a:p>
-            <a:pPr marL="0" marR="0" lvl="0" indent="0" algn="l" defTabSz="457200" rtl="0" eaLnBrk="1" fontAlgn="auto" latinLnBrk="0" hangingPunct="1">
-              <a:lnSpc>
-                <a:spcPct val="100000"/>
-              </a:lnSpc>
-              <a:spcBef>
-                <a:spcPts val="0"/>
-              </a:spcBef>
-              <a:spcAft>
-                <a:spcPts val="0"/>
-              </a:spcAft>
-              <a:buClrTx/>
-              <a:buSzTx/>
-              <a:buFontTx/>
-              <a:buNone/>
-              <a:tabLst/>
-              <a:defRPr/>
-            </a:pPr>
-            <a:r>
-              <a:rPr kumimoji="0" lang="en-GB" sz="800" b="0" i="0" u="none" strike="noStrike" kern="1200" cap="none" spc="0" normalizeH="0" baseline="0" noProof="0" dirty="0" smtClean="0">
-                <a:ln>
-                  <a:noFill/>
-                </a:ln>
-                <a:solidFill>
-                  <a:prstClr val="black"/>
-                </a:solidFill>
-                <a:effectLst/>
-                <a:uLnTx/>
-                <a:uFillTx/>
-                <a:latin typeface="Consolas" pitchFamily="49" charset="0"/>
-                <a:ea typeface="Adobe Fangsong Std R" pitchFamily="18" charset="-128"/>
-                <a:cs typeface="Consolas" pitchFamily="49" charset="0"/>
-              </a:rPr>
-              <a:t>    [</a:t>
-            </a:r>
-            <a:r>
-              <a:rPr kumimoji="0" lang="en-GB" sz="800" b="0" i="0" u="none" strike="noStrike" kern="1200" cap="none" spc="0" normalizeH="0" baseline="0" noProof="0" dirty="0" err="1" smtClean="0">
-                <a:ln>
-                  <a:noFill/>
-                </a:ln>
-                <a:solidFill>
-                  <a:prstClr val="black"/>
-                </a:solidFill>
-                <a:effectLst/>
-                <a:uLnTx/>
-                <a:uFillTx/>
-                <a:latin typeface="Consolas" pitchFamily="49" charset="0"/>
-                <a:ea typeface="Adobe Fangsong Std R" pitchFamily="18" charset="-128"/>
-                <a:cs typeface="Consolas" pitchFamily="49" charset="0"/>
-              </a:rPr>
-              <a:t>Behaviors</a:t>
-            </a:r>
-            <a:r>
-              <a:rPr kumimoji="0" lang="en-GB" sz="800" b="0" i="0" u="none" strike="noStrike" kern="1200" cap="none" spc="0" normalizeH="0" baseline="0" noProof="0" dirty="0" smtClean="0">
-                <a:ln>
-                  <a:noFill/>
-                </a:ln>
-                <a:solidFill>
-                  <a:prstClr val="black"/>
-                </a:solidFill>
-                <a:effectLst/>
-                <a:uLnTx/>
-                <a:uFillTx/>
-                <a:latin typeface="Consolas" pitchFamily="49" charset="0"/>
-                <a:ea typeface="Adobe Fangsong Std R" pitchFamily="18" charset="-128"/>
-                <a:cs typeface="Consolas" pitchFamily="49" charset="0"/>
-              </a:rPr>
-              <a:t>]</a:t>
-            </a:r>
-          </a:p>
-          <a:p>
-            <a:pPr marL="0" marR="0" lvl="0" indent="0" algn="l" defTabSz="457200" rtl="0" eaLnBrk="1" fontAlgn="auto" latinLnBrk="0" hangingPunct="1">
-              <a:lnSpc>
-                <a:spcPct val="100000"/>
-              </a:lnSpc>
-              <a:spcBef>
-                <a:spcPts val="0"/>
-              </a:spcBef>
-              <a:spcAft>
-                <a:spcPts val="0"/>
-              </a:spcAft>
-              <a:buClrTx/>
-              <a:buSzTx/>
-              <a:buFontTx/>
-              <a:buNone/>
-              <a:tabLst/>
-              <a:defRPr/>
-            </a:pPr>
-            <a:r>
-              <a:rPr kumimoji="0" lang="en-GB" sz="800" b="0" i="0" u="none" strike="noStrike" kern="1200" cap="none" spc="0" normalizeH="0" baseline="0" noProof="0" dirty="0" smtClean="0">
-                <a:ln>
-                  <a:noFill/>
-                </a:ln>
-                <a:solidFill>
-                  <a:prstClr val="black"/>
-                </a:solidFill>
-                <a:effectLst/>
-                <a:uLnTx/>
-                <a:uFillTx/>
-                <a:latin typeface="Consolas" pitchFamily="49" charset="0"/>
-                <a:ea typeface="Adobe Fangsong Std R" pitchFamily="18" charset="-128"/>
-                <a:cs typeface="Consolas" pitchFamily="49" charset="0"/>
-              </a:rPr>
-              <a:t>    public class </a:t>
-            </a:r>
-            <a:r>
-              <a:rPr kumimoji="0" lang="en-GB" sz="800" b="0" i="0" u="none" strike="noStrike" kern="1200" cap="none" spc="0" normalizeH="0" baseline="0" noProof="0" dirty="0" err="1" smtClean="0">
-                <a:ln>
-                  <a:noFill/>
-                </a:ln>
-                <a:solidFill>
-                  <a:prstClr val="black"/>
-                </a:solidFill>
-                <a:effectLst/>
-                <a:uLnTx/>
-                <a:uFillTx/>
-                <a:latin typeface="Consolas" pitchFamily="49" charset="0"/>
-                <a:ea typeface="Adobe Fangsong Std R" pitchFamily="18" charset="-128"/>
-                <a:cs typeface="Consolas" pitchFamily="49" charset="0"/>
-              </a:rPr>
-              <a:t>CustomerWithACurrentAccountInCredit</a:t>
-            </a:r>
-            <a:endParaRPr kumimoji="0" lang="en-GB" sz="800" b="0" i="0" u="none" strike="noStrike" kern="1200" cap="none" spc="0" normalizeH="0" baseline="0" noProof="0" dirty="0" smtClean="0">
-              <a:ln>
-                <a:noFill/>
-              </a:ln>
-              <a:solidFill>
-                <a:prstClr val="black"/>
-              </a:solidFill>
-              <a:effectLst/>
-              <a:uLnTx/>
-              <a:uFillTx/>
-              <a:latin typeface="Consolas" pitchFamily="49" charset="0"/>
-              <a:ea typeface="Adobe Fangsong Std R" pitchFamily="18" charset="-128"/>
-              <a:cs typeface="Consolas" pitchFamily="49" charset="0"/>
-            </a:endParaRPr>
-          </a:p>
-          <a:p>
-            <a:pPr marL="0" marR="0" lvl="0" indent="0" algn="l" defTabSz="457200" rtl="0" eaLnBrk="1" fontAlgn="auto" latinLnBrk="0" hangingPunct="1">
-              <a:lnSpc>
-                <a:spcPct val="100000"/>
-              </a:lnSpc>
-              <a:spcBef>
-                <a:spcPts val="0"/>
-              </a:spcBef>
-              <a:spcAft>
-                <a:spcPts val="0"/>
-              </a:spcAft>
-              <a:buClrTx/>
-              <a:buSzTx/>
-              <a:buFontTx/>
-              <a:buNone/>
-              <a:tabLst/>
-              <a:defRPr/>
-            </a:pPr>
-            <a:r>
-              <a:rPr kumimoji="0" lang="en-GB" sz="800" b="0" i="0" u="none" strike="noStrike" kern="1200" cap="none" spc="0" normalizeH="0" baseline="0" noProof="0" dirty="0" smtClean="0">
-                <a:ln>
-                  <a:noFill/>
-                </a:ln>
-                <a:solidFill>
-                  <a:prstClr val="black"/>
-                </a:solidFill>
-                <a:effectLst/>
-                <a:uLnTx/>
-                <a:uFillTx/>
-                <a:latin typeface="Consolas" pitchFamily="49" charset="0"/>
-                <a:ea typeface="Adobe Fangsong Std R" pitchFamily="18" charset="-128"/>
-                <a:cs typeface="Consolas" pitchFamily="49" charset="0"/>
-              </a:rPr>
-              <a:t>    {</a:t>
-            </a:r>
-          </a:p>
-          <a:p>
-            <a:pPr marL="0" marR="0" lvl="0" indent="0" algn="l" defTabSz="457200" rtl="0" eaLnBrk="1" fontAlgn="auto" latinLnBrk="0" hangingPunct="1">
-              <a:lnSpc>
-                <a:spcPct val="100000"/>
-              </a:lnSpc>
-              <a:spcBef>
-                <a:spcPts val="0"/>
-              </a:spcBef>
-              <a:spcAft>
-                <a:spcPts val="0"/>
-              </a:spcAft>
-              <a:buClrTx/>
-              <a:buSzTx/>
-              <a:buFontTx/>
-              <a:buNone/>
-              <a:tabLst/>
-              <a:defRPr/>
-            </a:pPr>
-            <a:r>
-              <a:rPr kumimoji="0" lang="en-GB" sz="800" b="0" i="0" u="none" strike="noStrike" kern="1200" cap="none" spc="0" normalizeH="0" baseline="0" noProof="0" dirty="0" smtClean="0">
-                <a:ln>
-                  <a:noFill/>
-                </a:ln>
-                <a:solidFill>
-                  <a:prstClr val="black"/>
-                </a:solidFill>
-                <a:effectLst/>
-                <a:uLnTx/>
-                <a:uFillTx/>
-                <a:latin typeface="Consolas" pitchFamily="49" charset="0"/>
-                <a:ea typeface="Adobe Fangsong Std R" pitchFamily="18" charset="-128"/>
-                <a:cs typeface="Consolas" pitchFamily="49" charset="0"/>
-              </a:rPr>
-              <a:t>        protected static Customer </a:t>
-            </a:r>
-            <a:r>
-              <a:rPr kumimoji="0" lang="en-GB" sz="800" b="0" i="0" u="none" strike="noStrike" kern="1200" cap="none" spc="0" normalizeH="0" baseline="0" noProof="0" dirty="0" err="1" smtClean="0">
-                <a:ln>
-                  <a:noFill/>
-                </a:ln>
-                <a:solidFill>
-                  <a:prstClr val="black"/>
-                </a:solidFill>
-                <a:effectLst/>
-                <a:uLnTx/>
-                <a:uFillTx/>
-                <a:latin typeface="Consolas" pitchFamily="49" charset="0"/>
-                <a:ea typeface="Adobe Fangsong Std R" pitchFamily="18" charset="-128"/>
-                <a:cs typeface="Consolas" pitchFamily="49" charset="0"/>
-              </a:rPr>
-              <a:t>customer</a:t>
-            </a:r>
-            <a:r>
-              <a:rPr kumimoji="0" lang="en-GB" sz="800" b="0" i="0" u="none" strike="noStrike" kern="1200" cap="none" spc="0" normalizeH="0" baseline="0" noProof="0" dirty="0" smtClean="0">
-                <a:ln>
-                  <a:noFill/>
-                </a:ln>
-                <a:solidFill>
-                  <a:prstClr val="black"/>
-                </a:solidFill>
-                <a:effectLst/>
-                <a:uLnTx/>
-                <a:uFillTx/>
-                <a:latin typeface="Consolas" pitchFamily="49" charset="0"/>
-                <a:ea typeface="Adobe Fangsong Std R" pitchFamily="18" charset="-128"/>
-                <a:cs typeface="Consolas" pitchFamily="49" charset="0"/>
-              </a:rPr>
-              <a:t>;</a:t>
-            </a:r>
-          </a:p>
-          <a:p>
-            <a:pPr marL="0" marR="0" lvl="0" indent="0" algn="l" defTabSz="457200" rtl="0" eaLnBrk="1" fontAlgn="auto" latinLnBrk="0" hangingPunct="1">
-              <a:lnSpc>
-                <a:spcPct val="100000"/>
-              </a:lnSpc>
-              <a:spcBef>
-                <a:spcPts val="0"/>
-              </a:spcBef>
-              <a:spcAft>
-                <a:spcPts val="0"/>
-              </a:spcAft>
-              <a:buClrTx/>
-              <a:buSzTx/>
-              <a:buFontTx/>
-              <a:buNone/>
-              <a:tabLst/>
-              <a:defRPr/>
-            </a:pPr>
-            <a:endParaRPr kumimoji="0" lang="en-GB" sz="800" b="0" i="0" u="none" strike="noStrike" kern="1200" cap="none" spc="0" normalizeH="0" baseline="0" noProof="0" dirty="0" smtClean="0">
-              <a:ln>
-                <a:noFill/>
-              </a:ln>
-              <a:solidFill>
-                <a:prstClr val="black"/>
-              </a:solidFill>
-              <a:effectLst/>
-              <a:uLnTx/>
-              <a:uFillTx/>
-              <a:latin typeface="Consolas" pitchFamily="49" charset="0"/>
-              <a:ea typeface="Adobe Fangsong Std R" pitchFamily="18" charset="-128"/>
-              <a:cs typeface="Consolas" pitchFamily="49" charset="0"/>
-            </a:endParaRPr>
-          </a:p>
-          <a:p>
-            <a:pPr marL="0" marR="0" lvl="0" indent="0" algn="l" defTabSz="457200" rtl="0" eaLnBrk="1" fontAlgn="auto" latinLnBrk="0" hangingPunct="1">
-              <a:lnSpc>
-                <a:spcPct val="100000"/>
-              </a:lnSpc>
-              <a:spcBef>
-                <a:spcPts val="0"/>
-              </a:spcBef>
-              <a:spcAft>
-                <a:spcPts val="0"/>
-              </a:spcAft>
-              <a:buClrTx/>
-              <a:buSzTx/>
-              <a:buFontTx/>
-              <a:buNone/>
-              <a:tabLst/>
-              <a:defRPr/>
-            </a:pPr>
-            <a:r>
-              <a:rPr kumimoji="0" lang="en-GB" sz="800" b="0" i="0" u="none" strike="noStrike" kern="1200" cap="none" spc="0" normalizeH="0" baseline="0" noProof="0" dirty="0" smtClean="0">
-                <a:ln>
-                  <a:noFill/>
-                </a:ln>
-                <a:solidFill>
-                  <a:prstClr val="black"/>
-                </a:solidFill>
-                <a:effectLst/>
-                <a:uLnTx/>
-                <a:uFillTx/>
-                <a:latin typeface="Consolas" pitchFamily="49" charset="0"/>
-                <a:ea typeface="Adobe Fangsong Std R" pitchFamily="18" charset="-128"/>
-                <a:cs typeface="Consolas" pitchFamily="49" charset="0"/>
-              </a:rPr>
-              <a:t>        It </a:t>
-            </a:r>
-            <a:r>
-              <a:rPr kumimoji="0" lang="en-GB" sz="800" b="0" i="0" u="none" strike="noStrike" kern="1200" cap="none" spc="0" normalizeH="0" baseline="0" noProof="0" dirty="0" err="1" smtClean="0">
-                <a:ln>
-                  <a:noFill/>
-                </a:ln>
-                <a:solidFill>
-                  <a:prstClr val="black"/>
-                </a:solidFill>
-                <a:effectLst/>
-                <a:uLnTx/>
-                <a:uFillTx/>
-                <a:latin typeface="Consolas" pitchFamily="49" charset="0"/>
-                <a:ea typeface="Adobe Fangsong Std R" pitchFamily="18" charset="-128"/>
-                <a:cs typeface="Consolas" pitchFamily="49" charset="0"/>
-              </a:rPr>
-              <a:t>should_have_a_current_account_in_credit</a:t>
-            </a:r>
-            <a:r>
-              <a:rPr kumimoji="0" lang="en-GB" sz="800" b="0" i="0" u="none" strike="noStrike" kern="1200" cap="none" spc="0" normalizeH="0" baseline="0" noProof="0" dirty="0" smtClean="0">
-                <a:ln>
-                  <a:noFill/>
-                </a:ln>
-                <a:solidFill>
-                  <a:prstClr val="black"/>
-                </a:solidFill>
-                <a:effectLst/>
-                <a:uLnTx/>
-                <a:uFillTx/>
-                <a:latin typeface="Consolas" pitchFamily="49" charset="0"/>
-                <a:ea typeface="Adobe Fangsong Std R" pitchFamily="18" charset="-128"/>
-                <a:cs typeface="Consolas" pitchFamily="49" charset="0"/>
-              </a:rPr>
-              <a:t> = () =&gt; </a:t>
-            </a:r>
-            <a:r>
-              <a:rPr kumimoji="0" lang="en-GB" sz="800" b="0" i="0" u="none" strike="noStrike" kern="1200" cap="none" spc="0" normalizeH="0" baseline="0" noProof="0" dirty="0" err="1" smtClean="0">
-                <a:ln>
-                  <a:noFill/>
-                </a:ln>
-                <a:solidFill>
-                  <a:prstClr val="black"/>
-                </a:solidFill>
-                <a:effectLst/>
-                <a:uLnTx/>
-                <a:uFillTx/>
-                <a:latin typeface="Consolas" pitchFamily="49" charset="0"/>
-                <a:ea typeface="Adobe Fangsong Std R" pitchFamily="18" charset="-128"/>
-                <a:cs typeface="Consolas" pitchFamily="49" charset="0"/>
-              </a:rPr>
-              <a:t>customer.CurrentAccount.Balance.ShouldBeGreaterThan</a:t>
-            </a:r>
-            <a:r>
-              <a:rPr kumimoji="0" lang="en-GB" sz="800" b="0" i="0" u="none" strike="noStrike" kern="1200" cap="none" spc="0" normalizeH="0" baseline="0" noProof="0" dirty="0" smtClean="0">
-                <a:ln>
-                  <a:noFill/>
-                </a:ln>
-                <a:solidFill>
-                  <a:prstClr val="black"/>
-                </a:solidFill>
-                <a:effectLst/>
-                <a:uLnTx/>
-                <a:uFillTx/>
-                <a:latin typeface="Consolas" pitchFamily="49" charset="0"/>
-                <a:ea typeface="Adobe Fangsong Std R" pitchFamily="18" charset="-128"/>
-                <a:cs typeface="Consolas" pitchFamily="49" charset="0"/>
-              </a:rPr>
-              <a:t>(0m);</a:t>
-            </a:r>
-          </a:p>
-          <a:p>
-            <a:pPr marL="0" marR="0" lvl="0" indent="0" algn="l" defTabSz="457200" rtl="0" eaLnBrk="1" fontAlgn="auto" latinLnBrk="0" hangingPunct="1">
-              <a:lnSpc>
-                <a:spcPct val="100000"/>
-              </a:lnSpc>
-              <a:spcBef>
-                <a:spcPts val="0"/>
-              </a:spcBef>
-              <a:spcAft>
-                <a:spcPts val="0"/>
-              </a:spcAft>
-              <a:buClrTx/>
-              <a:buSzTx/>
-              <a:buFontTx/>
-              <a:buNone/>
-              <a:tabLst/>
-              <a:defRPr/>
-            </a:pPr>
-            <a:r>
-              <a:rPr kumimoji="0" lang="en-GB" sz="800" b="0" i="0" u="none" strike="noStrike" kern="1200" cap="none" spc="0" normalizeH="0" baseline="0" noProof="0" dirty="0" smtClean="0">
-                <a:ln>
-                  <a:noFill/>
-                </a:ln>
-                <a:solidFill>
-                  <a:prstClr val="black"/>
-                </a:solidFill>
-                <a:effectLst/>
-                <a:uLnTx/>
-                <a:uFillTx/>
-                <a:latin typeface="Consolas" pitchFamily="49" charset="0"/>
-                <a:ea typeface="Adobe Fangsong Std R" pitchFamily="18" charset="-128"/>
-                <a:cs typeface="Consolas" pitchFamily="49" charset="0"/>
-              </a:rPr>
-              <a:t>    }</a:t>
-            </a:r>
-            <a:endParaRPr lang="en-GB" sz="800" kern="1200" dirty="0" smtClean="0">
-              <a:solidFill>
-                <a:schemeClr val="tx1"/>
-              </a:solidFill>
-              <a:latin typeface="Consolas" pitchFamily="49" charset="0"/>
-              <a:ea typeface="Adobe Fangsong Std R" pitchFamily="18" charset="-128"/>
-              <a:cs typeface="Consolas" pitchFamily="49" charset="0"/>
-            </a:endParaRPr>
+              <a:rPr lang="en-US" baseline="0" dirty="0" smtClean="0"/>
+              <a:t>Step3 : Create the context variable in the behavior as </a:t>
+            </a:r>
+            <a:r>
+              <a:rPr lang="en-US" b="1" baseline="0" dirty="0" smtClean="0"/>
+              <a:t>protected</a:t>
+            </a:r>
+            <a:r>
+              <a:rPr lang="en-US" baseline="0" dirty="0" smtClean="0"/>
+              <a:t> with the same name as the associated test class</a:t>
+            </a:r>
+            <a:endParaRPr lang="en-US" dirty="0" smtClean="0"/>
           </a:p>
         </p:txBody>
       </p:sp>
@@ -3317,7 +1186,7 @@
     </p:spTree>
     <p:extLst>
       <p:ext uri="{BB962C8B-B14F-4D97-AF65-F5344CB8AC3E}">
-        <p14:creationId xmlns:p14="http://schemas.microsoft.com/office/powerpoint/2010/main" val="2206492270"/>
+        <p14:creationId xmlns:p14="http://schemas.microsoft.com/office/powerpoint/2010/main" val="2913497063"/>
       </p:ext>
     </p:extLst>
   </p:cSld>
@@ -3366,34 +1235,41 @@
             <p:ph type="body" idx="1"/>
           </p:nvPr>
         </p:nvSpPr>
-        <p:spPr/>
+        <p:spPr>
+          <a:xfrm>
+            <a:off x="259080" y="4343400"/>
+            <a:ext cx="6324600" cy="4114800"/>
+          </a:xfrm>
+        </p:spPr>
         <p:txBody>
           <a:bodyPr/>
           <a:lstStyle/>
           <a:p>
-            <a:r>
-              <a:rPr lang="en-US" dirty="0" smtClean="0"/>
-              <a:t>Installation via </a:t>
-            </a:r>
-            <a:r>
-              <a:rPr lang="en-US" dirty="0" err="1" smtClean="0"/>
-              <a:t>nuget</a:t>
-            </a:r>
-            <a:r>
-              <a:rPr lang="en-US" dirty="0" smtClean="0"/>
-              <a:t>.</a:t>
-            </a:r>
-          </a:p>
-          <a:p>
-            <a:r>
-              <a:rPr lang="en-US" dirty="0" smtClean="0"/>
-              <a:t>Provides</a:t>
-            </a:r>
-            <a:r>
-              <a:rPr lang="en-US" baseline="0" dirty="0" smtClean="0"/>
-              <a:t> an integration layer between machine fakes and your mocking layer and also abstracts to some degree which framework you use</a:t>
-            </a:r>
-            <a:endParaRPr lang="en-US" dirty="0"/>
+            <a:pPr marL="0" marR="0" lvl="0" indent="0" algn="l" defTabSz="457200" rtl="0" eaLnBrk="1" fontAlgn="auto" latinLnBrk="0" hangingPunct="1">
+              <a:lnSpc>
+                <a:spcPct val="100000"/>
+              </a:lnSpc>
+              <a:spcBef>
+                <a:spcPts val="0"/>
+              </a:spcBef>
+              <a:spcAft>
+                <a:spcPts val="0"/>
+              </a:spcAft>
+              <a:buClrTx/>
+              <a:buSzTx/>
+              <a:buFontTx/>
+              <a:buNone/>
+              <a:tabLst/>
+              <a:defRPr/>
+            </a:pPr>
+            <a:endParaRPr lang="en-GB" sz="800" kern="1200" dirty="0" smtClean="0">
+              <a:solidFill>
+                <a:schemeClr val="tx1"/>
+              </a:solidFill>
+              <a:latin typeface="Consolas" pitchFamily="49" charset="0"/>
+              <a:ea typeface="Adobe Fangsong Std R" pitchFamily="18" charset="-128"/>
+              <a:cs typeface="Consolas" pitchFamily="49" charset="0"/>
+            </a:endParaRPr>
           </a:p>
         </p:txBody>
       </p:sp>
@@ -3423,7 +1299,7 @@
     </p:spTree>
     <p:extLst>
       <p:ext uri="{BB962C8B-B14F-4D97-AF65-F5344CB8AC3E}">
-        <p14:creationId xmlns:p14="http://schemas.microsoft.com/office/powerpoint/2010/main" val="737386690"/>
+        <p14:creationId xmlns:p14="http://schemas.microsoft.com/office/powerpoint/2010/main" val="2206492270"/>
       </p:ext>
     </p:extLst>
   </p:cSld>
@@ -3477,6 +1353,51 @@
           <a:bodyPr/>
           <a:lstStyle/>
           <a:p>
+            <a:r>
+              <a:rPr lang="en-US" b="1" dirty="0" smtClean="0"/>
+              <a:t>Installation</a:t>
+            </a:r>
+            <a:r>
+              <a:rPr lang="en-US" dirty="0" smtClean="0"/>
+              <a:t> via </a:t>
+            </a:r>
+            <a:r>
+              <a:rPr lang="en-US" dirty="0" err="1" smtClean="0"/>
+              <a:t>nuget</a:t>
+            </a:r>
+            <a:r>
+              <a:rPr lang="en-US" dirty="0" smtClean="0"/>
+              <a:t>.</a:t>
+            </a:r>
+          </a:p>
+          <a:p>
+            <a:endParaRPr lang="en-US" dirty="0" smtClean="0"/>
+          </a:p>
+          <a:p>
+            <a:r>
+              <a:rPr lang="en-US" dirty="0" smtClean="0"/>
+              <a:t>Provides</a:t>
+            </a:r>
+            <a:r>
+              <a:rPr lang="en-US" baseline="0" dirty="0" smtClean="0"/>
+              <a:t> an </a:t>
+            </a:r>
+            <a:r>
+              <a:rPr lang="en-US" b="1" baseline="0" dirty="0" smtClean="0"/>
+              <a:t>integration laye</a:t>
+            </a:r>
+            <a:r>
+              <a:rPr lang="en-US" baseline="0" dirty="0" smtClean="0"/>
+              <a:t>r between machine fakes and your mocking layer and also </a:t>
+            </a:r>
+            <a:r>
+              <a:rPr lang="en-US" b="1" baseline="0" dirty="0" smtClean="0"/>
+              <a:t>abstracts</a:t>
+            </a:r>
+            <a:r>
+              <a:rPr lang="en-US" baseline="0" dirty="0" smtClean="0"/>
+              <a:t> to some degree which framework you use</a:t>
+            </a:r>
             <a:endParaRPr lang="en-US" dirty="0"/>
           </a:p>
         </p:txBody>
@@ -3507,7 +1428,7 @@
     </p:spTree>
     <p:extLst>
       <p:ext uri="{BB962C8B-B14F-4D97-AF65-F5344CB8AC3E}">
-        <p14:creationId xmlns:p14="http://schemas.microsoft.com/office/powerpoint/2010/main" val="4188481288"/>
+        <p14:creationId xmlns:p14="http://schemas.microsoft.com/office/powerpoint/2010/main" val="737386690"/>
       </p:ext>
     </p:extLst>
   </p:cSld>
@@ -3561,312 +1482,7 @@
           <a:bodyPr/>
           <a:lstStyle/>
           <a:p>
-            <a:r>
-              <a:rPr lang="en-GB" sz="1200" kern="1200" dirty="0" smtClean="0">
-                <a:solidFill>
-                  <a:schemeClr val="tx1"/>
-                </a:solidFill>
-                <a:latin typeface="+mn-lt"/>
-                <a:ea typeface="+mn-ea"/>
-                <a:cs typeface="+mn-cs"/>
-              </a:rPr>
-              <a:t>public class </a:t>
-            </a:r>
-            <a:r>
-              <a:rPr lang="en-GB" sz="1200" kern="1200" dirty="0" err="1" smtClean="0">
-                <a:solidFill>
-                  <a:schemeClr val="tx1"/>
-                </a:solidFill>
-                <a:latin typeface="+mn-lt"/>
-                <a:ea typeface="+mn-ea"/>
-                <a:cs typeface="+mn-cs"/>
-              </a:rPr>
-              <a:t>When_a_customer_object_is_saved</a:t>
-            </a:r>
-            <a:r>
-              <a:rPr lang="en-GB" sz="1200" kern="1200" dirty="0" smtClean="0">
-                <a:solidFill>
-                  <a:schemeClr val="tx1"/>
-                </a:solidFill>
-                <a:latin typeface="+mn-lt"/>
-                <a:ea typeface="+mn-ea"/>
-                <a:cs typeface="+mn-cs"/>
-              </a:rPr>
-              <a:t> : </a:t>
-            </a:r>
-            <a:r>
-              <a:rPr lang="en-GB" sz="1200" kern="1200" dirty="0" err="1" smtClean="0">
-                <a:solidFill>
-                  <a:schemeClr val="tx1"/>
-                </a:solidFill>
-                <a:latin typeface="+mn-lt"/>
-                <a:ea typeface="+mn-ea"/>
-                <a:cs typeface="+mn-cs"/>
-              </a:rPr>
-              <a:t>WithFakes</a:t>
-            </a:r>
-            <a:endParaRPr lang="en-GB" sz="1200" kern="1200" dirty="0" smtClean="0">
-              <a:solidFill>
-                <a:schemeClr val="tx1"/>
-              </a:solidFill>
-              <a:latin typeface="+mn-lt"/>
-              <a:ea typeface="+mn-ea"/>
-              <a:cs typeface="+mn-cs"/>
-            </a:endParaRPr>
-          </a:p>
-          <a:p>
-            <a:r>
-              <a:rPr lang="en-GB" sz="1200" kern="1200" dirty="0" smtClean="0">
-                <a:solidFill>
-                  <a:schemeClr val="tx1"/>
-                </a:solidFill>
-                <a:latin typeface="+mn-lt"/>
-                <a:ea typeface="+mn-ea"/>
-                <a:cs typeface="+mn-cs"/>
-              </a:rPr>
-              <a:t>    {</a:t>
-            </a:r>
-          </a:p>
-          <a:p>
-            <a:r>
-              <a:rPr lang="en-GB" sz="1200" kern="1200" dirty="0" smtClean="0">
-                <a:solidFill>
-                  <a:schemeClr val="tx1"/>
-                </a:solidFill>
-                <a:latin typeface="+mn-lt"/>
-                <a:ea typeface="+mn-ea"/>
-                <a:cs typeface="+mn-cs"/>
-              </a:rPr>
-              <a:t>        protected static Customer </a:t>
-            </a:r>
-            <a:r>
-              <a:rPr lang="en-GB" sz="1200" kern="1200" dirty="0" err="1" smtClean="0">
-                <a:solidFill>
-                  <a:schemeClr val="tx1"/>
-                </a:solidFill>
-                <a:latin typeface="+mn-lt"/>
-                <a:ea typeface="+mn-ea"/>
-                <a:cs typeface="+mn-cs"/>
-              </a:rPr>
-              <a:t>customer</a:t>
-            </a:r>
-            <a:r>
-              <a:rPr lang="en-GB" sz="1200" kern="1200" dirty="0" smtClean="0">
-                <a:solidFill>
-                  <a:schemeClr val="tx1"/>
-                </a:solidFill>
-                <a:latin typeface="+mn-lt"/>
-                <a:ea typeface="+mn-ea"/>
-                <a:cs typeface="+mn-cs"/>
-              </a:rPr>
-              <a:t>;</a:t>
-            </a:r>
-          </a:p>
-          <a:p>
-            <a:endParaRPr lang="en-GB" sz="1200" kern="1200" dirty="0" smtClean="0">
-              <a:solidFill>
-                <a:schemeClr val="tx1"/>
-              </a:solidFill>
-              <a:latin typeface="+mn-lt"/>
-              <a:ea typeface="+mn-ea"/>
-              <a:cs typeface="+mn-cs"/>
-            </a:endParaRPr>
-          </a:p>
-          <a:p>
-            <a:r>
-              <a:rPr lang="en-GB" sz="1200" kern="1200" dirty="0" smtClean="0">
-                <a:solidFill>
-                  <a:schemeClr val="tx1"/>
-                </a:solidFill>
-                <a:latin typeface="+mn-lt"/>
-                <a:ea typeface="+mn-ea"/>
-                <a:cs typeface="+mn-cs"/>
-              </a:rPr>
-              <a:t>        Establish context = () =&gt;</a:t>
-            </a:r>
-          </a:p>
-          <a:p>
-            <a:r>
-              <a:rPr lang="en-GB" sz="1200" kern="1200" dirty="0" smtClean="0">
-                <a:solidFill>
-                  <a:schemeClr val="tx1"/>
-                </a:solidFill>
-                <a:latin typeface="+mn-lt"/>
-                <a:ea typeface="+mn-ea"/>
-                <a:cs typeface="+mn-cs"/>
-              </a:rPr>
-              <a:t>                customer = new Customer(An&lt;</a:t>
-            </a:r>
-            <a:r>
-              <a:rPr lang="en-GB" sz="1200" kern="1200" dirty="0" err="1" smtClean="0">
-                <a:solidFill>
-                  <a:schemeClr val="tx1"/>
-                </a:solidFill>
-                <a:latin typeface="+mn-lt"/>
-                <a:ea typeface="+mn-ea"/>
-                <a:cs typeface="+mn-cs"/>
-              </a:rPr>
-              <a:t>IRepository</a:t>
-            </a:r>
-            <a:r>
-              <a:rPr lang="en-GB" sz="1200" kern="1200" dirty="0" smtClean="0">
-                <a:solidFill>
-                  <a:schemeClr val="tx1"/>
-                </a:solidFill>
-                <a:latin typeface="+mn-lt"/>
-                <a:ea typeface="+mn-ea"/>
-                <a:cs typeface="+mn-cs"/>
-              </a:rPr>
-              <a:t>&lt;Customer&gt;&gt;());</a:t>
-            </a:r>
-          </a:p>
-          <a:p>
-            <a:endParaRPr lang="en-GB" sz="1200" kern="1200" dirty="0" smtClean="0">
-              <a:solidFill>
-                <a:schemeClr val="tx1"/>
-              </a:solidFill>
-              <a:latin typeface="+mn-lt"/>
-              <a:ea typeface="+mn-ea"/>
-              <a:cs typeface="+mn-cs"/>
-            </a:endParaRPr>
-          </a:p>
-          <a:p>
-            <a:r>
-              <a:rPr lang="en-GB" sz="1200" kern="1200" dirty="0" smtClean="0">
-                <a:solidFill>
-                  <a:schemeClr val="tx1"/>
-                </a:solidFill>
-                <a:latin typeface="+mn-lt"/>
-                <a:ea typeface="+mn-ea"/>
-                <a:cs typeface="+mn-cs"/>
-              </a:rPr>
-              <a:t>        Because of = () =&gt; </a:t>
-            </a:r>
-            <a:r>
-              <a:rPr lang="en-GB" sz="1200" kern="1200" dirty="0" err="1" smtClean="0">
-                <a:solidFill>
-                  <a:schemeClr val="tx1"/>
-                </a:solidFill>
-                <a:latin typeface="+mn-lt"/>
-                <a:ea typeface="+mn-ea"/>
-                <a:cs typeface="+mn-cs"/>
-              </a:rPr>
-              <a:t>customer.Save</a:t>
-            </a:r>
-            <a:r>
-              <a:rPr lang="en-GB" sz="1200" kern="1200" dirty="0" smtClean="0">
-                <a:solidFill>
-                  <a:schemeClr val="tx1"/>
-                </a:solidFill>
-                <a:latin typeface="+mn-lt"/>
-                <a:ea typeface="+mn-ea"/>
-                <a:cs typeface="+mn-cs"/>
-              </a:rPr>
-              <a:t>();</a:t>
-            </a:r>
-          </a:p>
-          <a:p>
-            <a:endParaRPr lang="en-GB" sz="1200" kern="1200" dirty="0" smtClean="0">
-              <a:solidFill>
-                <a:schemeClr val="tx1"/>
-              </a:solidFill>
-              <a:latin typeface="+mn-lt"/>
-              <a:ea typeface="+mn-ea"/>
-              <a:cs typeface="+mn-cs"/>
-            </a:endParaRPr>
-          </a:p>
-          <a:p>
-            <a:r>
-              <a:rPr lang="en-GB" sz="1200" kern="1200" dirty="0" smtClean="0">
-                <a:solidFill>
-                  <a:schemeClr val="tx1"/>
-                </a:solidFill>
-                <a:latin typeface="+mn-lt"/>
-                <a:ea typeface="+mn-ea"/>
-                <a:cs typeface="+mn-cs"/>
-              </a:rPr>
-              <a:t>        It </a:t>
-            </a:r>
-            <a:r>
-              <a:rPr lang="en-GB" sz="1200" kern="1200" dirty="0" err="1" smtClean="0">
-                <a:solidFill>
-                  <a:schemeClr val="tx1"/>
-                </a:solidFill>
-                <a:latin typeface="+mn-lt"/>
-                <a:ea typeface="+mn-ea"/>
-                <a:cs typeface="+mn-cs"/>
-              </a:rPr>
-              <a:t>should_call_the_repository_save_method</a:t>
-            </a:r>
-            <a:r>
-              <a:rPr lang="en-GB" sz="1200" kern="1200" dirty="0" smtClean="0">
-                <a:solidFill>
-                  <a:schemeClr val="tx1"/>
-                </a:solidFill>
-                <a:latin typeface="+mn-lt"/>
-                <a:ea typeface="+mn-ea"/>
-                <a:cs typeface="+mn-cs"/>
-              </a:rPr>
-              <a:t> = () =&gt; </a:t>
-            </a:r>
-            <a:r>
-              <a:rPr lang="en-GB" sz="1200" kern="1200" dirty="0" err="1" smtClean="0">
-                <a:solidFill>
-                  <a:schemeClr val="tx1"/>
-                </a:solidFill>
-                <a:latin typeface="+mn-lt"/>
-                <a:ea typeface="+mn-ea"/>
-                <a:cs typeface="+mn-cs"/>
-              </a:rPr>
-              <a:t>customer.Repository.WasToldTo</a:t>
-            </a:r>
-            <a:r>
-              <a:rPr lang="en-GB" sz="1200" kern="1200" dirty="0" smtClean="0">
-                <a:solidFill>
-                  <a:schemeClr val="tx1"/>
-                </a:solidFill>
-                <a:latin typeface="+mn-lt"/>
-                <a:ea typeface="+mn-ea"/>
-                <a:cs typeface="+mn-cs"/>
-              </a:rPr>
-              <a:t>(x=&gt;</a:t>
-            </a:r>
-            <a:r>
-              <a:rPr lang="en-GB" sz="1200" kern="1200" dirty="0" err="1" smtClean="0">
-                <a:solidFill>
-                  <a:schemeClr val="tx1"/>
-                </a:solidFill>
-                <a:latin typeface="+mn-lt"/>
-                <a:ea typeface="+mn-ea"/>
-                <a:cs typeface="+mn-cs"/>
-              </a:rPr>
-              <a:t>x.Save</a:t>
-            </a:r>
-            <a:r>
-              <a:rPr lang="en-GB" sz="1200" kern="1200" dirty="0" smtClean="0">
-                <a:solidFill>
-                  <a:schemeClr val="tx1"/>
-                </a:solidFill>
-                <a:latin typeface="+mn-lt"/>
-                <a:ea typeface="+mn-ea"/>
-                <a:cs typeface="+mn-cs"/>
-              </a:rPr>
-              <a:t>());</a:t>
-            </a:r>
-          </a:p>
-          <a:p>
-            <a:r>
-              <a:rPr lang="en-GB" sz="1200" kern="1200" dirty="0" smtClean="0">
-                <a:solidFill>
-                  <a:schemeClr val="tx1"/>
-                </a:solidFill>
-                <a:latin typeface="+mn-lt"/>
-                <a:ea typeface="+mn-ea"/>
-                <a:cs typeface="+mn-cs"/>
-              </a:rPr>
-              <a:t>    }</a:t>
-            </a:r>
-            <a:endParaRPr lang="en-GB" dirty="0"/>
+            <a:endParaRPr lang="en-US" dirty="0"/>
           </a:p>
         </p:txBody>
       </p:sp>
@@ -3896,7 +1512,7 @@
     </p:spTree>
     <p:extLst>
       <p:ext uri="{BB962C8B-B14F-4D97-AF65-F5344CB8AC3E}">
-        <p14:creationId xmlns:p14="http://schemas.microsoft.com/office/powerpoint/2010/main" val="225637992"/>
+        <p14:creationId xmlns:p14="http://schemas.microsoft.com/office/powerpoint/2010/main" val="4188481288"/>
       </p:ext>
     </p:extLst>
   </p:cSld>
@@ -3950,17 +1566,6 @@
           <a:bodyPr/>
           <a:lstStyle/>
           <a:p>
-            <a:r>
-              <a:rPr lang="en-GB" sz="1200" kern="1200" dirty="0" smtClean="0">
-                <a:solidFill>
-                  <a:schemeClr val="tx1"/>
-                </a:solidFill>
-                <a:latin typeface="+mn-lt"/>
-                <a:ea typeface="+mn-ea"/>
-                <a:cs typeface="+mn-cs"/>
-              </a:rPr>
-              <a:t> </a:t>
-            </a:r>
             <a:endParaRPr lang="en-GB" dirty="0"/>
           </a:p>
         </p:txBody>
@@ -3991,7 +1596,7 @@
     </p:spTree>
     <p:extLst>
       <p:ext uri="{BB962C8B-B14F-4D97-AF65-F5344CB8AC3E}">
-        <p14:creationId xmlns:p14="http://schemas.microsoft.com/office/powerpoint/2010/main" val="2393231839"/>
+        <p14:creationId xmlns:p14="http://schemas.microsoft.com/office/powerpoint/2010/main" val="225637992"/>
       </p:ext>
     </p:extLst>
   </p:cSld>
@@ -4045,16 +1650,6 @@
           <a:bodyPr/>
           <a:lstStyle/>
           <a:p>
-            <a:endParaRPr lang="en-GB" sz="1200" kern="1200" dirty="0" smtClean="0">
-              <a:solidFill>
-                <a:schemeClr val="tx1"/>
-              </a:solidFill>
-              <a:latin typeface="+mn-lt"/>
-              <a:ea typeface="+mn-ea"/>
-              <a:cs typeface="+mn-cs"/>
-            </a:endParaRPr>
-          </a:p>
-          <a:p>
             <a:r>
               <a:rPr lang="en-GB" sz="1200" kern="1200" dirty="0" smtClean="0">
                 <a:solidFill>
@@ -4064,199 +1659,9 @@
                 <a:ea typeface="+mn-ea"/>
                 <a:cs typeface="+mn-cs"/>
               </a:rPr>
-              <a:t>    </a:t>
-            </a:r>
-            <a:r>
-              <a:rPr lang="en-GB" sz="800" kern="1200" dirty="0" smtClean="0">
-                <a:solidFill>
-                  <a:schemeClr val="tx1"/>
-                </a:solidFill>
-                <a:latin typeface="Consolas" pitchFamily="49" charset="0"/>
-                <a:cs typeface="Consolas" pitchFamily="49" charset="0"/>
-              </a:rPr>
-              <a:t>public class </a:t>
-            </a:r>
-            <a:r>
-              <a:rPr lang="en-GB" sz="800" kern="1200" dirty="0" err="1" smtClean="0">
-                <a:solidFill>
-                  <a:schemeClr val="tx1"/>
-                </a:solidFill>
-                <a:latin typeface="Consolas" pitchFamily="49" charset="0"/>
-                <a:cs typeface="Consolas" pitchFamily="49" charset="0"/>
-              </a:rPr>
-              <a:t>When_persisting_a_customer_record</a:t>
-            </a:r>
-            <a:r>
-              <a:rPr lang="en-GB" sz="800" kern="1200" dirty="0" smtClean="0">
-                <a:solidFill>
-                  <a:schemeClr val="tx1"/>
-                </a:solidFill>
-                <a:latin typeface="Consolas" pitchFamily="49" charset="0"/>
-                <a:cs typeface="Consolas" pitchFamily="49" charset="0"/>
-              </a:rPr>
-              <a:t> : </a:t>
-            </a:r>
-            <a:r>
-              <a:rPr lang="en-GB" sz="800" kern="1200" dirty="0" err="1" smtClean="0">
-                <a:solidFill>
-                  <a:schemeClr val="tx1"/>
-                </a:solidFill>
-                <a:latin typeface="Consolas" pitchFamily="49" charset="0"/>
-                <a:cs typeface="Consolas" pitchFamily="49" charset="0"/>
-              </a:rPr>
-              <a:t>WithSubject</a:t>
-            </a:r>
-            <a:r>
-              <a:rPr lang="en-GB" sz="800" kern="1200" dirty="0" smtClean="0">
-                <a:solidFill>
-                  <a:schemeClr val="tx1"/>
-                </a:solidFill>
-                <a:latin typeface="Consolas" pitchFamily="49" charset="0"/>
-                <a:cs typeface="Consolas" pitchFamily="49" charset="0"/>
-              </a:rPr>
-              <a:t>&lt;Customer&gt;</a:t>
-            </a:r>
-          </a:p>
-          <a:p>
-            <a:r>
-              <a:rPr lang="en-GB" sz="800" kern="1200" dirty="0" smtClean="0">
-                <a:solidFill>
-                  <a:schemeClr val="tx1"/>
-                </a:solidFill>
-                <a:latin typeface="Consolas" pitchFamily="49" charset="0"/>
-                <a:cs typeface="Consolas" pitchFamily="49" charset="0"/>
-              </a:rPr>
-              <a:t>    {</a:t>
-            </a:r>
-          </a:p>
-          <a:p>
-            <a:r>
-              <a:rPr lang="en-GB" sz="800" kern="1200" dirty="0" smtClean="0">
-                <a:solidFill>
-                  <a:schemeClr val="tx1"/>
-                </a:solidFill>
-                <a:latin typeface="Consolas" pitchFamily="49" charset="0"/>
-                <a:cs typeface="Consolas" pitchFamily="49" charset="0"/>
-              </a:rPr>
-              <a:t>        Because of = () =&gt; </a:t>
-            </a:r>
-            <a:r>
-              <a:rPr lang="en-GB" sz="800" kern="1200" dirty="0" err="1" smtClean="0">
-                <a:solidFill>
-                  <a:schemeClr val="tx1"/>
-                </a:solidFill>
-                <a:latin typeface="Consolas" pitchFamily="49" charset="0"/>
-                <a:cs typeface="Consolas" pitchFamily="49" charset="0"/>
-              </a:rPr>
-              <a:t>Subject.Save</a:t>
-            </a:r>
-            <a:r>
-              <a:rPr lang="en-GB" sz="800" kern="1200" dirty="0" smtClean="0">
-                <a:solidFill>
-                  <a:schemeClr val="tx1"/>
-                </a:solidFill>
-                <a:latin typeface="Consolas" pitchFamily="49" charset="0"/>
-                <a:cs typeface="Consolas" pitchFamily="49" charset="0"/>
-              </a:rPr>
-              <a:t>();</a:t>
-            </a:r>
-          </a:p>
-          <a:p>
-            <a:endParaRPr lang="en-GB" sz="800" kern="1200" dirty="0" smtClean="0">
-              <a:solidFill>
-                <a:schemeClr val="tx1"/>
-              </a:solidFill>
-              <a:latin typeface="Consolas" pitchFamily="49" charset="0"/>
-              <a:cs typeface="Consolas" pitchFamily="49" charset="0"/>
-            </a:endParaRPr>
-          </a:p>
-          <a:p>
-            <a:r>
-              <a:rPr lang="en-GB" sz="800" kern="1200" dirty="0" smtClean="0">
-                <a:solidFill>
-                  <a:schemeClr val="tx1"/>
-                </a:solidFill>
-                <a:latin typeface="Consolas" pitchFamily="49" charset="0"/>
-                <a:cs typeface="Consolas" pitchFamily="49" charset="0"/>
-              </a:rPr>
-              <a:t>        It </a:t>
-            </a:r>
-            <a:r>
-              <a:rPr lang="en-GB" sz="800" kern="1200" dirty="0" err="1" smtClean="0">
-                <a:solidFill>
-                  <a:schemeClr val="tx1"/>
-                </a:solidFill>
-                <a:latin typeface="Consolas" pitchFamily="49" charset="0"/>
-                <a:cs typeface="Consolas" pitchFamily="49" charset="0"/>
-              </a:rPr>
-              <a:t>should_call_the_repository_save_method</a:t>
-            </a:r>
-            <a:r>
-              <a:rPr lang="en-GB" sz="800" kern="1200" dirty="0" smtClean="0">
-                <a:solidFill>
-                  <a:schemeClr val="tx1"/>
-                </a:solidFill>
-                <a:latin typeface="Consolas" pitchFamily="49" charset="0"/>
-                <a:cs typeface="Consolas" pitchFamily="49" charset="0"/>
-              </a:rPr>
-              <a:t> = () =&gt; </a:t>
-            </a:r>
-            <a:r>
-              <a:rPr lang="en-GB" sz="800" kern="1200" dirty="0" err="1" smtClean="0">
-                <a:solidFill>
-                  <a:schemeClr val="tx1"/>
-                </a:solidFill>
-                <a:latin typeface="Consolas" pitchFamily="49" charset="0"/>
-                <a:cs typeface="Consolas" pitchFamily="49" charset="0"/>
-              </a:rPr>
-              <a:t>Subject.Repository.WasToldTo</a:t>
-            </a:r>
-            <a:r>
-              <a:rPr lang="en-GB" sz="800" kern="1200" dirty="0" smtClean="0">
-                <a:solidFill>
-                  <a:schemeClr val="tx1"/>
-                </a:solidFill>
-                <a:latin typeface="Consolas" pitchFamily="49" charset="0"/>
-                <a:cs typeface="Consolas" pitchFamily="49" charset="0"/>
-              </a:rPr>
-              <a:t>(x=&gt;</a:t>
-            </a:r>
-            <a:r>
-              <a:rPr lang="en-GB" sz="800" kern="1200" dirty="0" err="1" smtClean="0">
-                <a:solidFill>
-                  <a:schemeClr val="tx1"/>
-                </a:solidFill>
-                <a:latin typeface="Consolas" pitchFamily="49" charset="0"/>
-                <a:cs typeface="Consolas" pitchFamily="49" charset="0"/>
-              </a:rPr>
-              <a:t>x.Save</a:t>
-            </a:r>
-            <a:r>
-              <a:rPr lang="en-GB" sz="800" kern="1200" dirty="0" smtClean="0">
-                <a:solidFill>
-                  <a:schemeClr val="tx1"/>
-                </a:solidFill>
-                <a:latin typeface="Consolas" pitchFamily="49" charset="0"/>
-                <a:cs typeface="Consolas" pitchFamily="49" charset="0"/>
-              </a:rPr>
-              <a:t>());</a:t>
-            </a:r>
-          </a:p>
-          <a:p>
-            <a:r>
-              <a:rPr lang="en-GB" sz="800" kern="1200" dirty="0" smtClean="0">
-                <a:solidFill>
-                  <a:schemeClr val="tx1"/>
-                </a:solidFill>
-                <a:latin typeface="Consolas" pitchFamily="49" charset="0"/>
-                <a:cs typeface="Consolas" pitchFamily="49" charset="0"/>
-              </a:rPr>
-              <a:t>    }</a:t>
-            </a:r>
-            <a:endParaRPr lang="en-GB" sz="800" dirty="0">
-              <a:latin typeface="Consolas" pitchFamily="49" charset="0"/>
-              <a:cs typeface="Consolas" pitchFamily="49" charset="0"/>
-            </a:endParaRPr>
+              <a:t> </a:t>
+            </a:r>
+            <a:endParaRPr lang="en-GB" dirty="0"/>
           </a:p>
         </p:txBody>
       </p:sp>
@@ -4286,7 +1691,7 @@
     </p:spTree>
     <p:extLst>
       <p:ext uri="{BB962C8B-B14F-4D97-AF65-F5344CB8AC3E}">
-        <p14:creationId xmlns:p14="http://schemas.microsoft.com/office/powerpoint/2010/main" val="2684099857"/>
+        <p14:creationId xmlns:p14="http://schemas.microsoft.com/office/powerpoint/2010/main" val="2393231839"/>
       </p:ext>
     </p:extLst>
   </p:cSld>
@@ -4340,7 +1745,10 @@
           <a:bodyPr/>
           <a:lstStyle/>
           <a:p>
-            <a:endParaRPr lang="en-GB"/>
+            <a:endParaRPr lang="en-GB" sz="800" dirty="0">
+              <a:latin typeface="Consolas" pitchFamily="49" charset="0"/>
+              <a:cs typeface="Consolas" pitchFamily="49" charset="0"/>
+            </a:endParaRPr>
           </a:p>
         </p:txBody>
       </p:sp>
@@ -4370,7 +1778,7 @@
     </p:spTree>
     <p:extLst>
       <p:ext uri="{BB962C8B-B14F-4D97-AF65-F5344CB8AC3E}">
-        <p14:creationId xmlns:p14="http://schemas.microsoft.com/office/powerpoint/2010/main" val="540745920"/>
+        <p14:creationId xmlns:p14="http://schemas.microsoft.com/office/powerpoint/2010/main" val="2684099857"/>
       </p:ext>
     </p:extLst>
   </p:cSld>
@@ -4430,7 +1838,11 @@
             </a:r>
             <a:r>
               <a:rPr lang="en-US" baseline="0" dirty="0" smtClean="0"/>
-              <a:t> this is just the way I like to program</a:t>
+              <a:t> this is just the way I like to </a:t>
+            </a:r>
+            <a:r>
+              <a:rPr lang="en-US" baseline="0" dirty="0" smtClean="0"/>
+              <a:t>program if left to play on my own in the develop sand pit</a:t>
             </a:r>
           </a:p>
           <a:p>
@@ -4439,11 +1851,66 @@
           <a:p>
             <a:r>
               <a:rPr lang="en-US" baseline="0" dirty="0" smtClean="0"/>
-              <a:t>	: I like </a:t>
+              <a:t>However more and more clients are </a:t>
+            </a:r>
+            <a:r>
+              <a:rPr lang="en-US" b="1" i="1" baseline="0" dirty="0" smtClean="0"/>
+              <a:t>demanding</a:t>
+            </a:r>
+            <a:r>
+              <a:rPr lang="en-US" b="0" i="0" baseline="0" dirty="0" smtClean="0"/>
+              <a:t> that programmers are fluent in TDD/BBD </a:t>
+            </a:r>
+            <a:r>
+              <a:rPr lang="en-US" b="0" i="0" baseline="0" dirty="0" err="1" smtClean="0"/>
+              <a:t>mspec</a:t>
+            </a:r>
+            <a:r>
+              <a:rPr lang="en-US" b="0" i="0" baseline="0" dirty="0" smtClean="0"/>
+              <a:t>, </a:t>
+            </a:r>
+            <a:r>
+              <a:rPr lang="en-US" b="0" i="0" baseline="0" dirty="0" err="1" smtClean="0"/>
+              <a:t>specflow</a:t>
+            </a:r>
+            <a:r>
+              <a:rPr lang="en-US" b="0" i="0" baseline="0" dirty="0" smtClean="0"/>
+              <a:t> or </a:t>
+            </a:r>
+            <a:r>
+              <a:rPr lang="en-US" b="0" i="0" baseline="0" dirty="0" err="1" smtClean="0"/>
+              <a:t>fitnesse</a:t>
+            </a:r>
+            <a:endParaRPr lang="en-US" b="1" i="1" baseline="0" dirty="0" smtClean="0"/>
+          </a:p>
+          <a:p>
+            <a:endParaRPr lang="en-US" baseline="0" dirty="0" smtClean="0"/>
+          </a:p>
+          <a:p>
+            <a:r>
+              <a:rPr lang="en-US" baseline="0" dirty="0" smtClean="0"/>
+              <a:t>I also love tools, passionate about doing things quickly / optimizing </a:t>
+            </a:r>
+          </a:p>
+          <a:p>
+            <a:endParaRPr lang="en-US" baseline="0" dirty="0" smtClean="0"/>
+          </a:p>
+          <a:p>
+            <a:r>
+              <a:rPr lang="en-US" baseline="0" dirty="0" smtClean="0"/>
+              <a:t>	</a:t>
+            </a:r>
+            <a:r>
+              <a:rPr lang="en-US" baseline="0" dirty="0" smtClean="0"/>
+              <a:t>Out of interest how many people use </a:t>
             </a:r>
             <a:r>
               <a:rPr lang="en-US" baseline="0" dirty="0" err="1" smtClean="0"/>
-              <a:t>resharper</a:t>
+              <a:t>nuget</a:t>
+            </a:r>
+            <a:r>
+              <a:rPr lang="en-US" baseline="0" dirty="0" smtClean="0"/>
+              <a:t>?</a:t>
             </a:r>
             <a:endParaRPr lang="en-US" baseline="0" dirty="0" smtClean="0"/>
           </a:p>
@@ -4459,47 +1926,46 @@
             <a:endParaRPr lang="en-US" baseline="0" dirty="0" smtClean="0"/>
           </a:p>
           <a:p>
+            <a:endParaRPr lang="en-US" baseline="0" dirty="0" smtClean="0"/>
+          </a:p>
+          <a:p>
+            <a:r>
+              <a:rPr lang="en-US" baseline="0" dirty="0" smtClean="0"/>
+              <a:t>		IT’s new in the last say 3 years and has really changed how </a:t>
+            </a:r>
+            <a:r>
+              <a:rPr lang="en-US" baseline="0" dirty="0" err="1" smtClean="0"/>
+              <a:t>accessbile</a:t>
+            </a:r>
+            <a:r>
+              <a:rPr lang="en-US" baseline="0" dirty="0" smtClean="0"/>
+              <a:t> open source projects are to </a:t>
+            </a:r>
+            <a:r>
+              <a:rPr lang="en-US" baseline="0" dirty="0" err="1" smtClean="0"/>
+              <a:t>.net</a:t>
+            </a:r>
+            <a:r>
+              <a:rPr lang="en-US" baseline="0" dirty="0" smtClean="0"/>
+              <a:t> dev.</a:t>
+            </a:r>
+          </a:p>
+          <a:p>
+            <a:r>
+              <a:rPr lang="en-US" baseline="0" dirty="0" smtClean="0"/>
+              <a:t>	</a:t>
+            </a:r>
+          </a:p>
+          <a:p>
             <a:r>
               <a:rPr lang="en-US" baseline="0" dirty="0" smtClean="0"/>
               <a:t>		</a:t>
             </a:r>
             <a:r>
               <a:rPr lang="en-US" baseline="0" dirty="0" err="1" smtClean="0"/>
-              <a:t>mspec</a:t>
-            </a:r>
-            <a:r>
-              <a:rPr lang="en-US" baseline="0" dirty="0" smtClean="0"/>
-              <a:t> &amp; machine fakes</a:t>
-            </a:r>
-          </a:p>
-          <a:p>
-            <a:r>
-              <a:rPr lang="en-US" baseline="0" dirty="0" smtClean="0"/>
-              <a:t>		</a:t>
-            </a:r>
-            <a:r>
-              <a:rPr lang="en-US" baseline="0" dirty="0" err="1" smtClean="0"/>
               <a:t>chocolatey</a:t>
             </a:r>
             <a:endParaRPr lang="en-US" baseline="0" dirty="0" smtClean="0"/>
-          </a:p>
-          <a:p>
-            <a:r>
-              <a:rPr lang="en-US" baseline="0" dirty="0" smtClean="0"/>
-              <a:t>		</a:t>
-            </a:r>
-            <a:r>
-              <a:rPr lang="en-US" baseline="0" dirty="0" err="1" smtClean="0"/>
-              <a:t>launchy</a:t>
-            </a:r>
-            <a:endParaRPr lang="en-US" baseline="0" dirty="0" smtClean="0"/>
-          </a:p>
-          <a:p>
-            <a:r>
-              <a:rPr lang="en-US" baseline="0" dirty="0" smtClean="0"/>
-              <a:t>		console 2</a:t>
-            </a:r>
-            <a:endParaRPr lang="en-US" dirty="0"/>
           </a:p>
         </p:txBody>
       </p:sp>
@@ -4584,314 +2050,29 @@
           <a:lstStyle/>
           <a:p>
             <a:r>
-              <a:rPr lang="en-GB" sz="1000" kern="1200" dirty="0" smtClean="0">
-                <a:solidFill>
-                  <a:schemeClr val="tx1"/>
-                </a:solidFill>
-                <a:latin typeface="+mn-lt"/>
-                <a:ea typeface="+mn-ea"/>
-                <a:cs typeface="+mn-cs"/>
-              </a:rPr>
-              <a:t>public class </a:t>
-            </a:r>
-            <a:r>
-              <a:rPr lang="en-GB" sz="1000" kern="1200" dirty="0" err="1" smtClean="0">
-                <a:solidFill>
-                  <a:schemeClr val="tx1"/>
-                </a:solidFill>
-                <a:latin typeface="+mn-lt"/>
-                <a:ea typeface="+mn-ea"/>
-                <a:cs typeface="+mn-cs"/>
-              </a:rPr>
-              <a:t>RepositoryDown</a:t>
-            </a:r>
-            <a:r>
-              <a:rPr lang="en-GB" sz="1000" kern="1200" dirty="0" smtClean="0">
-                <a:solidFill>
-                  <a:schemeClr val="tx1"/>
-                </a:solidFill>
-                <a:latin typeface="+mn-lt"/>
-                <a:ea typeface="+mn-ea"/>
-                <a:cs typeface="+mn-cs"/>
-              </a:rPr>
-              <a:t>&lt;T&gt;</a:t>
-            </a:r>
-          </a:p>
-          <a:p>
-            <a:r>
-              <a:rPr lang="en-GB" sz="1000" kern="1200" dirty="0" smtClean="0">
-                <a:solidFill>
-                  <a:schemeClr val="tx1"/>
-                </a:solidFill>
-                <a:latin typeface="+mn-lt"/>
-                <a:ea typeface="+mn-ea"/>
-                <a:cs typeface="+mn-cs"/>
-              </a:rPr>
-              <a:t>    {</a:t>
-            </a:r>
-          </a:p>
-          <a:p>
-            <a:r>
-              <a:rPr lang="en-GB" sz="1000" kern="1200" dirty="0" smtClean="0">
-                <a:solidFill>
-                  <a:schemeClr val="tx1"/>
-                </a:solidFill>
-                <a:latin typeface="+mn-lt"/>
-                <a:ea typeface="+mn-ea"/>
-                <a:cs typeface="+mn-cs"/>
-              </a:rPr>
-              <a:t>        </a:t>
-            </a:r>
-            <a:r>
-              <a:rPr lang="en-GB" sz="1000" kern="1200" dirty="0" err="1" smtClean="0">
-                <a:solidFill>
-                  <a:schemeClr val="tx1"/>
-                </a:solidFill>
-                <a:latin typeface="+mn-lt"/>
-                <a:ea typeface="+mn-ea"/>
-                <a:cs typeface="+mn-cs"/>
-              </a:rPr>
+              <a:rPr lang="en-GB" dirty="0" smtClean="0"/>
+              <a:t>A lot of test code an get repetitive</a:t>
+            </a:r>
+          </a:p>
+          <a:p>
+            <a:endParaRPr lang="en-GB" dirty="0" smtClean="0"/>
+          </a:p>
+          <a:p>
+            <a:r>
+              <a:rPr lang="en-GB" dirty="0" smtClean="0"/>
+              <a:t>Re-use through composition is normally</a:t>
+            </a:r>
+            <a:r>
+              <a:rPr lang="en-GB" baseline="0" dirty="0" smtClean="0"/>
+              <a:t> the best way to go, and this is With (classes allow you to do)	</a:t>
+            </a:r>
+            <a:r>
+              <a:rPr lang="en-GB" dirty="0" smtClean="0"/>
+              <a:t> using </a:t>
+            </a:r>
+            <a:r>
+              <a:rPr lang="en-GB" dirty="0" err="1" smtClean="0"/>
               <a:t>OnEstablish</a:t>
-            </a:r>
-            <a:r>
-              <a:rPr lang="en-GB" sz="1000" kern="1200" dirty="0" smtClean="0">
-                <a:solidFill>
-                  <a:schemeClr val="tx1"/>
-                </a:solidFill>
-                <a:latin typeface="+mn-lt"/>
-                <a:ea typeface="+mn-ea"/>
-                <a:cs typeface="+mn-cs"/>
-              </a:rPr>
-              <a:t> context = fake =&gt;</a:t>
-            </a:r>
-          </a:p>
-          <a:p>
-            <a:r>
-              <a:rPr lang="en-GB" sz="1000" kern="1200" dirty="0" smtClean="0">
-                <a:solidFill>
-                  <a:schemeClr val="tx1"/>
-                </a:solidFill>
-                <a:latin typeface="+mn-lt"/>
-                <a:ea typeface="+mn-ea"/>
-                <a:cs typeface="+mn-cs"/>
-              </a:rPr>
-              <a:t>            {</a:t>
-            </a:r>
-          </a:p>
-          <a:p>
-            <a:r>
-              <a:rPr lang="en-GB" sz="1000" kern="1200" dirty="0" smtClean="0">
-                <a:solidFill>
-                  <a:schemeClr val="tx1"/>
-                </a:solidFill>
-                <a:latin typeface="+mn-lt"/>
-                <a:ea typeface="+mn-ea"/>
-                <a:cs typeface="+mn-cs"/>
-              </a:rPr>
-              <a:t>                </a:t>
-            </a:r>
-            <a:r>
-              <a:rPr lang="en-GB" sz="1000" kern="1200" dirty="0" err="1" smtClean="0">
-                <a:solidFill>
-                  <a:schemeClr val="tx1"/>
-                </a:solidFill>
-                <a:latin typeface="+mn-lt"/>
-                <a:ea typeface="+mn-ea"/>
-                <a:cs typeface="+mn-cs"/>
-              </a:rPr>
-              <a:t>fake.The</a:t>
-            </a:r>
-            <a:r>
-              <a:rPr lang="en-GB" sz="1000" kern="1200" dirty="0" smtClean="0">
-                <a:solidFill>
-                  <a:schemeClr val="tx1"/>
-                </a:solidFill>
-                <a:latin typeface="+mn-lt"/>
-                <a:ea typeface="+mn-ea"/>
-                <a:cs typeface="+mn-cs"/>
-              </a:rPr>
-              <a:t>&lt;</a:t>
-            </a:r>
-            <a:r>
-              <a:rPr lang="en-GB" sz="1000" kern="1200" dirty="0" err="1" smtClean="0">
-                <a:solidFill>
-                  <a:schemeClr val="tx1"/>
-                </a:solidFill>
-                <a:latin typeface="+mn-lt"/>
-                <a:ea typeface="+mn-ea"/>
-                <a:cs typeface="+mn-cs"/>
-              </a:rPr>
-              <a:t>IRepository</a:t>
-            </a:r>
-            <a:r>
-              <a:rPr lang="en-GB" sz="1000" kern="1200" dirty="0" smtClean="0">
-                <a:solidFill>
-                  <a:schemeClr val="tx1"/>
-                </a:solidFill>
-                <a:latin typeface="+mn-lt"/>
-                <a:ea typeface="+mn-ea"/>
-                <a:cs typeface="+mn-cs"/>
-              </a:rPr>
-              <a:t>&lt;T&gt;&gt;().</a:t>
-            </a:r>
-            <a:r>
-              <a:rPr lang="en-GB" sz="1000" kern="1200" dirty="0" err="1" smtClean="0">
-                <a:solidFill>
-                  <a:schemeClr val="tx1"/>
-                </a:solidFill>
-                <a:latin typeface="+mn-lt"/>
-                <a:ea typeface="+mn-ea"/>
-                <a:cs typeface="+mn-cs"/>
-              </a:rPr>
-              <a:t>WhenToldTo</a:t>
-            </a:r>
-            <a:r>
-              <a:rPr lang="en-GB" sz="1000" kern="1200" dirty="0" smtClean="0">
-                <a:solidFill>
-                  <a:schemeClr val="tx1"/>
-                </a:solidFill>
-                <a:latin typeface="+mn-lt"/>
-                <a:ea typeface="+mn-ea"/>
-                <a:cs typeface="+mn-cs"/>
-              </a:rPr>
-              <a:t>(x=&gt;</a:t>
-            </a:r>
-            <a:r>
-              <a:rPr lang="en-GB" sz="1000" kern="1200" dirty="0" err="1" smtClean="0">
-                <a:solidFill>
-                  <a:schemeClr val="tx1"/>
-                </a:solidFill>
-                <a:latin typeface="+mn-lt"/>
-                <a:ea typeface="+mn-ea"/>
-                <a:cs typeface="+mn-cs"/>
-              </a:rPr>
-              <a:t>x.Save</a:t>
-            </a:r>
-            <a:r>
-              <a:rPr lang="en-GB" sz="1000" kern="1200" dirty="0" smtClean="0">
-                <a:solidFill>
-                  <a:schemeClr val="tx1"/>
-                </a:solidFill>
-                <a:latin typeface="+mn-lt"/>
-                <a:ea typeface="+mn-ea"/>
-                <a:cs typeface="+mn-cs"/>
-              </a:rPr>
-              <a:t>()).Throw(new Exception());</a:t>
-            </a:r>
-          </a:p>
-          <a:p>
-            <a:r>
-              <a:rPr lang="en-GB" sz="1000" kern="1200" dirty="0" smtClean="0">
-                <a:solidFill>
-                  <a:schemeClr val="tx1"/>
-                </a:solidFill>
-                <a:latin typeface="+mn-lt"/>
-                <a:ea typeface="+mn-ea"/>
-                <a:cs typeface="+mn-cs"/>
-              </a:rPr>
-              <a:t>            };</a:t>
-            </a:r>
-          </a:p>
-          <a:p>
-            <a:endParaRPr lang="en-GB" sz="1000" kern="1200" dirty="0" smtClean="0">
-              <a:solidFill>
-                <a:schemeClr val="tx1"/>
-              </a:solidFill>
-              <a:latin typeface="+mn-lt"/>
-              <a:ea typeface="+mn-ea"/>
-              <a:cs typeface="+mn-cs"/>
-            </a:endParaRPr>
-          </a:p>
-          <a:p>
-            <a:r>
-              <a:rPr lang="en-GB" sz="1000" kern="1200" dirty="0" smtClean="0">
-                <a:solidFill>
-                  <a:schemeClr val="tx1"/>
-                </a:solidFill>
-                <a:latin typeface="+mn-lt"/>
-                <a:ea typeface="+mn-ea"/>
-                <a:cs typeface="+mn-cs"/>
-              </a:rPr>
-              <a:t>        </a:t>
-            </a:r>
-            <a:r>
-              <a:rPr lang="en-GB" sz="1000" kern="1200" dirty="0" err="1" smtClean="0">
-                <a:solidFill>
-                  <a:schemeClr val="tx1"/>
-                </a:solidFill>
-                <a:latin typeface="+mn-lt"/>
-                <a:ea typeface="+mn-ea"/>
-                <a:cs typeface="+mn-cs"/>
-              </a:rPr>
-              <a:t>OnCleanup</a:t>
-            </a:r>
-            <a:r>
-              <a:rPr lang="en-GB" sz="1000" kern="1200" dirty="0" smtClean="0">
-                <a:solidFill>
-                  <a:schemeClr val="tx1"/>
-                </a:solidFill>
-                <a:latin typeface="+mn-lt"/>
-                <a:ea typeface="+mn-ea"/>
-                <a:cs typeface="+mn-cs"/>
-              </a:rPr>
-              <a:t> </a:t>
-            </a:r>
-            <a:r>
-              <a:rPr lang="en-GB" sz="1000" kern="1200" dirty="0" err="1" smtClean="0">
-                <a:solidFill>
-                  <a:schemeClr val="tx1"/>
-                </a:solidFill>
-                <a:latin typeface="+mn-lt"/>
-                <a:ea typeface="+mn-ea"/>
-                <a:cs typeface="+mn-cs"/>
-              </a:rPr>
-              <a:t>test_data</a:t>
-            </a:r>
-            <a:r>
-              <a:rPr lang="en-GB" sz="1000" kern="1200" dirty="0" smtClean="0">
-                <a:solidFill>
-                  <a:schemeClr val="tx1"/>
-                </a:solidFill>
-                <a:latin typeface="+mn-lt"/>
-                <a:ea typeface="+mn-ea"/>
-                <a:cs typeface="+mn-cs"/>
-              </a:rPr>
-              <a:t> = test =&gt; { </a:t>
-            </a:r>
-            <a:r>
-              <a:rPr lang="en-GB" sz="1000" kern="1200" dirty="0" err="1" smtClean="0">
-                <a:solidFill>
-                  <a:schemeClr val="tx1"/>
-                </a:solidFill>
-                <a:latin typeface="+mn-lt"/>
-                <a:ea typeface="+mn-ea"/>
-                <a:cs typeface="+mn-cs"/>
-              </a:rPr>
-              <a:t>Debug.WriteLine</a:t>
-            </a:r>
-            <a:r>
-              <a:rPr lang="en-GB" sz="1000" kern="1200" dirty="0" smtClean="0">
-                <a:solidFill>
-                  <a:schemeClr val="tx1"/>
-                </a:solidFill>
-                <a:latin typeface="+mn-lt"/>
-                <a:ea typeface="+mn-ea"/>
-                <a:cs typeface="+mn-cs"/>
-              </a:rPr>
-              <a:t>(test); };</a:t>
-            </a:r>
-          </a:p>
-          <a:p>
-            <a:r>
-              <a:rPr lang="en-GB" sz="1000" kern="1200" dirty="0" smtClean="0">
-                <a:solidFill>
-                  <a:schemeClr val="tx1"/>
-                </a:solidFill>
-                <a:latin typeface="+mn-lt"/>
-                <a:ea typeface="+mn-ea"/>
-                <a:cs typeface="+mn-cs"/>
-              </a:rPr>
-              <a:t>    }</a:t>
             </a:r>
             <a:endParaRPr lang="en-GB" dirty="0"/>
           </a:p>
@@ -4923,7 +2104,7 @@
     </p:spTree>
     <p:extLst>
       <p:ext uri="{BB962C8B-B14F-4D97-AF65-F5344CB8AC3E}">
-        <p14:creationId xmlns:p14="http://schemas.microsoft.com/office/powerpoint/2010/main" val="2204486834"/>
+        <p14:creationId xmlns:p14="http://schemas.microsoft.com/office/powerpoint/2010/main" val="540745920"/>
       </p:ext>
     </p:extLst>
   </p:cSld>
@@ -5007,7 +2188,7 @@
     </p:spTree>
     <p:extLst>
       <p:ext uri="{BB962C8B-B14F-4D97-AF65-F5344CB8AC3E}">
-        <p14:creationId xmlns:p14="http://schemas.microsoft.com/office/powerpoint/2010/main" val="2997027658"/>
+        <p14:creationId xmlns:p14="http://schemas.microsoft.com/office/powerpoint/2010/main" val="2204486834"/>
       </p:ext>
     </p:extLst>
   </p:cSld>
@@ -5061,6 +2242,90 @@
           <a:bodyPr/>
           <a:lstStyle/>
           <a:p>
+            <a:endParaRPr lang="en-GB" dirty="0"/>
+          </a:p>
+        </p:txBody>
+      </p:sp>
+      <p:sp>
+        <p:nvSpPr>
+          <p:cNvPr id="4" name="Slide Number Placeholder 3"/>
+          <p:cNvSpPr>
+            <a:spLocks noGrp="1"/>
+          </p:cNvSpPr>
+          <p:nvPr>
+            <p:ph type="sldNum" sz="quarter" idx="10"/>
+          </p:nvPr>
+        </p:nvSpPr>
+        <p:spPr/>
+        <p:txBody>
+          <a:bodyPr/>
+          <a:lstStyle/>
+          <a:p>
+            <a:fld id="{CF942321-2900-D847-966E-5426AD418A35}" type="slidenum">
+              <a:rPr lang="en-US" smtClean="0"/>
+              <a:t>22</a:t>
+            </a:fld>
+            <a:endParaRPr lang="en-US"/>
+          </a:p>
+        </p:txBody>
+      </p:sp>
+    </p:spTree>
+    <p:extLst>
+      <p:ext uri="{BB962C8B-B14F-4D97-AF65-F5344CB8AC3E}">
+        <p14:creationId xmlns:p14="http://schemas.microsoft.com/office/powerpoint/2010/main" val="2997027658"/>
+      </p:ext>
+    </p:extLst>
+  </p:cSld>
+  <p:clrMapOvr>
+    <a:masterClrMapping/>
+  </p:clrMapOvr>
+</p:notes>
+</file>
+
+<file path=ppt/notesSlides/notesSlide23.xml><?xml version="1.0" encoding="utf-8"?>
+<p:notes xmlns:a="http://schemas.openxmlformats.org/drawingml/2006/main" xmlns:r="http://schemas.openxmlformats.org/officeDocument/2006/relationships" xmlns:p="http://schemas.openxmlformats.org/presentationml/2006/main">
+  <p:cSld>
+    <p:spTree>
+      <p:nvGrpSpPr>
+        <p:cNvPr id="1" name=""/>
+        <p:cNvGrpSpPr/>
+        <p:nvPr/>
+      </p:nvGrpSpPr>
+      <p:grpSpPr>
+        <a:xfrm>
+          <a:off x="0" y="0"/>
+          <a:ext cx="0" cy="0"/>
+          <a:chOff x="0" y="0"/>
+          <a:chExt cx="0" cy="0"/>
+        </a:xfrm>
+      </p:grpSpPr>
+      <p:sp>
+        <p:nvSpPr>
+          <p:cNvPr id="2" name="Slide Image Placeholder 1"/>
+          <p:cNvSpPr>
+            <a:spLocks noGrp="1" noRot="1" noChangeAspect="1"/>
+          </p:cNvSpPr>
+          <p:nvPr>
+            <p:ph type="sldImg"/>
+          </p:nvPr>
+        </p:nvSpPr>
+        <p:spPr/>
+      </p:sp>
+      <p:sp>
+        <p:nvSpPr>
+          <p:cNvPr id="3" name="Notes Placeholder 2"/>
+          <p:cNvSpPr>
+            <a:spLocks noGrp="1"/>
+          </p:cNvSpPr>
+          <p:nvPr>
+            <p:ph type="body" idx="1"/>
+          </p:nvPr>
+        </p:nvSpPr>
+        <p:spPr/>
+        <p:txBody>
+          <a:bodyPr/>
+          <a:lstStyle/>
+          <a:p>
             <a:pPr marL="0" marR="0" indent="0" algn="l" defTabSz="457200" rtl="0" eaLnBrk="1" fontAlgn="auto" latinLnBrk="0" hangingPunct="1">
               <a:lnSpc>
                 <a:spcPct val="100000"/>
@@ -5255,7 +2520,7 @@
           <a:p>
             <a:fld id="{CF942321-2900-D847-966E-5426AD418A35}" type="slidenum">
               <a:rPr lang="en-US" smtClean="0"/>
-              <a:t>22</a:t>
+              <a:t>23</a:t>
             </a:fld>
             <a:endParaRPr lang="en-US"/>
           </a:p>
@@ -5798,31 +3063,55 @@
           </a:p>
           <a:p>
             <a:r>
-              <a:rPr lang="en-US" dirty="0" smtClean="0"/>
+              <a:rPr lang="en-US" b="1" dirty="0" smtClean="0"/>
               <a:t>Test names should be sentences</a:t>
             </a:r>
           </a:p>
           <a:p>
             <a:r>
               <a:rPr lang="en-US" dirty="0" smtClean="0"/>
-              <a:t>	Self documenting, most developers write the test name in business language, and should in</a:t>
+              <a:t>	</a:t>
+            </a:r>
+            <a:r>
+              <a:rPr lang="en-US" b="1" dirty="0" smtClean="0"/>
+              <a:t>Self documenting</a:t>
+            </a:r>
+            <a:r>
+              <a:rPr lang="en-US" dirty="0" smtClean="0"/>
+              <a:t>, </a:t>
+            </a:r>
+            <a:r>
+              <a:rPr lang="en-US" dirty="0" smtClean="0"/>
+              <a:t>most developers write the test name in </a:t>
+            </a:r>
+            <a:r>
+              <a:rPr lang="en-US" b="1" dirty="0" smtClean="0"/>
+              <a:t>business language</a:t>
+            </a:r>
+            <a:r>
+              <a:rPr lang="en-US" dirty="0" smtClean="0"/>
+              <a:t>, and should in</a:t>
             </a:r>
             <a:r>
               <a:rPr lang="en-US" baseline="0" dirty="0" smtClean="0"/>
-              <a:t> terms of desired </a:t>
-            </a:r>
-            <a:r>
-              <a:rPr lang="en-US" baseline="0" dirty="0" err="1" smtClean="0"/>
-              <a:t>behaviour</a:t>
-            </a:r>
+              <a:t> terms of </a:t>
+            </a:r>
+            <a:r>
+              <a:rPr lang="en-US" b="1" baseline="0" dirty="0" smtClean="0"/>
+              <a:t>desired </a:t>
+            </a:r>
+            <a:r>
+              <a:rPr lang="en-US" b="1" baseline="0" dirty="0" smtClean="0"/>
+              <a:t>behavior</a:t>
+            </a:r>
+            <a:endParaRPr lang="en-US" b="1" dirty="0" smtClean="0"/>
+          </a:p>
+          <a:p>
             <a:endParaRPr lang="en-US" dirty="0" smtClean="0"/>
           </a:p>
           <a:p>
-            <a:endParaRPr lang="en-US" dirty="0" smtClean="0"/>
-          </a:p>
-          <a:p>
-            <a:r>
-              <a:rPr lang="en-US" dirty="0" smtClean="0"/>
+            <a:r>
+              <a:rPr lang="en-US" b="1" dirty="0" smtClean="0"/>
               <a:t>Focused</a:t>
             </a:r>
           </a:p>
@@ -5833,7 +3122,26 @@
             </a:r>
             <a:r>
               <a:rPr lang="en-US" baseline="0" dirty="0" smtClean="0"/>
-              <a:t> do we mean here, well form assertions beginning with should_..... If you find your tests are getting complicated and don’t fit a simple arrange, act , assert it might be an indication your class is trying to do 	too much and might need some form of composition.</a:t>
+              <a:t> do we mean here, well </a:t>
+            </a:r>
+            <a:r>
+              <a:rPr lang="en-US" baseline="0" dirty="0" smtClean="0"/>
+              <a:t>formed </a:t>
+            </a:r>
+            <a:r>
+              <a:rPr lang="en-US" baseline="0" dirty="0" smtClean="0"/>
+              <a:t>assertions beginning with should_..... </a:t>
+            </a:r>
+            <a:endParaRPr lang="en-US" baseline="0" dirty="0" smtClean="0"/>
+          </a:p>
+          <a:p>
+            <a:r>
+              <a:rPr lang="en-US" baseline="0" dirty="0" smtClean="0"/>
+              <a:t>	If </a:t>
+            </a:r>
+            <a:r>
+              <a:rPr lang="en-US" baseline="0" dirty="0" smtClean="0"/>
+              <a:t>you find your tests are getting complicated and don’t fit a simple arrange, act , assert it might be an indication your class is trying to do 	too much and might need some form of composition.</a:t>
             </a:r>
           </a:p>
           <a:p>
@@ -5954,7 +3262,15 @@
           <a:p>
             <a:r>
               <a:rPr lang="en-GB" dirty="0" smtClean="0"/>
-              <a:t>This is an example template and is based on user story specifications, importantly</a:t>
+              <a:t>This is an example template and is </a:t>
+            </a:r>
+            <a:r>
+              <a:rPr lang="en-GB" b="1" dirty="0" smtClean="0"/>
+              <a:t>based on user story specifications</a:t>
+            </a:r>
+            <a:r>
+              <a:rPr lang="en-GB" dirty="0" smtClean="0"/>
+              <a:t>, importantly</a:t>
             </a:r>
             <a:r>
               <a:rPr lang="en-GB" baseline="0" dirty="0" smtClean="0"/>
@@ -6055,6 +3371,17 @@
               </a:rPr>
               <a:t> </a:t>
             </a:r>
+            <a:r>
+              <a:rPr lang="en-GB" sz="1200" kern="1200" dirty="0" smtClean="0">
+                <a:solidFill>
+                  <a:schemeClr val="tx1"/>
+                </a:solidFill>
+                <a:latin typeface="+mn-lt"/>
+                <a:ea typeface="+mn-ea"/>
+                <a:cs typeface="+mn-cs"/>
+              </a:rPr>
+              <a:t>Writing feature files can be done by anyone! Normally best done by QA or SDET roles</a:t>
+            </a:r>
             <a:endParaRPr lang="en-GB" dirty="0"/>
           </a:p>
         </p:txBody>
@@ -6278,12 +3605,12 @@
               <a:t> supports </a:t>
             </a:r>
             <a:r>
-              <a:rPr lang="en-GB" baseline="0" dirty="0" err="1" smtClean="0"/>
-              <a:t>behavior</a:t>
-            </a:r>
-            <a:r>
               <a:rPr lang="en-GB" baseline="0" dirty="0" smtClean="0"/>
-              <a:t> driven design</a:t>
+              <a:t>behaviour </a:t>
+            </a:r>
+            <a:r>
+              <a:rPr lang="en-GB" baseline="0" dirty="0" smtClean="0"/>
+              <a:t>driven design</a:t>
             </a:r>
           </a:p>
           <a:p>
@@ -12889,14 +10216,10 @@
               <a:rPr lang="en-GB" b="1" dirty="0" smtClean="0"/>
               <a:t> </a:t>
             </a:r>
-            <a:r>
-              <a:rPr lang="en-GB" b="1" dirty="0"/>
-              <a:t/>
-            </a:r>
-            <a:br>
-              <a:rPr lang="en-GB" b="1" dirty="0"/>
-            </a:br>
-            <a:endParaRPr lang="en-GB" b="1" dirty="0"/>
+            <a:endParaRPr lang="en-GB" sz="2400" dirty="0">
+              <a:latin typeface="Helvetica Neue Light"/>
+              <a:cs typeface="Helvetica Neue Light"/>
+            </a:endParaRPr>
           </a:p>
         </p:txBody>
       </p:sp>
@@ -12927,6 +10250,42 @@
               <a:t>Edward Wilde</a:t>
             </a:r>
             <a:endParaRPr lang="en-GB" dirty="0"/>
+          </a:p>
+        </p:txBody>
+      </p:sp>
+      <p:sp>
+        <p:nvSpPr>
+          <p:cNvPr id="4" name="TextBox 3"/>
+          <p:cNvSpPr txBox="1"/>
+          <p:nvPr/>
+        </p:nvSpPr>
+        <p:spPr>
+          <a:xfrm>
+            <a:off x="3603625" y="3016250"/>
+            <a:ext cx="4841874" cy="461665"/>
+          </a:xfrm>
+          <a:prstGeom prst="rect">
+            <a:avLst/>
+          </a:prstGeom>
+          <a:noFill/>
+        </p:spPr>
+        <p:txBody>
+          <a:bodyPr wrap="square" rtlCol="0">
+            <a:spAutoFit/>
+          </a:bodyPr>
+          <a:lstStyle/>
+          <a:p>
+            <a:r>
+              <a:rPr lang="en-US" sz="2400" dirty="0" smtClean="0">
+                <a:latin typeface="Helvetica Neue Light"/>
+                <a:cs typeface="Helvetica Neue Light"/>
+              </a:rPr>
+              <a:t>AND OTHER STUFF</a:t>
+            </a:r>
+            <a:endParaRPr lang="en-US" sz="2400" dirty="0">
+              <a:latin typeface="Helvetica Neue Light"/>
+              <a:cs typeface="Helvetica Neue Light"/>
+            </a:endParaRPr>
           </a:p>
         </p:txBody>
       </p:sp>
@@ -13062,6 +10421,51 @@
                       </p:childTnLst>
                     </p:cTn>
                   </p:par>
+                  <p:par>
+                    <p:cTn id="12" fill="hold">
+                      <p:stCondLst>
+                        <p:cond delay="indefinite"/>
+                      </p:stCondLst>
+                      <p:childTnLst>
+                        <p:par>
+                          <p:cTn id="13" fill="hold">
+                            <p:stCondLst>
+                              <p:cond delay="0"/>
+                            </p:stCondLst>
+                            <p:childTnLst>
+                              <p:par>
+                                <p:cTn id="14" presetID="1" presetClass="entr" presetSubtype="0" fill="hold" grpId="0" nodeType="clickEffect">
+                                  <p:stCondLst>
+                                    <p:cond delay="0"/>
+                                  </p:stCondLst>
+                                  <p:childTnLst>
+                                    <p:set>
+                                      <p:cBhvr>
+                                        <p:cTn id="15" dur="1" fill="hold">
+                                          <p:stCondLst>
+                                            <p:cond delay="0"/>
+                                          </p:stCondLst>
+                                        </p:cTn>
+                                        <p:tgtEl>
+                                          <p:spTgt spid="4"/>
+                                        </p:tgtEl>
+                                        <p:attrNameLst>
+                                          <p:attrName>style.visibility</p:attrName>
+                                        </p:attrNameLst>
+                                      </p:cBhvr>
+                                      <p:to>
+                                        <p:strVal val="visible"/>
+                                      </p:to>
+                                    </p:set>
+                                  </p:childTnLst>
+                                </p:cTn>
+                              </p:par>
+                            </p:childTnLst>
+                          </p:cTn>
+                        </p:par>
+                      </p:childTnLst>
+                    </p:cTn>
+                  </p:par>
                 </p:childTnLst>
               </p:cTn>
               <p:prevCondLst>
@@ -13086,162 +10490,13 @@
     <p:bldLst>
       <p:bldP spid="2" grpId="0"/>
       <p:bldP spid="3" grpId="0" build="p"/>
+      <p:bldP spid="4" grpId="0"/>
     </p:bldLst>
   </p:timing>
 </p:sld>
 </file>
 
 <file path=ppt/slides/slide10.xml><?xml version="1.0" encoding="utf-8"?>
-<p:sld xmlns:a="http://schemas.openxmlformats.org/drawingml/2006/main" xmlns:r="http://schemas.openxmlformats.org/officeDocument/2006/relationships" xmlns:p="http://schemas.openxmlformats.org/presentationml/2006/main">
-  <p:cSld>
-    <p:spTree>
-      <p:nvGrpSpPr>
-        <p:cNvPr id="1" name=""/>
-        <p:cNvGrpSpPr/>
-        <p:nvPr/>
-      </p:nvGrpSpPr>
-      <p:grpSpPr>
-        <a:xfrm>
-          <a:off x="0" y="0"/>
-          <a:ext cx="0" cy="0"/>
-          <a:chOff x="0" y="0"/>
-          <a:chExt cx="0" cy="0"/>
-        </a:xfrm>
-      </p:grpSpPr>
-      <p:sp>
-        <p:nvSpPr>
-          <p:cNvPr id="2" name="Title 1"/>
-          <p:cNvSpPr>
-            <a:spLocks noGrp="1"/>
-          </p:cNvSpPr>
-          <p:nvPr>
-            <p:ph type="title"/>
-          </p:nvPr>
-        </p:nvSpPr>
-        <p:spPr/>
-        <p:txBody>
-          <a:bodyPr/>
-          <a:lstStyle/>
-          <a:p>
-            <a:r>
-              <a:rPr lang="en-US" dirty="0" smtClean="0"/>
-              <a:t>INSTALLATION</a:t>
-            </a:r>
-            <a:endParaRPr lang="en-US" dirty="0"/>
-          </a:p>
-        </p:txBody>
-      </p:sp>
-      <p:sp>
-        <p:nvSpPr>
-          <p:cNvPr id="3" name="Content Placeholder 2"/>
-          <p:cNvSpPr>
-            <a:spLocks noGrp="1"/>
-          </p:cNvSpPr>
-          <p:nvPr>
-            <p:ph idx="1"/>
-          </p:nvPr>
-        </p:nvSpPr>
-        <p:spPr/>
-        <p:txBody>
-          <a:bodyPr/>
-          <a:lstStyle/>
-          <a:p>
-            <a:r>
-              <a:rPr lang="en-US" dirty="0" smtClean="0"/>
-              <a:t>Using </a:t>
-            </a:r>
-            <a:r>
-              <a:rPr lang="en-US" dirty="0" err="1" smtClean="0"/>
-              <a:t>chocolatey</a:t>
-            </a:r>
-            <a:r>
-              <a:rPr lang="en-US" dirty="0" smtClean="0"/>
-              <a:t>:</a:t>
-            </a:r>
-          </a:p>
-          <a:p>
-            <a:r>
-              <a:rPr lang="en-US" dirty="0"/>
-              <a:t>	</a:t>
-            </a:r>
-            <a:r>
-              <a:rPr lang="en-US" dirty="0" err="1" smtClean="0"/>
-              <a:t>cinst</a:t>
-            </a:r>
-            <a:r>
-              <a:rPr lang="en-US" dirty="0" smtClean="0"/>
-              <a:t> </a:t>
-            </a:r>
-            <a:r>
-              <a:rPr lang="en-US" dirty="0" err="1" smtClean="0"/>
-              <a:t>machine.specifications</a:t>
-            </a:r>
-            <a:endParaRPr lang="en-US" dirty="0"/>
-          </a:p>
-          <a:p>
-            <a:r>
-              <a:rPr lang="en-US" dirty="0" smtClean="0"/>
-              <a:t>	</a:t>
-            </a:r>
-            <a:r>
-              <a:rPr lang="en-US" dirty="0"/>
-              <a:t>run InstallResharperRunner.</a:t>
-            </a:r>
-            <a:r>
-              <a:rPr lang="en-US" dirty="0" smtClean="0"/>
-              <a:t>7.1</a:t>
-            </a:r>
-          </a:p>
-          <a:p>
-            <a:endParaRPr lang="en-US" dirty="0"/>
-          </a:p>
-          <a:p>
-            <a:r>
-              <a:rPr lang="en-US" dirty="0" err="1" smtClean="0"/>
-              <a:t>Resharper</a:t>
-            </a:r>
-            <a:r>
-              <a:rPr lang="en-US" dirty="0" smtClean="0"/>
-              <a:t> live templates</a:t>
-            </a:r>
-          </a:p>
-          <a:p>
-            <a:endParaRPr lang="en-US" dirty="0"/>
-          </a:p>
-          <a:p>
-            <a:r>
-              <a:rPr lang="en-US" dirty="0" err="1" smtClean="0"/>
-              <a:t>Resharper</a:t>
-            </a:r>
-            <a:r>
-              <a:rPr lang="en-US" dirty="0" smtClean="0"/>
-              <a:t> settings – see resources</a:t>
-            </a:r>
-            <a:endParaRPr lang="en-US" dirty="0"/>
-          </a:p>
-        </p:txBody>
-      </p:sp>
-    </p:spTree>
-    <p:extLst>
-      <p:ext uri="{BB962C8B-B14F-4D97-AF65-F5344CB8AC3E}">
-        <p14:creationId xmlns:p14="http://schemas.microsoft.com/office/powerpoint/2010/main" val="2627381649"/>
-      </p:ext>
-    </p:extLst>
-  </p:cSld>
-  <p:clrMapOvr>
-    <a:masterClrMapping/>
-  </p:clrMapOvr>
-  <p:timing>
-    <p:tnLst>
-      <p:par>
-        <p:cTn xmlns:p14="http://schemas.microsoft.com/office/powerpoint/2010/main" id="1" dur="indefinite" restart="never" nodeType="tmRoot"/>
-      </p:par>
-    </p:tnLst>
-  </p:timing>
-</p:sld>
-</file>
-
-<file path=ppt/slides/slide11.xml><?xml version="1.0" encoding="utf-8"?>
 <p:sld xmlns:a="http://schemas.openxmlformats.org/drawingml/2006/main" xmlns:r="http://schemas.openxmlformats.org/officeDocument/2006/relationships" xmlns:p="http://schemas.openxmlformats.org/presentationml/2006/main">
   <p:cSld>
     <p:spTree>
@@ -14295,6 +11550,156 @@
 </p:sld>
 </file>
 
+<file path=ppt/slides/slide11.xml><?xml version="1.0" encoding="utf-8"?>
+<p:sld xmlns:a="http://schemas.openxmlformats.org/drawingml/2006/main" xmlns:r="http://schemas.openxmlformats.org/officeDocument/2006/relationships" xmlns:p="http://schemas.openxmlformats.org/presentationml/2006/main">
+  <p:cSld>
+    <p:spTree>
+      <p:nvGrpSpPr>
+        <p:cNvPr id="1" name=""/>
+        <p:cNvGrpSpPr/>
+        <p:nvPr/>
+      </p:nvGrpSpPr>
+      <p:grpSpPr>
+        <a:xfrm>
+          <a:off x="0" y="0"/>
+          <a:ext cx="0" cy="0"/>
+          <a:chOff x="0" y="0"/>
+          <a:chExt cx="0" cy="0"/>
+        </a:xfrm>
+      </p:grpSpPr>
+      <p:sp>
+        <p:nvSpPr>
+          <p:cNvPr id="2" name="Title 1"/>
+          <p:cNvSpPr>
+            <a:spLocks noGrp="1"/>
+          </p:cNvSpPr>
+          <p:nvPr>
+            <p:ph type="title"/>
+          </p:nvPr>
+        </p:nvSpPr>
+        <p:spPr/>
+        <p:txBody>
+          <a:bodyPr/>
+          <a:lstStyle/>
+          <a:p>
+            <a:r>
+              <a:rPr lang="en-US" dirty="0" smtClean="0"/>
+              <a:t>INSTALLATION</a:t>
+            </a:r>
+            <a:endParaRPr lang="en-US" dirty="0"/>
+          </a:p>
+        </p:txBody>
+      </p:sp>
+      <p:sp>
+        <p:nvSpPr>
+          <p:cNvPr id="3" name="Content Placeholder 2"/>
+          <p:cNvSpPr>
+            <a:spLocks noGrp="1"/>
+          </p:cNvSpPr>
+          <p:nvPr>
+            <p:ph idx="1"/>
+          </p:nvPr>
+        </p:nvSpPr>
+        <p:spPr/>
+        <p:txBody>
+          <a:bodyPr/>
+          <a:lstStyle/>
+          <a:p>
+            <a:r>
+              <a:rPr lang="en-US" dirty="0" smtClean="0"/>
+              <a:t>Using </a:t>
+            </a:r>
+            <a:r>
+              <a:rPr lang="en-US" dirty="0" err="1" smtClean="0"/>
+              <a:t>chocolatey</a:t>
+            </a:r>
+            <a:r>
+              <a:rPr lang="en-US" dirty="0" smtClean="0"/>
+              <a:t>:</a:t>
+            </a:r>
+          </a:p>
+          <a:p>
+            <a:r>
+              <a:rPr lang="en-US" dirty="0"/>
+              <a:t>	</a:t>
+            </a:r>
+            <a:r>
+              <a:rPr lang="en-US" dirty="0" err="1" smtClean="0"/>
+              <a:t>cinst</a:t>
+            </a:r>
+            <a:r>
+              <a:rPr lang="en-US" dirty="0" smtClean="0"/>
+              <a:t> </a:t>
+            </a:r>
+            <a:r>
+              <a:rPr lang="en-US" dirty="0" err="1" smtClean="0"/>
+              <a:t>machine.specifications</a:t>
+            </a:r>
+            <a:endParaRPr lang="en-US" dirty="0"/>
+          </a:p>
+          <a:p>
+            <a:r>
+              <a:rPr lang="en-US" dirty="0" smtClean="0"/>
+              <a:t>	</a:t>
+            </a:r>
+            <a:r>
+              <a:rPr lang="en-US" dirty="0"/>
+              <a:t>run InstallResharperRunner.</a:t>
+            </a:r>
+            <a:r>
+              <a:rPr lang="en-US" dirty="0" smtClean="0"/>
+              <a:t>7.1</a:t>
+            </a:r>
+          </a:p>
+          <a:p>
+            <a:endParaRPr lang="en-US" dirty="0"/>
+          </a:p>
+          <a:p>
+            <a:r>
+              <a:rPr lang="en-US" dirty="0" err="1" smtClean="0"/>
+              <a:t>Resharper</a:t>
+            </a:r>
+            <a:r>
+              <a:rPr lang="en-US" dirty="0" smtClean="0"/>
+              <a:t> live templates</a:t>
+            </a:r>
+          </a:p>
+          <a:p>
+            <a:endParaRPr lang="en-US" dirty="0"/>
+          </a:p>
+          <a:p>
+            <a:r>
+              <a:rPr lang="en-US" dirty="0" err="1" smtClean="0"/>
+              <a:t>Resharper</a:t>
+            </a:r>
+            <a:r>
+              <a:rPr lang="en-US" dirty="0" smtClean="0"/>
+              <a:t> settings – see resources</a:t>
+            </a:r>
+            <a:endParaRPr lang="en-US" dirty="0"/>
+          </a:p>
+        </p:txBody>
+      </p:sp>
+    </p:spTree>
+    <p:extLst>
+      <p:ext uri="{BB962C8B-B14F-4D97-AF65-F5344CB8AC3E}">
+        <p14:creationId xmlns:p14="http://schemas.microsoft.com/office/powerpoint/2010/main" val="2627381649"/>
+      </p:ext>
+    </p:extLst>
+  </p:cSld>
+  <p:clrMapOvr>
+    <a:masterClrMapping/>
+  </p:clrMapOvr>
+  <p:timing>
+    <p:tnLst>
+      <p:par>
+        <p:cTn xmlns:p14="http://schemas.microsoft.com/office/powerpoint/2010/main" id="1" dur="indefinite" restart="never" nodeType="tmRoot"/>
+      </p:par>
+    </p:tnLst>
+  </p:timing>
+</p:sld>
+</file>
+
 <file path=ppt/slides/slide12.xml><?xml version="1.0" encoding="utf-8"?>
 <p:sld xmlns:a="http://schemas.openxmlformats.org/drawingml/2006/main" xmlns:r="http://schemas.openxmlformats.org/officeDocument/2006/relationships" xmlns:p="http://schemas.openxmlformats.org/presentationml/2006/main">
   <p:cSld>
@@ -14328,27 +11733,23 @@
           <a:lstStyle/>
           <a:p>
             <a:r>
-              <a:rPr lang="en-US" dirty="0" smtClean="0"/>
-              <a:t>TESTING</a:t>
-            </a:r>
-            <a:r>
-              <a:rPr lang="en-US" dirty="0"/>
-              <a:t/>
+              <a:rPr lang="en-GB" dirty="0" smtClean="0"/>
+              <a:t>CODE</a:t>
             </a:r>
             <a:br>
-              <a:rPr lang="en-US" dirty="0"/>
+              <a:rPr lang="en-GB" dirty="0" smtClean="0"/>
             </a:br>
             <a:r>
-              <a:rPr lang="en-US" dirty="0" smtClean="0">
+              <a:rPr lang="en-GB" dirty="0" smtClean="0">
                 <a:solidFill>
                   <a:schemeClr val="bg1">
                     <a:lumMod val="65000"/>
                   </a:schemeClr>
                 </a:solidFill>
               </a:rPr>
-              <a:t>BEHAVIOR</a:t>
-            </a:r>
-            <a:endParaRPr lang="en-US" dirty="0">
+              <a:t>BREAK</a:t>
+            </a:r>
+            <a:endParaRPr lang="en-GB" dirty="0">
               <a:solidFill>
                 <a:schemeClr val="bg1">
                   <a:lumMod val="65000"/>
@@ -14368,203 +11769,35 @@
             <p:ph idx="1"/>
           </p:nvPr>
         </p:nvSpPr>
-        <p:spPr>
-          <a:xfrm>
-            <a:off x="2712852" y="325315"/>
-            <a:ext cx="5877741" cy="4125844"/>
-          </a:xfrm>
-        </p:spPr>
-        <p:txBody>
-          <a:bodyPr>
-            <a:normAutofit/>
-          </a:bodyPr>
+        <p:spPr/>
+        <p:txBody>
+          <a:bodyPr/>
           <a:lstStyle/>
           <a:p>
             <a:r>
-              <a:rPr lang="en-US" dirty="0" err="1" smtClean="0"/>
-              <a:t>Behaves_like</a:t>
-            </a:r>
-            <a:r>
-              <a:rPr lang="en-US" dirty="0" smtClean="0"/>
-              <a:t>&lt;</a:t>
-            </a:r>
-            <a:r>
-              <a:rPr lang="en-US" dirty="0" err="1" smtClean="0"/>
-              <a:t>TBehavior</a:t>
-            </a:r>
-            <a:r>
-              <a:rPr lang="en-US" dirty="0" smtClean="0"/>
-              <a:t>&gt;</a:t>
-            </a:r>
-          </a:p>
-          <a:p>
-            <a:endParaRPr lang="en-US" dirty="0"/>
-          </a:p>
-          <a:p>
-            <a:r>
-              <a:rPr lang="en-GB" sz="1400" dirty="0" smtClean="0">
-                <a:latin typeface="Consolas" pitchFamily="49" charset="0"/>
-                <a:cs typeface="Consolas" pitchFamily="49" charset="0"/>
-              </a:rPr>
-              <a:t>[</a:t>
-            </a:r>
-            <a:r>
-              <a:rPr lang="en-GB" sz="1400" dirty="0" err="1">
-                <a:latin typeface="Consolas" pitchFamily="49" charset="0"/>
-                <a:cs typeface="Consolas" pitchFamily="49" charset="0"/>
-              </a:rPr>
-              <a:t>Behaviors</a:t>
-            </a:r>
-            <a:r>
-              <a:rPr lang="en-GB" sz="1400" dirty="0">
-                <a:latin typeface="Consolas" pitchFamily="49" charset="0"/>
-                <a:cs typeface="Consolas" pitchFamily="49" charset="0"/>
-              </a:rPr>
-              <a:t>]</a:t>
-            </a:r>
-          </a:p>
-          <a:p>
-            <a:r>
-              <a:rPr lang="en-GB" sz="1400" dirty="0" smtClean="0">
-                <a:latin typeface="Consolas" pitchFamily="49" charset="0"/>
-                <a:cs typeface="Consolas" pitchFamily="49" charset="0"/>
-              </a:rPr>
-              <a:t>public </a:t>
-            </a:r>
-            <a:r>
-              <a:rPr lang="en-GB" sz="1400" dirty="0">
-                <a:latin typeface="Consolas" pitchFamily="49" charset="0"/>
-                <a:cs typeface="Consolas" pitchFamily="49" charset="0"/>
-              </a:rPr>
-              <a:t>class </a:t>
-            </a:r>
-            <a:r>
-              <a:rPr lang="en-GB" sz="1400" dirty="0" err="1">
-                <a:latin typeface="Consolas" pitchFamily="49" charset="0"/>
-                <a:cs typeface="Consolas" pitchFamily="49" charset="0"/>
-              </a:rPr>
-              <a:t>AccountInCredit</a:t>
-            </a:r>
-            <a:endParaRPr lang="en-GB" sz="1400" dirty="0">
-              <a:latin typeface="Consolas" pitchFamily="49" charset="0"/>
-              <a:cs typeface="Consolas" pitchFamily="49" charset="0"/>
-            </a:endParaRPr>
-          </a:p>
-          <a:p>
-            <a:r>
-              <a:rPr lang="en-GB" sz="1400" dirty="0" smtClean="0">
-                <a:latin typeface="Consolas" pitchFamily="49" charset="0"/>
-                <a:cs typeface="Consolas" pitchFamily="49" charset="0"/>
-              </a:rPr>
-              <a:t>{</a:t>
-            </a:r>
-            <a:endParaRPr lang="en-GB" sz="1400" dirty="0">
-              <a:latin typeface="Consolas" pitchFamily="49" charset="0"/>
-              <a:cs typeface="Consolas" pitchFamily="49" charset="0"/>
-            </a:endParaRPr>
-          </a:p>
-          <a:p>
-            <a:r>
-              <a:rPr lang="en-GB" sz="1400" dirty="0">
-                <a:latin typeface="Consolas" pitchFamily="49" charset="0"/>
-                <a:cs typeface="Consolas" pitchFamily="49" charset="0"/>
-              </a:rPr>
+              <a:rPr lang="en-GB" dirty="0" smtClean="0"/>
+              <a:t>Creating an </a:t>
+            </a:r>
+            <a:r>
+              <a:rPr lang="en-GB" dirty="0" err="1" smtClean="0"/>
+              <a:t>mspec</a:t>
+            </a:r>
+            <a:r>
+              <a:rPr lang="en-GB" dirty="0" smtClean="0"/>
               <a:t> </a:t>
             </a:r>
             <a:r>
-              <a:rPr lang="en-GB" sz="1400" dirty="0" smtClean="0">
-                <a:latin typeface="Consolas" pitchFamily="49" charset="0"/>
-                <a:cs typeface="Consolas" pitchFamily="49" charset="0"/>
-              </a:rPr>
-              <a:t> protected </a:t>
-            </a:r>
-            <a:r>
-              <a:rPr lang="en-GB" sz="1400" dirty="0">
-                <a:latin typeface="Consolas" pitchFamily="49" charset="0"/>
-                <a:cs typeface="Consolas" pitchFamily="49" charset="0"/>
-              </a:rPr>
-              <a:t>static Account </a:t>
-            </a:r>
-            <a:r>
-              <a:rPr lang="en-GB" sz="1400" dirty="0" err="1">
-                <a:latin typeface="Consolas" pitchFamily="49" charset="0"/>
-                <a:cs typeface="Consolas" pitchFamily="49" charset="0"/>
-              </a:rPr>
-              <a:t>account</a:t>
-            </a:r>
-            <a:r>
-              <a:rPr lang="en-GB" sz="1400" dirty="0">
-                <a:latin typeface="Consolas" pitchFamily="49" charset="0"/>
-                <a:cs typeface="Consolas" pitchFamily="49" charset="0"/>
-              </a:rPr>
-              <a:t>;</a:t>
-            </a:r>
-          </a:p>
-          <a:p>
-            <a:r>
-              <a:rPr lang="en-GB" sz="1400" dirty="0" smtClean="0">
-                <a:latin typeface="Consolas" pitchFamily="49" charset="0"/>
-                <a:cs typeface="Consolas" pitchFamily="49" charset="0"/>
-              </a:rPr>
-              <a:t>  </a:t>
-            </a:r>
-          </a:p>
-          <a:p>
-            <a:r>
-              <a:rPr lang="en-GB" sz="1400" dirty="0" smtClean="0">
-                <a:latin typeface="Consolas" pitchFamily="49" charset="0"/>
-                <a:cs typeface="Consolas" pitchFamily="49" charset="0"/>
-              </a:rPr>
-              <a:t>It </a:t>
-            </a:r>
-            <a:r>
-              <a:rPr lang="en-GB" sz="1400" dirty="0" err="1">
-                <a:latin typeface="Consolas" pitchFamily="49" charset="0"/>
-                <a:cs typeface="Consolas" pitchFamily="49" charset="0"/>
-              </a:rPr>
-              <a:t>should_have_a_positive_balance</a:t>
-            </a:r>
-            <a:r>
-              <a:rPr lang="en-GB" sz="1400" dirty="0">
-                <a:latin typeface="Consolas" pitchFamily="49" charset="0"/>
-                <a:cs typeface="Consolas" pitchFamily="49" charset="0"/>
-              </a:rPr>
-              <a:t> = () =&gt; </a:t>
-            </a:r>
-            <a:r>
-              <a:rPr lang="en-GB" sz="1400" dirty="0" err="1">
-                <a:latin typeface="Consolas" pitchFamily="49" charset="0"/>
-                <a:cs typeface="Consolas" pitchFamily="49" charset="0"/>
-              </a:rPr>
-              <a:t>account.Balance.ShouldBeGreaterThan</a:t>
-            </a:r>
-            <a:r>
-              <a:rPr lang="en-GB" sz="1400" dirty="0">
-                <a:latin typeface="Consolas" pitchFamily="49" charset="0"/>
-                <a:cs typeface="Consolas" pitchFamily="49" charset="0"/>
-              </a:rPr>
-              <a:t>(0m);</a:t>
-            </a:r>
-          </a:p>
-          <a:p>
-            <a:r>
-              <a:rPr lang="en-GB" sz="1400" dirty="0" smtClean="0">
-                <a:latin typeface="Consolas" pitchFamily="49" charset="0"/>
-                <a:cs typeface="Consolas" pitchFamily="49" charset="0"/>
-              </a:rPr>
-              <a:t>}</a:t>
-            </a:r>
-            <a:endParaRPr lang="en-US" sz="1400" dirty="0">
-              <a:latin typeface="Consolas" pitchFamily="49" charset="0"/>
-              <a:cs typeface="Consolas" pitchFamily="49" charset="0"/>
-            </a:endParaRPr>
+              <a:rPr lang="en-GB" dirty="0" smtClean="0"/>
+              <a:t>test</a:t>
+            </a:r>
+            <a:endParaRPr lang="en-GB" dirty="0" smtClean="0"/>
           </a:p>
         </p:txBody>
       </p:sp>
     </p:spTree>
     <p:extLst>
       <p:ext uri="{BB962C8B-B14F-4D97-AF65-F5344CB8AC3E}">
-        <p14:creationId xmlns:p14="http://schemas.microsoft.com/office/powerpoint/2010/main" val="1697401758"/>
+        <p14:creationId xmlns:p14="http://schemas.microsoft.com/office/powerpoint/2010/main" val="216151958"/>
       </p:ext>
     </p:extLst>
   </p:cSld>
@@ -14614,6 +11847,292 @@
           <a:lstStyle/>
           <a:p>
             <a:r>
+              <a:rPr lang="en-US" dirty="0" smtClean="0"/>
+              <a:t>TESTING</a:t>
+            </a:r>
+            <a:r>
+              <a:rPr lang="en-US" dirty="0"/>
+              <a:t/>
+            </a:r>
+            <a:br>
+              <a:rPr lang="en-US" dirty="0"/>
+            </a:br>
+            <a:r>
+              <a:rPr lang="en-US" dirty="0" smtClean="0">
+                <a:solidFill>
+                  <a:schemeClr val="bg1">
+                    <a:lumMod val="65000"/>
+                  </a:schemeClr>
+                </a:solidFill>
+              </a:rPr>
+              <a:t>BEHAVIOR</a:t>
+            </a:r>
+            <a:endParaRPr lang="en-US" dirty="0">
+              <a:solidFill>
+                <a:schemeClr val="bg1">
+                  <a:lumMod val="65000"/>
+                </a:schemeClr>
+              </a:solidFill>
+            </a:endParaRPr>
+          </a:p>
+        </p:txBody>
+      </p:sp>
+      <p:sp>
+        <p:nvSpPr>
+          <p:cNvPr id="3" name="Content Placeholder 2"/>
+          <p:cNvSpPr>
+            <a:spLocks noGrp="1"/>
+          </p:cNvSpPr>
+          <p:nvPr>
+            <p:ph idx="1"/>
+          </p:nvPr>
+        </p:nvSpPr>
+        <p:spPr>
+          <a:xfrm>
+            <a:off x="2712852" y="325315"/>
+            <a:ext cx="5877741" cy="4125844"/>
+          </a:xfrm>
+        </p:spPr>
+        <p:txBody>
+          <a:bodyPr>
+            <a:normAutofit/>
+          </a:bodyPr>
+          <a:lstStyle/>
+          <a:p>
+            <a:r>
+              <a:rPr lang="en-US" dirty="0" err="1" smtClean="0"/>
+              <a:t>Behaves_like</a:t>
+            </a:r>
+            <a:r>
+              <a:rPr lang="en-US" dirty="0" smtClean="0"/>
+              <a:t>&lt;</a:t>
+            </a:r>
+            <a:r>
+              <a:rPr lang="en-US" dirty="0" err="1" smtClean="0"/>
+              <a:t>TBehavior</a:t>
+            </a:r>
+            <a:r>
+              <a:rPr lang="en-US" dirty="0" smtClean="0"/>
+              <a:t>&gt;</a:t>
+            </a:r>
+          </a:p>
+          <a:p>
+            <a:endParaRPr lang="en-US" dirty="0"/>
+          </a:p>
+          <a:p>
+            <a:r>
+              <a:rPr lang="en-GB" sz="1400" dirty="0" smtClean="0">
+                <a:latin typeface="Consolas" pitchFamily="49" charset="0"/>
+                <a:cs typeface="Consolas" pitchFamily="49" charset="0"/>
+              </a:rPr>
+              <a:t>[</a:t>
+            </a:r>
+            <a:r>
+              <a:rPr lang="en-GB" sz="1400" dirty="0" err="1">
+                <a:latin typeface="Consolas" pitchFamily="49" charset="0"/>
+                <a:cs typeface="Consolas" pitchFamily="49" charset="0"/>
+              </a:rPr>
+              <a:t>Behaviors</a:t>
+            </a:r>
+            <a:r>
+              <a:rPr lang="en-GB" sz="1400" dirty="0">
+                <a:latin typeface="Consolas" pitchFamily="49" charset="0"/>
+                <a:cs typeface="Consolas" pitchFamily="49" charset="0"/>
+              </a:rPr>
+              <a:t>]</a:t>
+            </a:r>
+          </a:p>
+          <a:p>
+            <a:r>
+              <a:rPr lang="en-GB" sz="1400" dirty="0" smtClean="0">
+                <a:latin typeface="Consolas" pitchFamily="49" charset="0"/>
+                <a:cs typeface="Consolas" pitchFamily="49" charset="0"/>
+              </a:rPr>
+              <a:t>public </a:t>
+            </a:r>
+            <a:r>
+              <a:rPr lang="en-GB" sz="1400" dirty="0">
+                <a:latin typeface="Consolas" pitchFamily="49" charset="0"/>
+                <a:cs typeface="Consolas" pitchFamily="49" charset="0"/>
+              </a:rPr>
+              <a:t>class </a:t>
+            </a:r>
+            <a:r>
+              <a:rPr lang="en-GB" sz="1400" dirty="0" err="1">
+                <a:latin typeface="Consolas" pitchFamily="49" charset="0"/>
+                <a:cs typeface="Consolas" pitchFamily="49" charset="0"/>
+              </a:rPr>
+              <a:t>AccountInCredit</a:t>
+            </a:r>
+            <a:endParaRPr lang="en-GB" sz="1400" dirty="0">
+              <a:latin typeface="Consolas" pitchFamily="49" charset="0"/>
+              <a:cs typeface="Consolas" pitchFamily="49" charset="0"/>
+            </a:endParaRPr>
+          </a:p>
+          <a:p>
+            <a:r>
+              <a:rPr lang="en-GB" sz="1400" dirty="0" smtClean="0">
+                <a:latin typeface="Consolas" pitchFamily="49" charset="0"/>
+                <a:cs typeface="Consolas" pitchFamily="49" charset="0"/>
+              </a:rPr>
+              <a:t>{</a:t>
+            </a:r>
+            <a:endParaRPr lang="en-GB" sz="1400" dirty="0">
+              <a:latin typeface="Consolas" pitchFamily="49" charset="0"/>
+              <a:cs typeface="Consolas" pitchFamily="49" charset="0"/>
+            </a:endParaRPr>
+          </a:p>
+          <a:p>
+            <a:r>
+              <a:rPr lang="en-GB" sz="1400" dirty="0">
+                <a:latin typeface="Consolas" pitchFamily="49" charset="0"/>
+                <a:cs typeface="Consolas" pitchFamily="49" charset="0"/>
+              </a:rPr>
+              <a:t> </a:t>
+            </a:r>
+            <a:r>
+              <a:rPr lang="en-GB" sz="1400" dirty="0" smtClean="0">
+                <a:latin typeface="Consolas" pitchFamily="49" charset="0"/>
+                <a:cs typeface="Consolas" pitchFamily="49" charset="0"/>
+              </a:rPr>
+              <a:t> protected </a:t>
+            </a:r>
+            <a:r>
+              <a:rPr lang="en-GB" sz="1400" dirty="0">
+                <a:latin typeface="Consolas" pitchFamily="49" charset="0"/>
+                <a:cs typeface="Consolas" pitchFamily="49" charset="0"/>
+              </a:rPr>
+              <a:t>static Account </a:t>
+            </a:r>
+            <a:r>
+              <a:rPr lang="en-GB" sz="1400" dirty="0" err="1">
+                <a:latin typeface="Consolas" pitchFamily="49" charset="0"/>
+                <a:cs typeface="Consolas" pitchFamily="49" charset="0"/>
+              </a:rPr>
+              <a:t>account</a:t>
+            </a:r>
+            <a:r>
+              <a:rPr lang="en-GB" sz="1400" dirty="0">
+                <a:latin typeface="Consolas" pitchFamily="49" charset="0"/>
+                <a:cs typeface="Consolas" pitchFamily="49" charset="0"/>
+              </a:rPr>
+              <a:t>;</a:t>
+            </a:r>
+          </a:p>
+          <a:p>
+            <a:r>
+              <a:rPr lang="en-GB" sz="1400" dirty="0" smtClean="0">
+                <a:latin typeface="Consolas" pitchFamily="49" charset="0"/>
+                <a:cs typeface="Consolas" pitchFamily="49" charset="0"/>
+              </a:rPr>
+              <a:t>  </a:t>
+            </a:r>
+          </a:p>
+          <a:p>
+            <a:r>
+              <a:rPr lang="en-GB" sz="1400" dirty="0" smtClean="0">
+                <a:latin typeface="Consolas" pitchFamily="49" charset="0"/>
+                <a:cs typeface="Consolas" pitchFamily="49" charset="0"/>
+              </a:rPr>
+              <a:t>It </a:t>
+            </a:r>
+            <a:r>
+              <a:rPr lang="en-GB" sz="1400" dirty="0" err="1">
+                <a:latin typeface="Consolas" pitchFamily="49" charset="0"/>
+                <a:cs typeface="Consolas" pitchFamily="49" charset="0"/>
+              </a:rPr>
+              <a:t>should_have_a_positive_balance</a:t>
+            </a:r>
+            <a:r>
+              <a:rPr lang="en-GB" sz="1400" dirty="0">
+                <a:latin typeface="Consolas" pitchFamily="49" charset="0"/>
+                <a:cs typeface="Consolas" pitchFamily="49" charset="0"/>
+              </a:rPr>
+              <a:t> = () =&gt; </a:t>
+            </a:r>
+            <a:r>
+              <a:rPr lang="en-GB" sz="1400" dirty="0" err="1">
+                <a:latin typeface="Consolas" pitchFamily="49" charset="0"/>
+                <a:cs typeface="Consolas" pitchFamily="49" charset="0"/>
+              </a:rPr>
+              <a:t>account.Balance.ShouldBeGreaterThan</a:t>
+            </a:r>
+            <a:r>
+              <a:rPr lang="en-GB" sz="1400" dirty="0">
+                <a:latin typeface="Consolas" pitchFamily="49" charset="0"/>
+                <a:cs typeface="Consolas" pitchFamily="49" charset="0"/>
+              </a:rPr>
+              <a:t>(0m);</a:t>
+            </a:r>
+          </a:p>
+          <a:p>
+            <a:r>
+              <a:rPr lang="en-GB" sz="1400" dirty="0" smtClean="0">
+                <a:latin typeface="Consolas" pitchFamily="49" charset="0"/>
+                <a:cs typeface="Consolas" pitchFamily="49" charset="0"/>
+              </a:rPr>
+              <a:t>}</a:t>
+            </a:r>
+            <a:endParaRPr lang="en-US" sz="1400" dirty="0">
+              <a:latin typeface="Consolas" pitchFamily="49" charset="0"/>
+              <a:cs typeface="Consolas" pitchFamily="49" charset="0"/>
+            </a:endParaRPr>
+          </a:p>
+        </p:txBody>
+      </p:sp>
+    </p:spTree>
+    <p:extLst>
+      <p:ext uri="{BB962C8B-B14F-4D97-AF65-F5344CB8AC3E}">
+        <p14:creationId xmlns:p14="http://schemas.microsoft.com/office/powerpoint/2010/main" val="1697401758"/>
+      </p:ext>
+    </p:extLst>
+  </p:cSld>
+  <p:clrMapOvr>
+    <a:masterClrMapping/>
+  </p:clrMapOvr>
+  <p:timing>
+    <p:tnLst>
+      <p:par>
+        <p:cTn xmlns:p14="http://schemas.microsoft.com/office/powerpoint/2010/main" id="1" dur="indefinite" restart="never" nodeType="tmRoot"/>
+      </p:par>
+    </p:tnLst>
+  </p:timing>
+</p:sld>
+</file>
+
+<file path=ppt/slides/slide14.xml><?xml version="1.0" encoding="utf-8"?>
+<p:sld xmlns:a="http://schemas.openxmlformats.org/drawingml/2006/main" xmlns:r="http://schemas.openxmlformats.org/officeDocument/2006/relationships" xmlns:p="http://schemas.openxmlformats.org/presentationml/2006/main">
+  <p:cSld>
+    <p:spTree>
+      <p:nvGrpSpPr>
+        <p:cNvPr id="1" name=""/>
+        <p:cNvGrpSpPr/>
+        <p:nvPr/>
+      </p:nvGrpSpPr>
+      <p:grpSpPr>
+        <a:xfrm>
+          <a:off x="0" y="0"/>
+          <a:ext cx="0" cy="0"/>
+          <a:chOff x="0" y="0"/>
+          <a:chExt cx="0" cy="0"/>
+        </a:xfrm>
+      </p:grpSpPr>
+      <p:sp>
+        <p:nvSpPr>
+          <p:cNvPr id="2" name="Title 1"/>
+          <p:cNvSpPr>
+            <a:spLocks noGrp="1"/>
+          </p:cNvSpPr>
+          <p:nvPr>
+            <p:ph type="title"/>
+          </p:nvPr>
+        </p:nvSpPr>
+        <p:spPr/>
+        <p:txBody>
+          <a:bodyPr/>
+          <a:lstStyle/>
+          <a:p>
+            <a:r>
               <a:rPr lang="en-GB" dirty="0" smtClean="0"/>
               <a:t>CODE</a:t>
             </a:r>
@@ -14654,20 +12173,6 @@
         <p:txBody>
           <a:bodyPr/>
           <a:lstStyle/>
-          <a:p>
-            <a:r>
-              <a:rPr lang="en-GB" dirty="0" smtClean="0"/>
-              <a:t>Creating an </a:t>
-            </a:r>
-            <a:r>
-              <a:rPr lang="en-GB" dirty="0" err="1" smtClean="0"/>
-              <a:t>mspec</a:t>
-            </a:r>
-            <a:r>
-              <a:rPr lang="en-GB" dirty="0" smtClean="0"/>
-              <a:t> test</a:t>
-            </a:r>
-          </a:p>
           <a:p>
             <a:endParaRPr lang="en-GB" dirty="0"/>
           </a:p>
@@ -14712,7 +12217,7 @@
 </p:sld>
 </file>
 
-<file path=ppt/slides/slide14.xml><?xml version="1.0" encoding="utf-8"?>
+<file path=ppt/slides/slide15.xml><?xml version="1.0" encoding="utf-8"?>
 <p:sld xmlns:a="http://schemas.openxmlformats.org/drawingml/2006/main" xmlns:r="http://schemas.openxmlformats.org/officeDocument/2006/relationships" xmlns:p="http://schemas.openxmlformats.org/presentationml/2006/main">
   <p:cSld>
     <p:spTree>
@@ -15168,7 +12673,7 @@
 </p:sld>
 </file>
 
-<file path=ppt/slides/slide15.xml><?xml version="1.0" encoding="utf-8"?>
+<file path=ppt/slides/slide16.xml><?xml version="1.0" encoding="utf-8"?>
 <p:sld xmlns:a="http://schemas.openxmlformats.org/drawingml/2006/main" xmlns:r="http://schemas.openxmlformats.org/officeDocument/2006/relationships" xmlns:p="http://schemas.openxmlformats.org/presentationml/2006/main">
   <p:cSld>
     <p:spTree>
@@ -15688,105 +13193,6 @@
 </p:sld>
 </file>
 
-<file path=ppt/slides/slide16.xml><?xml version="1.0" encoding="utf-8"?>
-<p:sld xmlns:a="http://schemas.openxmlformats.org/drawingml/2006/main" xmlns:r="http://schemas.openxmlformats.org/officeDocument/2006/relationships" xmlns:p="http://schemas.openxmlformats.org/presentationml/2006/main">
-  <p:cSld>
-    <p:spTree>
-      <p:nvGrpSpPr>
-        <p:cNvPr id="1" name=""/>
-        <p:cNvGrpSpPr/>
-        <p:nvPr/>
-      </p:nvGrpSpPr>
-      <p:grpSpPr>
-        <a:xfrm>
-          <a:off x="0" y="0"/>
-          <a:ext cx="0" cy="0"/>
-          <a:chOff x="0" y="0"/>
-          <a:chExt cx="0" cy="0"/>
-        </a:xfrm>
-      </p:grpSpPr>
-      <p:sp>
-        <p:nvSpPr>
-          <p:cNvPr id="2" name="Title 1"/>
-          <p:cNvSpPr>
-            <a:spLocks noGrp="1"/>
-          </p:cNvSpPr>
-          <p:nvPr>
-            <p:ph type="title"/>
-          </p:nvPr>
-        </p:nvSpPr>
-        <p:spPr/>
-        <p:txBody>
-          <a:bodyPr/>
-          <a:lstStyle/>
-          <a:p>
-            <a:r>
-              <a:rPr lang="en-GB" dirty="0" smtClean="0"/>
-              <a:t>CODE</a:t>
-            </a:r>
-            <a:br>
-              <a:rPr lang="en-GB" dirty="0" smtClean="0"/>
-            </a:br>
-            <a:r>
-              <a:rPr lang="en-GB" dirty="0">
-                <a:solidFill>
-                  <a:schemeClr val="bg1">
-                    <a:lumMod val="65000"/>
-                  </a:schemeClr>
-                </a:solidFill>
-              </a:rPr>
-              <a:t>BREAK</a:t>
-            </a:r>
-          </a:p>
-        </p:txBody>
-      </p:sp>
-      <p:sp>
-        <p:nvSpPr>
-          <p:cNvPr id="3" name="Content Placeholder 2"/>
-          <p:cNvSpPr>
-            <a:spLocks noGrp="1"/>
-          </p:cNvSpPr>
-          <p:nvPr>
-            <p:ph idx="1"/>
-          </p:nvPr>
-        </p:nvSpPr>
-        <p:spPr/>
-        <p:txBody>
-          <a:bodyPr/>
-          <a:lstStyle/>
-          <a:p>
-            <a:r>
-              <a:rPr lang="en-GB" dirty="0" smtClean="0"/>
-              <a:t>Creating a test using </a:t>
-            </a:r>
-            <a:r>
-              <a:rPr lang="en-GB" dirty="0" err="1" smtClean="0"/>
-              <a:t>WithFakes</a:t>
-            </a:r>
-            <a:endParaRPr lang="en-GB" dirty="0" smtClean="0"/>
-          </a:p>
-        </p:txBody>
-      </p:sp>
-    </p:spTree>
-    <p:extLst>
-      <p:ext uri="{BB962C8B-B14F-4D97-AF65-F5344CB8AC3E}">
-        <p14:creationId xmlns:p14="http://schemas.microsoft.com/office/powerpoint/2010/main" val="2030667483"/>
-      </p:ext>
-    </p:extLst>
-  </p:cSld>
-  <p:clrMapOvr>
-    <a:masterClrMapping/>
-  </p:clrMapOvr>
-  <p:timing>
-    <p:tnLst>
-      <p:par>
-        <p:cTn xmlns:p14="http://schemas.microsoft.com/office/powerpoint/2010/main" id="1" dur="indefinite" restart="never" nodeType="tmRoot"/>
-      </p:par>
-    </p:tnLst>
-  </p:timing>
-</p:sld>
-</file>
-
 <file path=ppt/slides/slide17.xml><?xml version="1.0" encoding="utf-8"?>
 <p:sld xmlns:a="http://schemas.openxmlformats.org/drawingml/2006/main" xmlns:r="http://schemas.openxmlformats.org/officeDocument/2006/relationships" xmlns:p="http://schemas.openxmlformats.org/presentationml/2006/main">
   <p:cSld>
@@ -15820,29 +13226,22 @@
           <a:lstStyle/>
           <a:p>
             <a:r>
-              <a:rPr lang="en-US" dirty="0"/>
-              <a:t>MACHINE FAKES</a:t>
+              <a:rPr lang="en-GB" dirty="0" smtClean="0"/>
+              <a:t>CODE</a:t>
             </a:r>
             <a:br>
-              <a:rPr lang="en-US" dirty="0"/>
+              <a:rPr lang="en-GB" dirty="0" smtClean="0"/>
             </a:br>
             <a:r>
-              <a:rPr lang="en-US" dirty="0" smtClean="0">
+              <a:rPr lang="en-GB" dirty="0">
                 <a:solidFill>
                   <a:schemeClr val="bg1">
                     <a:lumMod val="65000"/>
                   </a:schemeClr>
                 </a:solidFill>
               </a:rPr>
-              <a:t>WITHSUBJECT</a:t>
-            </a:r>
-            <a:endParaRPr lang="en-US" dirty="0">
-              <a:solidFill>
-                <a:schemeClr val="bg1">
-                  <a:lumMod val="65000"/>
-                </a:schemeClr>
-              </a:solidFill>
-            </a:endParaRPr>
+              <a:t>BREAK</a:t>
+            </a:r>
           </a:p>
         </p:txBody>
       </p:sp>
@@ -15862,57 +13261,21 @@
           <a:lstStyle/>
           <a:p>
             <a:r>
-              <a:rPr lang="en-US" dirty="0" err="1" smtClean="0"/>
-              <a:t>WithSubject</a:t>
-            </a:r>
-            <a:r>
-              <a:rPr lang="en-US" dirty="0" smtClean="0"/>
-              <a:t>&lt;T&gt;</a:t>
-            </a:r>
-          </a:p>
-          <a:p>
-            <a:endParaRPr lang="en-US" dirty="0"/>
-          </a:p>
-          <a:p>
-            <a:r>
-              <a:rPr lang="en-US" dirty="0" err="1" smtClean="0"/>
-              <a:t>Automocking</a:t>
-            </a:r>
-            <a:r>
-              <a:rPr lang="en-US" dirty="0" smtClean="0"/>
-              <a:t> container</a:t>
-            </a:r>
-          </a:p>
-          <a:p>
-            <a:r>
-              <a:rPr lang="en-US" dirty="0" smtClean="0"/>
-              <a:t>Creates subject under test for you</a:t>
-            </a:r>
-          </a:p>
-          <a:p>
-            <a:endParaRPr lang="en-US" dirty="0"/>
-          </a:p>
-          <a:p>
-            <a:r>
-              <a:rPr lang="en-US" dirty="0" smtClean="0"/>
-              <a:t>The&lt;</a:t>
-            </a:r>
-            <a:r>
-              <a:rPr lang="en-US" dirty="0" err="1" smtClean="0"/>
-              <a:t>Tinterface</a:t>
-            </a:r>
-            <a:r>
-              <a:rPr lang="en-US" dirty="0" smtClean="0"/>
-              <a:t>&gt; access existing fakes</a:t>
-            </a:r>
-            <a:endParaRPr lang="en-US" dirty="0"/>
+              <a:rPr lang="en-GB" dirty="0" smtClean="0"/>
+              <a:t>Creating a test using </a:t>
+            </a:r>
+            <a:r>
+              <a:rPr lang="en-GB" dirty="0" err="1" smtClean="0"/>
+              <a:t>WithFakes</a:t>
+            </a:r>
+            <a:endParaRPr lang="en-GB" dirty="0" smtClean="0"/>
           </a:p>
         </p:txBody>
       </p:sp>
     </p:spTree>
     <p:extLst>
       <p:ext uri="{BB962C8B-B14F-4D97-AF65-F5344CB8AC3E}">
-        <p14:creationId xmlns:p14="http://schemas.microsoft.com/office/powerpoint/2010/main" val="1292296776"/>
+        <p14:creationId xmlns:p14="http://schemas.microsoft.com/office/powerpoint/2010/main" val="2030667483"/>
       </p:ext>
     </p:extLst>
   </p:cSld>
@@ -15962,27 +13325,29 @@
           <a:lstStyle/>
           <a:p>
             <a:r>
-              <a:rPr lang="en-GB" dirty="0"/>
-              <a:t>CODE</a:t>
+              <a:rPr lang="en-US" dirty="0"/>
+              <a:t>MACHINE FAKES</a:t>
             </a:r>
             <a:br>
-              <a:rPr lang="en-GB" dirty="0"/>
+              <a:rPr lang="en-US" dirty="0"/>
             </a:br>
             <a:r>
-              <a:rPr lang="en-GB" dirty="0">
+              <a:rPr lang="en-US" dirty="0" smtClean="0">
                 <a:solidFill>
                   <a:schemeClr val="bg1">
                     <a:lumMod val="65000"/>
                   </a:schemeClr>
                 </a:solidFill>
               </a:rPr>
-              <a:t>BREAK</a:t>
-            </a:r>
-            <a:r>
-              <a:rPr lang="en-GB" dirty="0" smtClean="0"/>
-              <a:t>	</a:t>
-            </a:r>
-            <a:endParaRPr lang="en-GB" dirty="0"/>
+              <a:t>WITHSUBJECT</a:t>
+            </a:r>
+            <a:endParaRPr lang="en-US" dirty="0">
+              <a:solidFill>
+                <a:schemeClr val="bg1">
+                  <a:lumMod val="65000"/>
+                </a:schemeClr>
+              </a:solidFill>
+            </a:endParaRPr>
           </a:p>
         </p:txBody>
       </p:sp>
@@ -16002,25 +13367,57 @@
           <a:lstStyle/>
           <a:p>
             <a:r>
-              <a:rPr lang="en-GB" dirty="0" smtClean="0"/>
-              <a:t>Creating a test using </a:t>
-            </a:r>
-            <a:r>
-              <a:rPr lang="en-GB" dirty="0" err="1" smtClean="0"/>
+              <a:rPr lang="en-US" dirty="0" err="1" smtClean="0"/>
               <a:t>WithSubject</a:t>
             </a:r>
             <a:r>
-              <a:rPr lang="en-GB" dirty="0" smtClean="0"/>
+              <a:rPr lang="en-US" dirty="0" smtClean="0"/>
               <a:t>&lt;T&gt;</a:t>
             </a:r>
-            <a:endParaRPr lang="en-GB" dirty="0"/>
+          </a:p>
+          <a:p>
+            <a:endParaRPr lang="en-US" dirty="0"/>
+          </a:p>
+          <a:p>
+            <a:r>
+              <a:rPr lang="en-US" dirty="0" err="1" smtClean="0"/>
+              <a:t>Automocking</a:t>
+            </a:r>
+            <a:r>
+              <a:rPr lang="en-US" dirty="0" smtClean="0"/>
+              <a:t> container</a:t>
+            </a:r>
+          </a:p>
+          <a:p>
+            <a:r>
+              <a:rPr lang="en-US" dirty="0" smtClean="0"/>
+              <a:t>Creates subject under test for you</a:t>
+            </a:r>
+          </a:p>
+          <a:p>
+            <a:endParaRPr lang="en-US" dirty="0"/>
+          </a:p>
+          <a:p>
+            <a:r>
+              <a:rPr lang="en-US" dirty="0" smtClean="0"/>
+              <a:t>The&lt;</a:t>
+            </a:r>
+            <a:r>
+              <a:rPr lang="en-US" dirty="0" err="1" smtClean="0"/>
+              <a:t>Tinterface</a:t>
+            </a:r>
+            <a:r>
+              <a:rPr lang="en-US" dirty="0" smtClean="0"/>
+              <a:t>&gt; access existing fakes</a:t>
+            </a:r>
+            <a:endParaRPr lang="en-US" dirty="0"/>
           </a:p>
         </p:txBody>
       </p:sp>
     </p:spTree>
     <p:extLst>
       <p:ext uri="{BB962C8B-B14F-4D97-AF65-F5344CB8AC3E}">
-        <p14:creationId xmlns:p14="http://schemas.microsoft.com/office/powerpoint/2010/main" val="661191017"/>
+        <p14:creationId xmlns:p14="http://schemas.microsoft.com/office/powerpoint/2010/main" val="1292296776"/>
       </p:ext>
     </p:extLst>
   </p:cSld>
@@ -16070,33 +13467,27 @@
           <a:lstStyle/>
           <a:p>
             <a:r>
-              <a:rPr lang="en-GB" dirty="0" err="1" smtClean="0"/>
-              <a:t>MACHINE.Fakes</a:t>
-            </a:r>
-            <a:r>
-              <a:rPr lang="en-GB" dirty="0" smtClean="0"/>
-              <a:t/>
+              <a:rPr lang="en-GB" dirty="0"/>
+              <a:t>CODE</a:t>
             </a:r>
             <a:br>
-              <a:rPr lang="en-GB" dirty="0" smtClean="0"/>
+              <a:rPr lang="en-GB" dirty="0"/>
             </a:br>
             <a:r>
-              <a:rPr lang="en-GB" dirty="0" smtClean="0">
+              <a:rPr lang="en-GB" dirty="0">
                 <a:solidFill>
                   <a:schemeClr val="bg1">
                     <a:lumMod val="65000"/>
                   </a:schemeClr>
                 </a:solidFill>
               </a:rPr>
-              <a:t>reusing context</a:t>
-            </a:r>
-            <a:endParaRPr lang="en-GB" dirty="0">
-              <a:solidFill>
-                <a:schemeClr val="bg1">
-                  <a:lumMod val="65000"/>
-                </a:schemeClr>
-              </a:solidFill>
-            </a:endParaRPr>
+              <a:t>BREAK</a:t>
+            </a:r>
+            <a:r>
+              <a:rPr lang="en-GB" dirty="0" smtClean="0"/>
+              <a:t>	</a:t>
+            </a:r>
+            <a:endParaRPr lang="en-GB" dirty="0"/>
           </a:p>
         </p:txBody>
       </p:sp>
@@ -16116,107 +13507,16 @@
           <a:lstStyle/>
           <a:p>
             <a:r>
+              <a:rPr lang="en-GB" dirty="0" smtClean="0"/>
+              <a:t>Creating a test using </a:t>
+            </a:r>
+            <a:r>
               <a:rPr lang="en-GB" dirty="0" err="1" smtClean="0"/>
-              <a:t>OnEstablish</a:t>
+              <a:t>WithSubject</a:t>
             </a:r>
             <a:r>
               <a:rPr lang="en-GB" dirty="0" smtClean="0"/>
-              <a:t> context = fake =&gt;</a:t>
-            </a:r>
-            <a:br>
-              <a:rPr lang="en-GB" dirty="0" smtClean="0"/>
-            </a:br>
-            <a:r>
-              <a:rPr lang="en-GB" dirty="0" smtClean="0"/>
-              <a:t>{</a:t>
-            </a:r>
-          </a:p>
-          <a:p>
-            <a:r>
-              <a:rPr lang="en-GB" dirty="0" smtClean="0"/>
-              <a:t>    fake</a:t>
-            </a:r>
-          </a:p>
-          <a:p>
-            <a:r>
-              <a:rPr lang="en-GB" dirty="0"/>
-              <a:t>	</a:t>
-            </a:r>
-            <a:r>
-              <a:rPr lang="en-GB" dirty="0" smtClean="0"/>
-              <a:t>.The&lt;</a:t>
-            </a:r>
-            <a:r>
-              <a:rPr lang="en-GB" dirty="0" err="1" smtClean="0"/>
-              <a:t>IFoo</a:t>
-            </a:r>
-            <a:r>
-              <a:rPr lang="en-GB" dirty="0" smtClean="0"/>
-              <a:t>&gt;</a:t>
-            </a:r>
-          </a:p>
-          <a:p>
-            <a:r>
-              <a:rPr lang="en-GB" dirty="0"/>
-              <a:t>	</a:t>
-            </a:r>
-            <a:r>
-              <a:rPr lang="en-GB" dirty="0" smtClean="0"/>
-              <a:t>.</a:t>
-            </a:r>
-            <a:r>
-              <a:rPr lang="en-GB" dirty="0" err="1" smtClean="0"/>
-              <a:t>WhenToldTo</a:t>
-            </a:r>
-            <a:r>
-              <a:rPr lang="en-GB" dirty="0" smtClean="0"/>
-              <a:t>(x=&gt;</a:t>
-            </a:r>
-            <a:r>
-              <a:rPr lang="en-GB" dirty="0" err="1" smtClean="0"/>
-              <a:t>x.Bar</a:t>
-            </a:r>
-            <a:r>
-              <a:rPr lang="en-GB" dirty="0" smtClean="0"/>
-              <a:t>())</a:t>
-            </a:r>
-          </a:p>
-          <a:p>
-            <a:r>
-              <a:rPr lang="en-GB" dirty="0"/>
-              <a:t>	</a:t>
-            </a:r>
-            <a:r>
-              <a:rPr lang="en-GB" dirty="0" smtClean="0"/>
-              <a:t>.Return(“</a:t>
-            </a:r>
-            <a:r>
-              <a:rPr lang="en-GB" dirty="0" err="1" smtClean="0"/>
-              <a:t>Baz</a:t>
-            </a:r>
-            <a:r>
-              <a:rPr lang="en-GB" dirty="0" smtClean="0"/>
-              <a:t>”);           </a:t>
-            </a:r>
-            <a:br>
-              <a:rPr lang="en-GB" dirty="0" smtClean="0"/>
-            </a:br>
-            <a:r>
-              <a:rPr lang="en-GB" dirty="0" smtClean="0"/>
-              <a:t>}</a:t>
-            </a:r>
-          </a:p>
-          <a:p>
-            <a:endParaRPr lang="en-GB" dirty="0"/>
-          </a:p>
-          <a:p>
-            <a:r>
-              <a:rPr lang="en-GB" dirty="0" err="1" smtClean="0"/>
-              <a:t>OnCleanup</a:t>
-            </a:r>
-            <a:r>
-              <a:rPr lang="en-GB" dirty="0" smtClean="0"/>
-              <a:t> sub</a:t>
+              <a:t>&lt;T&gt;</a:t>
             </a:r>
             <a:endParaRPr lang="en-GB" dirty="0"/>
           </a:p>
@@ -16225,7 +13525,7 @@
     </p:spTree>
     <p:extLst>
       <p:ext uri="{BB962C8B-B14F-4D97-AF65-F5344CB8AC3E}">
-        <p14:creationId xmlns:p14="http://schemas.microsoft.com/office/powerpoint/2010/main" val="624853509"/>
+        <p14:creationId xmlns:p14="http://schemas.microsoft.com/office/powerpoint/2010/main" val="661191017"/>
       </p:ext>
     </p:extLst>
   </p:cSld>
@@ -17001,23 +14301,33 @@
           <a:lstStyle/>
           <a:p>
             <a:r>
-              <a:rPr lang="en-GB" dirty="0"/>
-              <a:t>CODE</a:t>
+              <a:rPr lang="en-GB" dirty="0" err="1" smtClean="0"/>
+              <a:t>MACHINE.Fakes</a:t>
+            </a:r>
+            <a:r>
+              <a:rPr lang="en-GB" dirty="0" smtClean="0"/>
+              <a:t/>
             </a:r>
             <a:br>
-              <a:rPr lang="en-GB" dirty="0"/>
+              <a:rPr lang="en-GB" dirty="0" smtClean="0"/>
             </a:br>
             <a:r>
-              <a:rPr lang="en-GB" dirty="0">
+              <a:rPr lang="en-GB" dirty="0" smtClean="0">
                 <a:solidFill>
                   <a:schemeClr val="bg1">
                     <a:lumMod val="65000"/>
                   </a:schemeClr>
                 </a:solidFill>
               </a:rPr>
-              <a:t>BREAK</a:t>
-            </a:r>
-            <a:endParaRPr lang="en-GB" dirty="0"/>
+              <a:t>reusing context</a:t>
+            </a:r>
+            <a:endParaRPr lang="en-GB" dirty="0">
+              <a:solidFill>
+                <a:schemeClr val="bg1">
+                  <a:lumMod val="65000"/>
+                </a:schemeClr>
+              </a:solidFill>
+            </a:endParaRPr>
           </a:p>
         </p:txBody>
       </p:sp>
@@ -17037,8 +14347,107 @@
           <a:lstStyle/>
           <a:p>
             <a:r>
+              <a:rPr lang="en-GB" dirty="0" err="1" smtClean="0"/>
+              <a:t>OnEstablish</a:t>
+            </a:r>
+            <a:r>
               <a:rPr lang="en-GB" dirty="0" smtClean="0"/>
-              <a:t>Creating a test reusing context setup code.</a:t>
+              <a:t> context = fake =&gt;</a:t>
+            </a:r>
+            <a:br>
+              <a:rPr lang="en-GB" dirty="0" smtClean="0"/>
+            </a:br>
+            <a:r>
+              <a:rPr lang="en-GB" dirty="0" smtClean="0"/>
+              <a:t>{</a:t>
+            </a:r>
+          </a:p>
+          <a:p>
+            <a:r>
+              <a:rPr lang="en-GB" dirty="0" smtClean="0"/>
+              <a:t>    fake</a:t>
+            </a:r>
+          </a:p>
+          <a:p>
+            <a:r>
+              <a:rPr lang="en-GB" dirty="0"/>
+              <a:t>	</a:t>
+            </a:r>
+            <a:r>
+              <a:rPr lang="en-GB" dirty="0" smtClean="0"/>
+              <a:t>.The&lt;</a:t>
+            </a:r>
+            <a:r>
+              <a:rPr lang="en-GB" dirty="0" err="1" smtClean="0"/>
+              <a:t>IFoo</a:t>
+            </a:r>
+            <a:r>
+              <a:rPr lang="en-GB" dirty="0" smtClean="0"/>
+              <a:t>&gt;</a:t>
+            </a:r>
+          </a:p>
+          <a:p>
+            <a:r>
+              <a:rPr lang="en-GB" dirty="0"/>
+              <a:t>	</a:t>
+            </a:r>
+            <a:r>
+              <a:rPr lang="en-GB" dirty="0" smtClean="0"/>
+              <a:t>.</a:t>
+            </a:r>
+            <a:r>
+              <a:rPr lang="en-GB" dirty="0" err="1" smtClean="0"/>
+              <a:t>WhenToldTo</a:t>
+            </a:r>
+            <a:r>
+              <a:rPr lang="en-GB" dirty="0" smtClean="0"/>
+              <a:t>(x=&gt;</a:t>
+            </a:r>
+            <a:r>
+              <a:rPr lang="en-GB" dirty="0" err="1" smtClean="0"/>
+              <a:t>x.Bar</a:t>
+            </a:r>
+            <a:r>
+              <a:rPr lang="en-GB" dirty="0" smtClean="0"/>
+              <a:t>())</a:t>
+            </a:r>
+          </a:p>
+          <a:p>
+            <a:r>
+              <a:rPr lang="en-GB" dirty="0"/>
+              <a:t>	</a:t>
+            </a:r>
+            <a:r>
+              <a:rPr lang="en-GB" dirty="0" smtClean="0"/>
+              <a:t>.Return(“</a:t>
+            </a:r>
+            <a:r>
+              <a:rPr lang="en-GB" dirty="0" err="1" smtClean="0"/>
+              <a:t>Baz</a:t>
+            </a:r>
+            <a:r>
+              <a:rPr lang="en-GB" dirty="0" smtClean="0"/>
+              <a:t>”);           </a:t>
+            </a:r>
+            <a:br>
+              <a:rPr lang="en-GB" dirty="0" smtClean="0"/>
+            </a:br>
+            <a:r>
+              <a:rPr lang="en-GB" dirty="0" smtClean="0"/>
+              <a:t>}</a:t>
+            </a:r>
+          </a:p>
+          <a:p>
+            <a:endParaRPr lang="en-GB" dirty="0"/>
+          </a:p>
+          <a:p>
+            <a:r>
+              <a:rPr lang="en-GB" dirty="0" err="1" smtClean="0"/>
+              <a:t>OnCleanup</a:t>
+            </a:r>
+            <a:r>
+              <a:rPr lang="en-GB" dirty="0" smtClean="0"/>
+              <a:t> sub</a:t>
             </a:r>
             <a:endParaRPr lang="en-GB" dirty="0"/>
           </a:p>
@@ -17047,7 +14456,7 @@
     </p:spTree>
     <p:extLst>
       <p:ext uri="{BB962C8B-B14F-4D97-AF65-F5344CB8AC3E}">
-        <p14:creationId xmlns:p14="http://schemas.microsoft.com/office/powerpoint/2010/main" val="3105232185"/>
+        <p14:creationId xmlns:p14="http://schemas.microsoft.com/office/powerpoint/2010/main" val="624853509"/>
       </p:ext>
     </p:extLst>
   </p:cSld>
@@ -17097,29 +14506,23 @@
           <a:lstStyle/>
           <a:p>
             <a:r>
-              <a:rPr lang="en-US" dirty="0" smtClean="0"/>
-              <a:t>MSPEC</a:t>
+              <a:rPr lang="en-GB" dirty="0"/>
+              <a:t>CODE</a:t>
             </a:r>
             <a:br>
-              <a:rPr lang="en-US" dirty="0" smtClean="0"/>
+              <a:rPr lang="en-GB" dirty="0"/>
             </a:br>
             <a:r>
-              <a:rPr lang="en-US" dirty="0" smtClean="0">
+              <a:rPr lang="en-GB" dirty="0">
                 <a:solidFill>
                   <a:schemeClr val="bg1">
                     <a:lumMod val="65000"/>
                   </a:schemeClr>
                 </a:solidFill>
               </a:rPr>
-              <a:t>ALT</a:t>
-            </a:r>
-            <a:endParaRPr lang="en-US" dirty="0">
-              <a:solidFill>
-                <a:schemeClr val="bg1">
-                  <a:lumMod val="65000"/>
-                </a:schemeClr>
-              </a:solidFill>
-            </a:endParaRPr>
+              <a:t>BREAK</a:t>
+            </a:r>
+            <a:endParaRPr lang="en-GB" dirty="0"/>
           </a:p>
         </p:txBody>
       </p:sp>
@@ -17139,44 +14542,17 @@
           <a:lstStyle/>
           <a:p>
             <a:r>
-              <a:rPr lang="en-US" dirty="0" smtClean="0"/>
-              <a:t>SHARPDEVELOP</a:t>
-            </a:r>
-          </a:p>
-          <a:p>
-            <a:endParaRPr lang="en-US" dirty="0"/>
-          </a:p>
-          <a:p>
-            <a:r>
-              <a:rPr lang="en-US" dirty="0" smtClean="0"/>
-              <a:t>TEAM CITY</a:t>
-            </a:r>
-          </a:p>
-          <a:p>
-            <a:endParaRPr lang="en-US" dirty="0"/>
-          </a:p>
-          <a:p>
-            <a:r>
-              <a:rPr lang="en-US" dirty="0" smtClean="0"/>
-              <a:t>COMMAND LINE</a:t>
-            </a:r>
-          </a:p>
-          <a:p>
-            <a:endParaRPr lang="en-US" dirty="0"/>
-          </a:p>
-          <a:p>
-            <a:r>
-              <a:rPr lang="en-US" dirty="0" smtClean="0"/>
-              <a:t>MSBUILD TASK</a:t>
-            </a:r>
-            <a:endParaRPr lang="en-US" dirty="0"/>
+              <a:rPr lang="en-GB" dirty="0" smtClean="0"/>
+              <a:t>Creating a test reusing context setup code.</a:t>
+            </a:r>
+            <a:endParaRPr lang="en-GB" dirty="0"/>
           </a:p>
         </p:txBody>
       </p:sp>
     </p:spTree>
     <p:extLst>
       <p:ext uri="{BB962C8B-B14F-4D97-AF65-F5344CB8AC3E}">
-        <p14:creationId xmlns:p14="http://schemas.microsoft.com/office/powerpoint/2010/main" val="543120057"/>
+        <p14:creationId xmlns:p14="http://schemas.microsoft.com/office/powerpoint/2010/main" val="3105232185"/>
       </p:ext>
     </p:extLst>
   </p:cSld>
@@ -17227,14 +14603,10 @@
           <a:p>
             <a:r>
               <a:rPr lang="en-US" dirty="0" smtClean="0"/>
-              <a:t>LESSONS</a:t>
-            </a:r>
-            <a:r>
-              <a:rPr lang="en-US" dirty="0"/>
-              <a:t/>
+              <a:t>MSPEC</a:t>
             </a:r>
             <a:br>
-              <a:rPr lang="en-US" dirty="0"/>
+              <a:rPr lang="en-US" dirty="0" smtClean="0"/>
             </a:br>
             <a:r>
               <a:rPr lang="en-US" dirty="0" smtClean="0">
@@ -17244,7 +14616,7 @@
                   </a:schemeClr>
                 </a:solidFill>
               </a:rPr>
-              <a:t>I LEARNED</a:t>
+              <a:t>ALT</a:t>
             </a:r>
             <a:endParaRPr lang="en-US" dirty="0">
               <a:solidFill>
@@ -17273,7 +14645,7 @@
           <a:p>
             <a:r>
               <a:rPr lang="en-US" dirty="0" smtClean="0"/>
-              <a:t>Treat test code like production code</a:t>
+              <a:t>SHARPDEVELOP</a:t>
             </a:r>
           </a:p>
           <a:p>
@@ -17282,34 +14654,25 @@
           <a:p>
             <a:r>
               <a:rPr lang="en-US" dirty="0" smtClean="0"/>
-              <a:t>Use DI and Factories</a:t>
-            </a:r>
-          </a:p>
-          <a:p>
-            <a:endParaRPr lang="en-US" dirty="0" smtClean="0"/>
-          </a:p>
-          <a:p>
-            <a:r>
-              <a:rPr lang="en-US" dirty="0" smtClean="0"/>
-              <a:t>Be wary of inheritance</a:t>
-            </a:r>
-          </a:p>
-          <a:p>
-            <a:endParaRPr lang="en-US" dirty="0" smtClean="0"/>
-          </a:p>
-          <a:p>
-            <a:r>
-              <a:rPr lang="en-US" dirty="0" smtClean="0"/>
-              <a:t>Tests should be simple</a:t>
-            </a:r>
-          </a:p>
-          <a:p>
-            <a:endParaRPr lang="en-US" dirty="0" smtClean="0"/>
-          </a:p>
-          <a:p>
-            <a:r>
-              <a:rPr lang="en-US" dirty="0" smtClean="0"/>
-              <a:t>Don’t be scared to delete tests</a:t>
+              <a:t>TEAM CITY</a:t>
+            </a:r>
+          </a:p>
+          <a:p>
+            <a:endParaRPr lang="en-US" dirty="0"/>
+          </a:p>
+          <a:p>
+            <a:r>
+              <a:rPr lang="en-US" dirty="0" smtClean="0"/>
+              <a:t>COMMAND LINE</a:t>
+            </a:r>
+          </a:p>
+          <a:p>
+            <a:endParaRPr lang="en-US" dirty="0"/>
+          </a:p>
+          <a:p>
+            <a:r>
+              <a:rPr lang="en-US" dirty="0" smtClean="0"/>
+              <a:t>MSBUILD TASK</a:t>
             </a:r>
             <a:endParaRPr lang="en-US" dirty="0"/>
           </a:p>
@@ -17318,7 +14681,7 @@
     </p:spTree>
     <p:extLst>
       <p:ext uri="{BB962C8B-B14F-4D97-AF65-F5344CB8AC3E}">
-        <p14:creationId xmlns:p14="http://schemas.microsoft.com/office/powerpoint/2010/main" val="1275741682"/>
+        <p14:creationId xmlns:p14="http://schemas.microsoft.com/office/powerpoint/2010/main" val="543120057"/>
       </p:ext>
     </p:extLst>
   </p:cSld>
@@ -17369,9 +14732,32 @@
           <a:p>
             <a:r>
               <a:rPr lang="en-US" dirty="0" smtClean="0"/>
-              <a:t>RESOURCES</a:t>
-            </a:r>
-            <a:endParaRPr lang="en-US" dirty="0"/>
+              <a:t>LESSONS</a:t>
+            </a:r>
+            <a:r>
+              <a:rPr lang="en-US" dirty="0"/>
+              <a:t/>
+            </a:r>
+            <a:br>
+              <a:rPr lang="en-US" dirty="0"/>
+            </a:br>
+            <a:r>
+              <a:rPr lang="en-US" dirty="0" smtClean="0">
+                <a:solidFill>
+                  <a:schemeClr val="bg1">
+                    <a:lumMod val="65000"/>
+                  </a:schemeClr>
+                </a:solidFill>
+              </a:rPr>
+              <a:t>I LEARNED</a:t>
+            </a:r>
+            <a:endParaRPr lang="en-US" dirty="0">
+              <a:solidFill>
+                <a:schemeClr val="bg1">
+                  <a:lumMod val="65000"/>
+                </a:schemeClr>
+              </a:solidFill>
+            </a:endParaRPr>
           </a:p>
         </p:txBody>
       </p:sp>
@@ -17391,120 +14777,53 @@
           <a:lstStyle/>
           <a:p>
             <a:r>
-              <a:rPr lang="en-US" dirty="0" err="1" smtClean="0"/>
-              <a:t>Machine.Specifications</a:t>
-            </a:r>
+              <a:rPr lang="en-US" dirty="0" smtClean="0"/>
+              <a:t>Treat test code like production code</a:t>
+            </a:r>
+          </a:p>
+          <a:p>
+            <a:endParaRPr lang="en-US" dirty="0"/>
+          </a:p>
+          <a:p>
+            <a:r>
+              <a:rPr lang="en-US" dirty="0" smtClean="0"/>
+              <a:t>Use DI and Factories</a:t>
+            </a:r>
+          </a:p>
+          <a:p>
             <a:endParaRPr lang="en-US" dirty="0" smtClean="0"/>
           </a:p>
           <a:p>
             <a:r>
-              <a:rPr lang="en-US" sz="1000" dirty="0">
-                <a:hlinkClick r:id="rId2"/>
-              </a:rPr>
-              <a:t>https://github.com/machine/</a:t>
-            </a:r>
-            <a:r>
-              <a:rPr lang="en-US" sz="1000" dirty="0" smtClean="0">
-                <a:hlinkClick r:id="rId2"/>
-              </a:rPr>
-              <a:t>machine.specifications</a:t>
-            </a:r>
-            <a:endParaRPr lang="en-US" sz="1000" dirty="0" smtClean="0"/>
-          </a:p>
-          <a:p>
-            <a:endParaRPr lang="en-US" sz="1000" dirty="0" smtClean="0"/>
-          </a:p>
-          <a:p>
-            <a:r>
-              <a:rPr lang="en-US" dirty="0" err="1"/>
-              <a:t>Machine.Fakes</a:t>
+              <a:rPr lang="en-US" dirty="0" smtClean="0"/>
+              <a:t>Be wary of inheritance</a:t>
+            </a:r>
+          </a:p>
+          <a:p>
+            <a:endParaRPr lang="en-US" dirty="0" smtClean="0"/>
+          </a:p>
+          <a:p>
+            <a:r>
+              <a:rPr lang="en-US" dirty="0" smtClean="0"/>
+              <a:t>Tests should be simple</a:t>
+            </a:r>
+          </a:p>
+          <a:p>
+            <a:endParaRPr lang="en-US" dirty="0" smtClean="0"/>
+          </a:p>
+          <a:p>
+            <a:r>
+              <a:rPr lang="en-US" dirty="0" smtClean="0"/>
+              <a:t>Don’t be scared to delete tests</a:t>
             </a:r>
             <a:endParaRPr lang="en-US" dirty="0"/>
-          </a:p>
-          <a:p>
-            <a:r>
-              <a:rPr lang="en-US" sz="1000" dirty="0" smtClean="0">
-                <a:hlinkClick r:id="rId3"/>
-              </a:rPr>
-              <a:t>https://github.com/machine/machine.fakes</a:t>
-            </a:r>
-            <a:endParaRPr lang="en-US" sz="1000" dirty="0" smtClean="0"/>
-          </a:p>
-          <a:p>
-            <a:endParaRPr lang="en-US" sz="1000" dirty="0" smtClean="0"/>
-          </a:p>
-          <a:p>
-            <a:r>
-              <a:rPr lang="en-US" dirty="0" err="1" smtClean="0"/>
-              <a:t>Resharper</a:t>
-            </a:r>
-            <a:r>
-              <a:rPr lang="en-US" dirty="0" smtClean="0"/>
-              <a:t> templates</a:t>
-            </a:r>
-            <a:r>
-              <a:rPr lang="en-US" dirty="0"/>
-              <a:t>	</a:t>
-            </a:r>
-            <a:endParaRPr lang="en-US" dirty="0" smtClean="0"/>
-          </a:p>
-          <a:p>
-            <a:r>
-              <a:rPr lang="en-US" sz="1000" dirty="0" smtClean="0">
-                <a:hlinkClick r:id="rId4"/>
-              </a:rPr>
-              <a:t>http</a:t>
-            </a:r>
-            <a:r>
-              <a:rPr lang="en-US" sz="1000" dirty="0">
-                <a:hlinkClick r:id="rId4"/>
-              </a:rPr>
-              <a:t>://</a:t>
-            </a:r>
-            <a:r>
-              <a:rPr lang="en-US" sz="1000" dirty="0" smtClean="0">
-                <a:hlinkClick r:id="rId4"/>
-              </a:rPr>
-              <a:t>therightstuff.de/2010/03/03/MachineSpecifications-Templates-For-ReSharper.aspx</a:t>
-            </a:r>
-            <a:r>
-              <a:rPr lang="en-US" sz="1000" dirty="0" smtClean="0"/>
-              <a:t/>
-            </a:r>
-            <a:br>
-              <a:rPr lang="en-US" sz="1000" dirty="0" smtClean="0"/>
-            </a:br>
-            <a:r>
-              <a:rPr lang="en-US" sz="1000" dirty="0" smtClean="0"/>
-              <a:t/>
-            </a:r>
-            <a:br>
-              <a:rPr lang="en-US" sz="1000" dirty="0" smtClean="0"/>
-            </a:br>
-            <a:r>
-              <a:rPr lang="en-US" dirty="0" err="1"/>
-              <a:t>Resharper</a:t>
-            </a:r>
-            <a:r>
-              <a:rPr lang="en-US" dirty="0"/>
-              <a:t> settings</a:t>
-            </a:r>
-          </a:p>
-          <a:p>
-            <a:r>
-              <a:rPr lang="en-US" sz="1000" dirty="0">
-                <a:hlinkClick r:id="rId5"/>
-              </a:rPr>
-              <a:t>http://www.thebooleanfrog.com/post/2011/11/24/ReSharper-StyleCop-and-MSpec-All-Together-Now.aspx</a:t>
-            </a:r>
-            <a:endParaRPr lang="en-US" sz="1000" dirty="0" smtClean="0"/>
           </a:p>
         </p:txBody>
       </p:sp>
     </p:spTree>
     <p:extLst>
       <p:ext uri="{BB962C8B-B14F-4D97-AF65-F5344CB8AC3E}">
-        <p14:creationId xmlns:p14="http://schemas.microsoft.com/office/powerpoint/2010/main" val="237561164"/>
+        <p14:creationId xmlns:p14="http://schemas.microsoft.com/office/powerpoint/2010/main" val="1275741682"/>
       </p:ext>
     </p:extLst>
   </p:cSld>
@@ -17554,6 +14873,180 @@
           <a:lstStyle/>
           <a:p>
             <a:r>
+              <a:rPr lang="en-US" dirty="0" smtClean="0"/>
+              <a:t>RESOURCES</a:t>
+            </a:r>
+            <a:endParaRPr lang="en-US" dirty="0"/>
+          </a:p>
+        </p:txBody>
+      </p:sp>
+      <p:sp>
+        <p:nvSpPr>
+          <p:cNvPr id="3" name="Content Placeholder 2"/>
+          <p:cNvSpPr>
+            <a:spLocks noGrp="1"/>
+          </p:cNvSpPr>
+          <p:nvPr>
+            <p:ph idx="1"/>
+          </p:nvPr>
+        </p:nvSpPr>
+        <p:spPr/>
+        <p:txBody>
+          <a:bodyPr/>
+          <a:lstStyle/>
+          <a:p>
+            <a:r>
+              <a:rPr lang="en-US" dirty="0" err="1" smtClean="0"/>
+              <a:t>Machine.Specifications</a:t>
+            </a:r>
+            <a:endParaRPr lang="en-US" dirty="0" smtClean="0"/>
+          </a:p>
+          <a:p>
+            <a:r>
+              <a:rPr lang="en-US" sz="1000" dirty="0">
+                <a:hlinkClick r:id="rId2"/>
+              </a:rPr>
+              <a:t>https://github.com/machine/</a:t>
+            </a:r>
+            <a:r>
+              <a:rPr lang="en-US" sz="1000" dirty="0" smtClean="0">
+                <a:hlinkClick r:id="rId2"/>
+              </a:rPr>
+              <a:t>machine.specifications</a:t>
+            </a:r>
+            <a:endParaRPr lang="en-US" sz="1000" dirty="0" smtClean="0"/>
+          </a:p>
+          <a:p>
+            <a:endParaRPr lang="en-US" sz="1000" dirty="0" smtClean="0"/>
+          </a:p>
+          <a:p>
+            <a:r>
+              <a:rPr lang="en-US" dirty="0" err="1"/>
+              <a:t>Machine.Fakes</a:t>
+            </a:r>
+            <a:endParaRPr lang="en-US" dirty="0"/>
+          </a:p>
+          <a:p>
+            <a:r>
+              <a:rPr lang="en-US" sz="1000" dirty="0" smtClean="0">
+                <a:hlinkClick r:id="rId3"/>
+              </a:rPr>
+              <a:t>https://github.com/machine/machine.fakes</a:t>
+            </a:r>
+            <a:endParaRPr lang="en-US" sz="1000" dirty="0" smtClean="0"/>
+          </a:p>
+          <a:p>
+            <a:endParaRPr lang="en-US" sz="1000" dirty="0" smtClean="0"/>
+          </a:p>
+          <a:p>
+            <a:r>
+              <a:rPr lang="en-US" dirty="0" err="1" smtClean="0"/>
+              <a:t>Resharper</a:t>
+            </a:r>
+            <a:r>
+              <a:rPr lang="en-US" dirty="0" smtClean="0"/>
+              <a:t> templates</a:t>
+            </a:r>
+            <a:r>
+              <a:rPr lang="en-US" dirty="0"/>
+              <a:t>	</a:t>
+            </a:r>
+            <a:endParaRPr lang="en-US" dirty="0" smtClean="0"/>
+          </a:p>
+          <a:p>
+            <a:r>
+              <a:rPr lang="en-US" sz="1000" dirty="0" smtClean="0">
+                <a:hlinkClick r:id="rId4"/>
+              </a:rPr>
+              <a:t>http://therightstuff.de/2010/03/03/MachineSpecifications-Templates-For-ReSharper.aspx</a:t>
+            </a:r>
+            <a:r>
+              <a:rPr lang="en-US" sz="1000" dirty="0" smtClean="0"/>
+              <a:t/>
+            </a:r>
+            <a:br>
+              <a:rPr lang="en-US" sz="1000" dirty="0" smtClean="0"/>
+            </a:br>
+            <a:r>
+              <a:rPr lang="en-US" sz="1000" dirty="0" smtClean="0"/>
+              <a:t/>
+            </a:r>
+            <a:br>
+              <a:rPr lang="en-US" sz="1000" dirty="0" smtClean="0"/>
+            </a:br>
+            <a:r>
+              <a:rPr lang="en-US" dirty="0" err="1"/>
+              <a:t>Resharper</a:t>
+            </a:r>
+            <a:r>
+              <a:rPr lang="en-US" dirty="0"/>
+              <a:t> settings</a:t>
+            </a:r>
+          </a:p>
+          <a:p>
+            <a:r>
+              <a:rPr lang="en-US" sz="1000" dirty="0">
+                <a:hlinkClick r:id="rId5"/>
+              </a:rPr>
+              <a:t>http://www.thebooleanfrog.com/post/2011/11/24/ReSharper-StyleCop-and-MSpec-All-Together-Now.aspx</a:t>
+            </a:r>
+            <a:endParaRPr lang="en-US" sz="1000" dirty="0" smtClean="0"/>
+          </a:p>
+        </p:txBody>
+      </p:sp>
+    </p:spTree>
+    <p:extLst>
+      <p:ext uri="{BB962C8B-B14F-4D97-AF65-F5344CB8AC3E}">
+        <p14:creationId xmlns:p14="http://schemas.microsoft.com/office/powerpoint/2010/main" val="237561164"/>
+      </p:ext>
+    </p:extLst>
+  </p:cSld>
+  <p:clrMapOvr>
+    <a:masterClrMapping/>
+  </p:clrMapOvr>
+  <p:timing>
+    <p:tnLst>
+      <p:par>
+        <p:cTn xmlns:p14="http://schemas.microsoft.com/office/powerpoint/2010/main" id="1" dur="indefinite" restart="never" nodeType="tmRoot"/>
+      </p:par>
+    </p:tnLst>
+  </p:timing>
+</p:sld>
+</file>
+
+<file path=ppt/slides/slide25.xml><?xml version="1.0" encoding="utf-8"?>
+<p:sld xmlns:a="http://schemas.openxmlformats.org/drawingml/2006/main" xmlns:r="http://schemas.openxmlformats.org/officeDocument/2006/relationships" xmlns:p="http://schemas.openxmlformats.org/presentationml/2006/main">
+  <p:cSld>
+    <p:spTree>
+      <p:nvGrpSpPr>
+        <p:cNvPr id="1" name=""/>
+        <p:cNvGrpSpPr/>
+        <p:nvPr/>
+      </p:nvGrpSpPr>
+      <p:grpSpPr>
+        <a:xfrm>
+          <a:off x="0" y="0"/>
+          <a:ext cx="0" cy="0"/>
+          <a:chOff x="0" y="0"/>
+          <a:chExt cx="0" cy="0"/>
+        </a:xfrm>
+      </p:grpSpPr>
+      <p:sp>
+        <p:nvSpPr>
+          <p:cNvPr id="2" name="Title 1"/>
+          <p:cNvSpPr>
+            <a:spLocks noGrp="1"/>
+          </p:cNvSpPr>
+          <p:nvPr>
+            <p:ph type="title"/>
+          </p:nvPr>
+        </p:nvSpPr>
+        <p:spPr/>
+        <p:txBody>
+          <a:bodyPr/>
+          <a:lstStyle/>
+          <a:p>
+            <a:r>
               <a:rPr lang="en-GB" dirty="0" smtClean="0"/>
               <a:t>Projects using</a:t>
             </a:r>
@@ -17703,7 +15196,7 @@
 </p:sld>
 </file>
 
-<file path=ppt/slides/slide25.xml><?xml version="1.0" encoding="utf-8"?>
+<file path=ppt/slides/slide26.xml><?xml version="1.0" encoding="utf-8"?>
 <p:sld xmlns:a="http://schemas.openxmlformats.org/drawingml/2006/main" xmlns:r="http://schemas.openxmlformats.org/officeDocument/2006/relationships" xmlns:p="http://schemas.openxmlformats.org/presentationml/2006/main">
   <p:cSld>
     <p:spTree>
@@ -18801,52 +16294,104 @@
           <a:p>
             <a:pPr lvl="1"/>
             <a:r>
+              <a:rPr lang="en-US" b="1" dirty="0" smtClean="0">
+                <a:solidFill>
+                  <a:srgbClr val="000000"/>
+                </a:solidFill>
+              </a:rPr>
+              <a:t>Given</a:t>
+            </a:r>
+            <a:r>
+              <a:rPr lang="en-US" dirty="0" smtClean="0">
+                <a:solidFill>
+                  <a:srgbClr val="000000"/>
+                </a:solidFill>
+              </a:rPr>
+              <a:t> </a:t>
+            </a:r>
+            <a:r>
+              <a:rPr lang="en-US" dirty="0" smtClean="0"/>
+              <a:t>some context</a:t>
+            </a:r>
+          </a:p>
+          <a:p>
+            <a:pPr lvl="1"/>
+            <a:r>
+              <a:rPr lang="en-US" b="1" dirty="0" smtClean="0">
+                <a:solidFill>
+                  <a:srgbClr val="000000"/>
+                </a:solidFill>
+              </a:rPr>
+              <a:t>And</a:t>
+            </a:r>
+            <a:r>
               <a:rPr lang="en-US" b="1" dirty="0" smtClean="0"/>
-              <a:t>Given</a:t>
-            </a:r>
-            <a:r>
-              <a:rPr lang="en-US" dirty="0" smtClean="0"/>
-              <a:t> some context</a:t>
+              <a:t> </a:t>
+            </a:r>
+            <a:r>
+              <a:rPr lang="en-US" dirty="0" smtClean="0"/>
+              <a:t>some other condition</a:t>
             </a:r>
           </a:p>
           <a:p>
             <a:pPr lvl="1"/>
             <a:r>
+              <a:rPr lang="en-US" b="1" dirty="0" smtClean="0">
+                <a:solidFill>
+                  <a:srgbClr val="000000"/>
+                </a:solidFill>
+              </a:rPr>
+              <a:t>When</a:t>
+            </a:r>
+            <a:r>
+              <a:rPr lang="en-US" dirty="0" smtClean="0">
+                <a:solidFill>
+                  <a:srgbClr val="000000"/>
+                </a:solidFill>
+              </a:rPr>
+              <a:t> </a:t>
+            </a:r>
+            <a:r>
+              <a:rPr lang="en-US" dirty="0" smtClean="0"/>
+              <a:t>the actor perform an action</a:t>
+            </a:r>
+          </a:p>
+          <a:p>
+            <a:pPr lvl="1"/>
+            <a:r>
+              <a:rPr lang="en-US" b="1" dirty="0" smtClean="0">
+                <a:solidFill>
+                  <a:srgbClr val="000000"/>
+                </a:solidFill>
+              </a:rPr>
+              <a:t>Then</a:t>
+            </a:r>
+            <a:r>
+              <a:rPr lang="en-US" dirty="0" smtClean="0">
+                <a:solidFill>
+                  <a:srgbClr val="000000"/>
+                </a:solidFill>
+              </a:rPr>
+              <a:t> </a:t>
+            </a:r>
+            <a:r>
+              <a:rPr lang="en-US" dirty="0" smtClean="0"/>
+              <a:t>the outcome is achieved</a:t>
+            </a:r>
+          </a:p>
+          <a:p>
+            <a:pPr lvl="1"/>
+            <a:r>
+              <a:rPr lang="en-US" b="1" dirty="0" smtClean="0">
+                <a:solidFill>
+                  <a:srgbClr val="000000"/>
+                </a:solidFill>
+              </a:rPr>
+              <a:t>And</a:t>
+            </a:r>
+            <a:r>
               <a:rPr lang="en-US" b="1" dirty="0" smtClean="0"/>
-              <a:t>And </a:t>
-            </a:r>
-            <a:r>
-              <a:rPr lang="en-US" dirty="0" smtClean="0"/>
-              <a:t>some other condition</a:t>
-            </a:r>
-          </a:p>
-          <a:p>
-            <a:pPr lvl="1"/>
-            <a:r>
-              <a:rPr lang="en-US" b="1" dirty="0" smtClean="0"/>
-              <a:t>When</a:t>
-            </a:r>
-            <a:r>
-              <a:rPr lang="en-US" dirty="0" smtClean="0"/>
-              <a:t> the actor perform an action</a:t>
-            </a:r>
-          </a:p>
-          <a:p>
-            <a:pPr lvl="1"/>
-            <a:r>
-              <a:rPr lang="en-US" b="1" dirty="0" smtClean="0"/>
-              <a:t>Then</a:t>
-            </a:r>
-            <a:r>
-              <a:rPr lang="en-US" dirty="0" smtClean="0"/>
-              <a:t> the outcome is achieved</a:t>
-            </a:r>
-          </a:p>
-          <a:p>
-            <a:pPr lvl="1"/>
-            <a:r>
-              <a:rPr lang="en-US" b="1" dirty="0" smtClean="0"/>
-              <a:t>And </a:t>
+              <a:t> </a:t>
             </a:r>
             <a:r>
               <a:rPr lang="en-US" dirty="0" smtClean="0"/>
@@ -19119,52 +16664,104 @@
           <a:p>
             <a:pPr lvl="1"/>
             <a:r>
+              <a:rPr lang="en-US" b="1" dirty="0" smtClean="0">
+                <a:solidFill>
+                  <a:schemeClr val="tx1"/>
+                </a:solidFill>
+              </a:rPr>
+              <a:t>Given</a:t>
+            </a:r>
+            <a:r>
+              <a:rPr lang="en-US" dirty="0" smtClean="0">
+                <a:solidFill>
+                  <a:schemeClr val="tx1"/>
+                </a:solidFill>
+              </a:rPr>
+              <a:t> </a:t>
+            </a:r>
+            <a:r>
+              <a:rPr lang="en-US" dirty="0" smtClean="0"/>
+              <a:t>the source account is sufficient</a:t>
+            </a:r>
+          </a:p>
+          <a:p>
+            <a:pPr lvl="1"/>
+            <a:r>
+              <a:rPr lang="en-US" b="1" dirty="0" smtClean="0">
+                <a:solidFill>
+                  <a:srgbClr val="000000"/>
+                </a:solidFill>
+              </a:rPr>
+              <a:t>And</a:t>
+            </a:r>
+            <a:r>
               <a:rPr lang="en-US" b="1" dirty="0" smtClean="0"/>
-              <a:t>Given</a:t>
-            </a:r>
-            <a:r>
-              <a:rPr lang="en-US" dirty="0" smtClean="0"/>
-              <a:t> the source account is sufficient</a:t>
+              <a:t> </a:t>
+            </a:r>
+            <a:r>
+              <a:rPr lang="en-US" dirty="0" smtClean="0"/>
+              <a:t>the customer has signed up to online banking</a:t>
             </a:r>
           </a:p>
           <a:p>
             <a:pPr lvl="1"/>
             <a:r>
+              <a:rPr lang="en-US" b="1" dirty="0" smtClean="0">
+                <a:solidFill>
+                  <a:srgbClr val="000000"/>
+                </a:solidFill>
+              </a:rPr>
+              <a:t>When</a:t>
+            </a:r>
+            <a:r>
+              <a:rPr lang="en-US" dirty="0" smtClean="0">
+                <a:solidFill>
+                  <a:srgbClr val="000000"/>
+                </a:solidFill>
+              </a:rPr>
+              <a:t> </a:t>
+            </a:r>
+            <a:r>
+              <a:rPr lang="en-US" dirty="0" smtClean="0"/>
+              <a:t>the customer transfers money between accounts</a:t>
+            </a:r>
+          </a:p>
+          <a:p>
+            <a:pPr lvl="1"/>
+            <a:r>
+              <a:rPr lang="en-US" b="1" dirty="0" smtClean="0">
+                <a:solidFill>
+                  <a:srgbClr val="000000"/>
+                </a:solidFill>
+              </a:rPr>
+              <a:t>Then</a:t>
+            </a:r>
+            <a:r>
+              <a:rPr lang="en-US" dirty="0" smtClean="0">
+                <a:solidFill>
+                  <a:srgbClr val="000000"/>
+                </a:solidFill>
+              </a:rPr>
+              <a:t> </a:t>
+            </a:r>
+            <a:r>
+              <a:rPr lang="en-US" dirty="0" smtClean="0"/>
+              <a:t>the target account is credited immediately</a:t>
+            </a:r>
+          </a:p>
+          <a:p>
+            <a:pPr lvl="1"/>
+            <a:r>
+              <a:rPr lang="en-US" b="1" dirty="0" smtClean="0">
+                <a:solidFill>
+                  <a:srgbClr val="000000"/>
+                </a:solidFill>
+              </a:rPr>
+              <a:t>And</a:t>
+            </a:r>
+            <a:r>
               <a:rPr lang="en-US" b="1" dirty="0" smtClean="0"/>
-              <a:t>And </a:t>
-            </a:r>
-            <a:r>
-              <a:rPr lang="en-US" dirty="0" smtClean="0"/>
-              <a:t>the customer has signed up to online banking</a:t>
-            </a:r>
-          </a:p>
-          <a:p>
-            <a:pPr lvl="1"/>
-            <a:r>
-              <a:rPr lang="en-US" b="1" dirty="0" smtClean="0"/>
-              <a:t>When</a:t>
-            </a:r>
-            <a:r>
-              <a:rPr lang="en-US" dirty="0" smtClean="0"/>
-              <a:t> the customer transfers money between accounts</a:t>
-            </a:r>
-          </a:p>
-          <a:p>
-            <a:pPr lvl="1"/>
-            <a:r>
-              <a:rPr lang="en-US" b="1" dirty="0" smtClean="0"/>
-              <a:t>Then</a:t>
-            </a:r>
-            <a:r>
-              <a:rPr lang="en-US" dirty="0" smtClean="0"/>
-              <a:t> the target account is credited immediately</a:t>
-            </a:r>
-          </a:p>
-          <a:p>
-            <a:pPr lvl="1"/>
-            <a:r>
-              <a:rPr lang="en-US" b="1" dirty="0" smtClean="0"/>
-              <a:t>And </a:t>
+              <a:t> </a:t>
             </a:r>
             <a:r>
               <a:rPr lang="en-US" dirty="0" smtClean="0"/>
@@ -19189,10 +16786,22 @@
             <a:pPr marL="0" lvl="1"/>
             <a:r>
               <a:rPr lang="en-US" b="1" dirty="0" smtClean="0"/>
-              <a:t>         Given</a:t>
-            </a:r>
-            <a:r>
-              <a:rPr lang="en-US" dirty="0" smtClean="0"/>
+              <a:t>         </a:t>
+            </a:r>
+            <a:r>
+              <a:rPr lang="en-US" b="1" dirty="0" smtClean="0">
+                <a:solidFill>
+                  <a:srgbClr val="000000"/>
+                </a:solidFill>
+              </a:rPr>
+              <a:t>Given</a:t>
+            </a:r>
+            <a:r>
+              <a:rPr lang="en-US" dirty="0" smtClean="0">
+                <a:solidFill>
+                  <a:srgbClr val="000000"/>
+                </a:solidFill>
+              </a:rPr>
               <a:t> </a:t>
             </a:r>
             <a:r>
